--- a/assets/Assets_Presentaciones/TercerHito/Hito 3.pptx
+++ b/assets/Assets_Presentaciones/TercerHito/Hito 3.pptx
@@ -1,38 +1,42 @@
 
 <file path=ppt/presentation.xml><?xml version="1.0" encoding="utf-8"?>
-<p:presentation xmlns:a="http://schemas.openxmlformats.org/drawingml/2006/main" xmlns:r="http://schemas.openxmlformats.org/officeDocument/2006/relationships" xmlns:mc="http://schemas.openxmlformats.org/markup-compatibility/2006" xmlns:mv="urn:schemas-microsoft-com:mac:vml" xmlns:p="http://schemas.openxmlformats.org/presentationml/2006/main" xmlns:c="http://schemas.openxmlformats.org/drawingml/2006/chart" xmlns:dgm="http://schemas.openxmlformats.org/drawingml/2006/diagram" xmlns:o="urn:schemas-microsoft-com:office:office" xmlns:v="urn:schemas-microsoft-com:vml" xmlns:pvml="urn:schemas-microsoft-com:office:powerpoint" xmlns:com="http://schemas.openxmlformats.org/drawingml/2006/compatibility" xmlns:p14="http://schemas.microsoft.com/office/powerpoint/2010/main" xmlns:p15="http://schemas.microsoft.com/office/powerpoint/2012/main" autoCompressPictures="0" embedTrueTypeFonts="1" strictFirstAndLastChars="0" saveSubsetFonts="1">
+<p:presentation xmlns:a="http://schemas.openxmlformats.org/drawingml/2006/main" xmlns:r="http://schemas.openxmlformats.org/officeDocument/2006/relationships" xmlns:p="http://schemas.openxmlformats.org/presentationml/2006/main" strictFirstAndLastChars="0" embedTrueTypeFonts="1" saveSubsetFonts="1" autoCompressPictures="0">
   <p:sldMasterIdLst>
-    <p:sldMasterId id="2147483659" r:id="rId4"/>
+    <p:sldMasterId id="2147483659" r:id="rId1"/>
   </p:sldMasterIdLst>
   <p:notesMasterIdLst>
-    <p:notesMasterId r:id="rId5"/>
+    <p:notesMasterId r:id="rId13"/>
   </p:notesMasterIdLst>
   <p:sldIdLst>
-    <p:sldId id="256" r:id="rId6"/>
-    <p:sldId id="257" r:id="rId7"/>
-    <p:sldId id="258" r:id="rId8"/>
-    <p:sldId id="259" r:id="rId9"/>
-    <p:sldId id="260" r:id="rId10"/>
-    <p:sldId id="261" r:id="rId11"/>
-    <p:sldId id="262" r:id="rId12"/>
-    <p:sldId id="263" r:id="rId13"/>
-    <p:sldId id="264" r:id="rId14"/>
-    <p:sldId id="265" r:id="rId15"/>
-    <p:sldId id="266" r:id="rId16"/>
+    <p:sldId id="256" r:id="rId2"/>
+    <p:sldId id="257" r:id="rId3"/>
+    <p:sldId id="258" r:id="rId4"/>
+    <p:sldId id="259" r:id="rId5"/>
+    <p:sldId id="260" r:id="rId6"/>
+    <p:sldId id="261" r:id="rId7"/>
+    <p:sldId id="262" r:id="rId8"/>
+    <p:sldId id="263" r:id="rId9"/>
+    <p:sldId id="264" r:id="rId10"/>
+    <p:sldId id="265" r:id="rId11"/>
+    <p:sldId id="266" r:id="rId12"/>
   </p:sldIdLst>
-  <p:sldSz cy="5143500" cx="9144000"/>
+  <p:sldSz cx="9144000" cy="5143500" type="screen16x9"/>
   <p:notesSz cx="6858000" cy="9144000"/>
   <p:embeddedFontLst>
     <p:embeddedFont>
-      <p:font typeface="Lora"/>
-      <p:regular r:id="rId17"/>
-      <p:bold r:id="rId18"/>
-      <p:italic r:id="rId19"/>
-      <p:boldItalic r:id="rId20"/>
+      <p:font typeface="Lora" charset="0"/>
+      <p:regular r:id="rId14"/>
+      <p:bold r:id="rId15"/>
+      <p:italic r:id="rId16"/>
+      <p:boldItalic r:id="rId17"/>
+    </p:embeddedFont>
+    <p:embeddedFont>
+      <p:font typeface="Impact" pitchFamily="34" charset="0"/>
+      <p:regular r:id="rId18"/>
     </p:embeddedFont>
   </p:embeddedFontLst>
   <p:defaultTextStyle>
-    <a:defPPr lvl="0" marR="0" rtl="0" algn="l">
+    <a:defPPr marR="0" lvl="0" algn="l" rtl="0">
       <a:lnSpc>
         <a:spcPct val="100000"/>
       </a:lnSpc>
@@ -43,7 +47,7 @@
         <a:spcPts val="0"/>
       </a:spcAft>
     </a:defPPr>
-    <a:lvl1pPr lvl="0" marR="0" rtl="0" algn="l">
+    <a:lvl1pPr marR="0" lvl="0" algn="l" rtl="0">
       <a:lnSpc>
         <a:spcPct val="100000"/>
       </a:lnSpc>
@@ -57,7 +61,7 @@
         <a:srgbClr val="000000"/>
       </a:buClr>
       <a:buFont typeface="Arial"/>
-      <a:defRPr b="0" i="0" sz="1400" u="none" cap="none" strike="noStrike">
+      <a:defRPr sz="1400" b="0" i="0" u="none" strike="noStrike" cap="none">
         <a:solidFill>
           <a:srgbClr val="000000"/>
         </a:solidFill>
@@ -67,7 +71,7 @@
         <a:sym typeface="Arial"/>
       </a:defRPr>
     </a:lvl1pPr>
-    <a:lvl2pPr lvl="1" marR="0" rtl="0" algn="l">
+    <a:lvl2pPr marR="0" lvl="1" algn="l" rtl="0">
       <a:lnSpc>
         <a:spcPct val="100000"/>
       </a:lnSpc>
@@ -81,7 +85,7 @@
         <a:srgbClr val="000000"/>
       </a:buClr>
       <a:buFont typeface="Arial"/>
-      <a:defRPr b="0" i="0" sz="1400" u="none" cap="none" strike="noStrike">
+      <a:defRPr sz="1400" b="0" i="0" u="none" strike="noStrike" cap="none">
         <a:solidFill>
           <a:srgbClr val="000000"/>
         </a:solidFill>
@@ -91,7 +95,7 @@
         <a:sym typeface="Arial"/>
       </a:defRPr>
     </a:lvl2pPr>
-    <a:lvl3pPr lvl="2" marR="0" rtl="0" algn="l">
+    <a:lvl3pPr marR="0" lvl="2" algn="l" rtl="0">
       <a:lnSpc>
         <a:spcPct val="100000"/>
       </a:lnSpc>
@@ -105,7 +109,7 @@
         <a:srgbClr val="000000"/>
       </a:buClr>
       <a:buFont typeface="Arial"/>
-      <a:defRPr b="0" i="0" sz="1400" u="none" cap="none" strike="noStrike">
+      <a:defRPr sz="1400" b="0" i="0" u="none" strike="noStrike" cap="none">
         <a:solidFill>
           <a:srgbClr val="000000"/>
         </a:solidFill>
@@ -115,7 +119,7 @@
         <a:sym typeface="Arial"/>
       </a:defRPr>
     </a:lvl3pPr>
-    <a:lvl4pPr lvl="3" marR="0" rtl="0" algn="l">
+    <a:lvl4pPr marR="0" lvl="3" algn="l" rtl="0">
       <a:lnSpc>
         <a:spcPct val="100000"/>
       </a:lnSpc>
@@ -129,7 +133,7 @@
         <a:srgbClr val="000000"/>
       </a:buClr>
       <a:buFont typeface="Arial"/>
-      <a:defRPr b="0" i="0" sz="1400" u="none" cap="none" strike="noStrike">
+      <a:defRPr sz="1400" b="0" i="0" u="none" strike="noStrike" cap="none">
         <a:solidFill>
           <a:srgbClr val="000000"/>
         </a:solidFill>
@@ -139,7 +143,7 @@
         <a:sym typeface="Arial"/>
       </a:defRPr>
     </a:lvl4pPr>
-    <a:lvl5pPr lvl="4" marR="0" rtl="0" algn="l">
+    <a:lvl5pPr marR="0" lvl="4" algn="l" rtl="0">
       <a:lnSpc>
         <a:spcPct val="100000"/>
       </a:lnSpc>
@@ -153,7 +157,7 @@
         <a:srgbClr val="000000"/>
       </a:buClr>
       <a:buFont typeface="Arial"/>
-      <a:defRPr b="0" i="0" sz="1400" u="none" cap="none" strike="noStrike">
+      <a:defRPr sz="1400" b="0" i="0" u="none" strike="noStrike" cap="none">
         <a:solidFill>
           <a:srgbClr val="000000"/>
         </a:solidFill>
@@ -163,7 +167,7 @@
         <a:sym typeface="Arial"/>
       </a:defRPr>
     </a:lvl5pPr>
-    <a:lvl6pPr lvl="5" marR="0" rtl="0" algn="l">
+    <a:lvl6pPr marR="0" lvl="5" algn="l" rtl="0">
       <a:lnSpc>
         <a:spcPct val="100000"/>
       </a:lnSpc>
@@ -177,7 +181,7 @@
         <a:srgbClr val="000000"/>
       </a:buClr>
       <a:buFont typeface="Arial"/>
-      <a:defRPr b="0" i="0" sz="1400" u="none" cap="none" strike="noStrike">
+      <a:defRPr sz="1400" b="0" i="0" u="none" strike="noStrike" cap="none">
         <a:solidFill>
           <a:srgbClr val="000000"/>
         </a:solidFill>
@@ -187,7 +191,7 @@
         <a:sym typeface="Arial"/>
       </a:defRPr>
     </a:lvl6pPr>
-    <a:lvl7pPr lvl="6" marR="0" rtl="0" algn="l">
+    <a:lvl7pPr marR="0" lvl="6" algn="l" rtl="0">
       <a:lnSpc>
         <a:spcPct val="100000"/>
       </a:lnSpc>
@@ -201,7 +205,7 @@
         <a:srgbClr val="000000"/>
       </a:buClr>
       <a:buFont typeface="Arial"/>
-      <a:defRPr b="0" i="0" sz="1400" u="none" cap="none" strike="noStrike">
+      <a:defRPr sz="1400" b="0" i="0" u="none" strike="noStrike" cap="none">
         <a:solidFill>
           <a:srgbClr val="000000"/>
         </a:solidFill>
@@ -211,7 +215,7 @@
         <a:sym typeface="Arial"/>
       </a:defRPr>
     </a:lvl7pPr>
-    <a:lvl8pPr lvl="7" marR="0" rtl="0" algn="l">
+    <a:lvl8pPr marR="0" lvl="7" algn="l" rtl="0">
       <a:lnSpc>
         <a:spcPct val="100000"/>
       </a:lnSpc>
@@ -225,7 +229,7 @@
         <a:srgbClr val="000000"/>
       </a:buClr>
       <a:buFont typeface="Arial"/>
-      <a:defRPr b="0" i="0" sz="1400" u="none" cap="none" strike="noStrike">
+      <a:defRPr sz="1400" b="0" i="0" u="none" strike="noStrike" cap="none">
         <a:solidFill>
           <a:srgbClr val="000000"/>
         </a:solidFill>
@@ -235,7 +239,7 @@
         <a:sym typeface="Arial"/>
       </a:defRPr>
     </a:lvl8pPr>
-    <a:lvl9pPr lvl="8" marR="0" rtl="0" algn="l">
+    <a:lvl9pPr marR="0" lvl="8" algn="l" rtl="0">
       <a:lnSpc>
         <a:spcPct val="100000"/>
       </a:lnSpc>
@@ -249,7 +253,7 @@
         <a:srgbClr val="000000"/>
       </a:buClr>
       <a:buFont typeface="Arial"/>
-      <a:defRPr b="0" i="0" sz="1400" u="none" cap="none" strike="noStrike">
+      <a:defRPr sz="1400" b="0" i="0" u="none" strike="noStrike" cap="none">
         <a:solidFill>
           <a:srgbClr val="000000"/>
         </a:solidFill>
@@ -262,7 +266,7 @@
   </p:defaultTextStyle>
   <p:extLst>
     <p:ext uri="{EFAFB233-063F-42B5-8137-9DF3F51BA10A}">
-      <p15:sldGuideLst>
+      <p15:sldGuideLst xmlns:p15="http://schemas.microsoft.com/office/powerpoint/2012/main" xmlns:p14="http://schemas.microsoft.com/office/powerpoint/2010/main" xmlns:com="http://schemas.openxmlformats.org/drawingml/2006/compatibility" xmlns:pvml="urn:schemas-microsoft-com:office:powerpoint" xmlns:v="urn:schemas-microsoft-com:vml" xmlns:o="urn:schemas-microsoft-com:office:office" xmlns:dgm="http://schemas.openxmlformats.org/drawingml/2006/diagram" xmlns:c="http://schemas.openxmlformats.org/drawingml/2006/chart" xmlns:mv="urn:schemas-microsoft-com:mac:vml" xmlns:mc="http://schemas.openxmlformats.org/markup-compatibility/2006" xmlns="">
         <p15:guide id="1" orient="horz" pos="1620">
           <p15:clr>
             <a:srgbClr val="A4A3A4"/>
@@ -280,11 +284,16 @@
 </file>
 
 <file path=ppt/notesMasters/notesMaster1.xml><?xml version="1.0" encoding="utf-8"?>
-<p:notesMaster xmlns:a="http://schemas.openxmlformats.org/drawingml/2006/main" xmlns:r="http://schemas.openxmlformats.org/officeDocument/2006/relationships" xmlns:mc="http://schemas.openxmlformats.org/markup-compatibility/2006" xmlns:mv="urn:schemas-microsoft-com:mac:vml" xmlns:p="http://schemas.openxmlformats.org/presentationml/2006/main" xmlns:c="http://schemas.openxmlformats.org/drawingml/2006/chart" xmlns:dgm="http://schemas.openxmlformats.org/drawingml/2006/diagram" xmlns:o="urn:schemas-microsoft-com:office:office" xmlns:v="urn:schemas-microsoft-com:vml" xmlns:pvml="urn:schemas-microsoft-com:office:powerpoint" xmlns:com="http://schemas.openxmlformats.org/drawingml/2006/compatibility" xmlns:p14="http://schemas.microsoft.com/office/powerpoint/2010/main" xmlns:p15="http://schemas.microsoft.com/office/powerpoint/2012/main">
+<p:notesMaster xmlns:a="http://schemas.openxmlformats.org/drawingml/2006/main" xmlns:r="http://schemas.openxmlformats.org/officeDocument/2006/relationships" xmlns:p="http://schemas.openxmlformats.org/presentationml/2006/main">
   <p:cSld>
+    <p:bg>
+      <p:bgRef idx="1001">
+        <a:schemeClr val="bg1"/>
+      </p:bgRef>
+    </p:bg>
     <p:spTree>
       <p:nvGrpSpPr>
-        <p:cNvPr id="2" name="Shape 2"/>
+        <p:cNvPr id="1" name="Shape 2"/>
         <p:cNvGrpSpPr/>
         <p:nvPr/>
       </p:nvGrpSpPr>
@@ -299,9 +308,11 @@
       <p:sp>
         <p:nvSpPr>
           <p:cNvPr id="3" name="Google Shape;3;n"/>
-          <p:cNvSpPr/>
+          <p:cNvSpPr>
+            <a:spLocks noGrp="1" noRot="1" noChangeAspect="1"/>
+          </p:cNvSpPr>
           <p:nvPr>
-            <p:ph idx="2" type="sldImg"/>
+            <p:ph type="sldImg" idx="2"/>
           </p:nvPr>
         </p:nvSpPr>
         <p:spPr>
@@ -310,9 +321,13 @@
             <a:ext cx="6096075" cy="3429000"/>
           </a:xfrm>
           <a:custGeom>
-            <a:rect b="b" l="l" r="r" t="t"/>
+            <a:avLst/>
+            <a:gdLst/>
+            <a:ahLst/>
+            <a:cxnLst/>
+            <a:rect l="l" t="t" r="r" b="b"/>
             <a:pathLst>
-              <a:path extrusionOk="0" h="120000" w="120000">
+              <a:path w="120000" h="120000" extrusionOk="0">
                 <a:moveTo>
                   <a:pt x="0" y="0"/>
                 </a:moveTo>
@@ -330,23 +345,25 @@
             </a:pathLst>
           </a:custGeom>
           <a:noFill/>
-          <a:ln cap="flat" cmpd="sng" w="9525">
+          <a:ln w="9525" cap="flat" cmpd="sng">
             <a:solidFill>
               <a:srgbClr val="000000"/>
             </a:solidFill>
             <a:prstDash val="solid"/>
             <a:round/>
-            <a:headEnd len="sm" w="sm" type="none"/>
-            <a:tailEnd len="sm" w="sm" type="none"/>
+            <a:headEnd type="none" w="sm" len="sm"/>
+            <a:tailEnd type="none" w="sm" len="sm"/>
           </a:ln>
         </p:spPr>
       </p:sp>
       <p:sp>
         <p:nvSpPr>
           <p:cNvPr id="4" name="Google Shape;4;n"/>
-          <p:cNvSpPr txBox="1"/>
+          <p:cNvSpPr txBox="1">
+            <a:spLocks noGrp="1"/>
+          </p:cNvSpPr>
           <p:nvPr>
-            <p:ph idx="1" type="body"/>
+            <p:ph type="body" idx="1"/>
           </p:nvPr>
         </p:nvSpPr>
         <p:spPr>
@@ -363,11 +380,11 @@
           </a:ln>
         </p:spPr>
         <p:txBody>
-          <a:bodyPr anchorCtr="0" anchor="t" bIns="91425" lIns="91425" spcFirstLastPara="1" rIns="91425" wrap="square" tIns="91425">
+          <a:bodyPr spcFirstLastPara="1" wrap="square" lIns="91425" tIns="91425" rIns="91425" bIns="91425" anchor="t" anchorCtr="0">
             <a:noAutofit/>
           </a:bodyPr>
           <a:lstStyle>
-            <a:lvl1pPr indent="-298450" lvl="0" marL="457200">
+            <a:lvl1pPr marL="457200" lvl="0" indent="-298450">
               <a:spcBef>
                 <a:spcPts val="0"/>
               </a:spcBef>
@@ -378,7 +395,7 @@
               <a:buChar char="●"/>
               <a:defRPr sz="1100"/>
             </a:lvl1pPr>
-            <a:lvl2pPr indent="-298450" lvl="1" marL="914400">
+            <a:lvl2pPr marL="914400" lvl="1" indent="-298450">
               <a:spcBef>
                 <a:spcPts val="0"/>
               </a:spcBef>
@@ -389,7 +406,7 @@
               <a:buChar char="○"/>
               <a:defRPr sz="1100"/>
             </a:lvl2pPr>
-            <a:lvl3pPr indent="-298450" lvl="2" marL="1371600">
+            <a:lvl3pPr marL="1371600" lvl="2" indent="-298450">
               <a:spcBef>
                 <a:spcPts val="0"/>
               </a:spcBef>
@@ -400,7 +417,7 @@
               <a:buChar char="■"/>
               <a:defRPr sz="1100"/>
             </a:lvl3pPr>
-            <a:lvl4pPr indent="-298450" lvl="3" marL="1828800">
+            <a:lvl4pPr marL="1828800" lvl="3" indent="-298450">
               <a:spcBef>
                 <a:spcPts val="0"/>
               </a:spcBef>
@@ -411,7 +428,7 @@
               <a:buChar char="●"/>
               <a:defRPr sz="1100"/>
             </a:lvl4pPr>
-            <a:lvl5pPr indent="-298450" lvl="4" marL="2286000">
+            <a:lvl5pPr marL="2286000" lvl="4" indent="-298450">
               <a:spcBef>
                 <a:spcPts val="0"/>
               </a:spcBef>
@@ -422,7 +439,7 @@
               <a:buChar char="○"/>
               <a:defRPr sz="1100"/>
             </a:lvl5pPr>
-            <a:lvl6pPr indent="-298450" lvl="5" marL="2743200">
+            <a:lvl6pPr marL="2743200" lvl="5" indent="-298450">
               <a:spcBef>
                 <a:spcPts val="0"/>
               </a:spcBef>
@@ -433,7 +450,7 @@
               <a:buChar char="■"/>
               <a:defRPr sz="1100"/>
             </a:lvl6pPr>
-            <a:lvl7pPr indent="-298450" lvl="6" marL="3200400">
+            <a:lvl7pPr marL="3200400" lvl="6" indent="-298450">
               <a:spcBef>
                 <a:spcPts val="0"/>
               </a:spcBef>
@@ -444,7 +461,7 @@
               <a:buChar char="●"/>
               <a:defRPr sz="1100"/>
             </a:lvl7pPr>
-            <a:lvl8pPr indent="-298450" lvl="7" marL="3657600">
+            <a:lvl8pPr marL="3657600" lvl="7" indent="-298450">
               <a:spcBef>
                 <a:spcPts val="0"/>
               </a:spcBef>
@@ -455,7 +472,7 @@
               <a:buChar char="○"/>
               <a:defRPr sz="1100"/>
             </a:lvl8pPr>
-            <a:lvl9pPr indent="-298450" lvl="8" marL="4114800">
+            <a:lvl9pPr marL="4114800" lvl="8" indent="-298450">
               <a:spcBef>
                 <a:spcPts val="0"/>
               </a:spcBef>
@@ -467,14 +484,16 @@
               <a:defRPr sz="1100"/>
             </a:lvl9pPr>
           </a:lstStyle>
-          <a:p/>
+          <a:p>
+            <a:endParaRPr/>
+          </a:p>
         </p:txBody>
       </p:sp>
     </p:spTree>
   </p:cSld>
-  <p:clrMap accent1="accent1" accent2="accent2" accent3="accent3" accent4="accent4" accent5="accent5" accent6="accent6" bg1="lt1" bg2="dk2" tx1="dk1" tx2="lt2" folHlink="folHlink" hlink="hlink"/>
+  <p:clrMap bg1="lt1" tx1="dk1" bg2="dk2" tx2="lt2" accent1="accent1" accent2="accent2" accent3="accent3" accent4="accent4" accent5="accent5" accent6="accent6" hlink="hlink" folHlink="folHlink"/>
   <p:notesStyle>
-    <a:defPPr lvl="0" marR="0" rtl="0" algn="l">
+    <a:defPPr marR="0" lvl="0" algn="l" rtl="0">
       <a:lnSpc>
         <a:spcPct val="100000"/>
       </a:lnSpc>
@@ -485,7 +504,7 @@
         <a:spcPts val="0"/>
       </a:spcAft>
     </a:defPPr>
-    <a:lvl1pPr lvl="0" marR="0" rtl="0" algn="l">
+    <a:lvl1pPr marR="0" lvl="0" algn="l" rtl="0">
       <a:lnSpc>
         <a:spcPct val="100000"/>
       </a:lnSpc>
@@ -499,7 +518,7 @@
         <a:srgbClr val="000000"/>
       </a:buClr>
       <a:buFont typeface="Arial"/>
-      <a:defRPr b="0" i="0" sz="1400" u="none" cap="none" strike="noStrike">
+      <a:defRPr sz="1400" b="0" i="0" u="none" strike="noStrike" cap="none">
         <a:solidFill>
           <a:srgbClr val="000000"/>
         </a:solidFill>
@@ -509,7 +528,7 @@
         <a:sym typeface="Arial"/>
       </a:defRPr>
     </a:lvl1pPr>
-    <a:lvl2pPr lvl="1" marR="0" rtl="0" algn="l">
+    <a:lvl2pPr marR="0" lvl="1" algn="l" rtl="0">
       <a:lnSpc>
         <a:spcPct val="100000"/>
       </a:lnSpc>
@@ -523,7 +542,7 @@
         <a:srgbClr val="000000"/>
       </a:buClr>
       <a:buFont typeface="Arial"/>
-      <a:defRPr b="0" i="0" sz="1400" u="none" cap="none" strike="noStrike">
+      <a:defRPr sz="1400" b="0" i="0" u="none" strike="noStrike" cap="none">
         <a:solidFill>
           <a:srgbClr val="000000"/>
         </a:solidFill>
@@ -533,7 +552,7 @@
         <a:sym typeface="Arial"/>
       </a:defRPr>
     </a:lvl2pPr>
-    <a:lvl3pPr lvl="2" marR="0" rtl="0" algn="l">
+    <a:lvl3pPr marR="0" lvl="2" algn="l" rtl="0">
       <a:lnSpc>
         <a:spcPct val="100000"/>
       </a:lnSpc>
@@ -547,7 +566,7 @@
         <a:srgbClr val="000000"/>
       </a:buClr>
       <a:buFont typeface="Arial"/>
-      <a:defRPr b="0" i="0" sz="1400" u="none" cap="none" strike="noStrike">
+      <a:defRPr sz="1400" b="0" i="0" u="none" strike="noStrike" cap="none">
         <a:solidFill>
           <a:srgbClr val="000000"/>
         </a:solidFill>
@@ -557,7 +576,7 @@
         <a:sym typeface="Arial"/>
       </a:defRPr>
     </a:lvl3pPr>
-    <a:lvl4pPr lvl="3" marR="0" rtl="0" algn="l">
+    <a:lvl4pPr marR="0" lvl="3" algn="l" rtl="0">
       <a:lnSpc>
         <a:spcPct val="100000"/>
       </a:lnSpc>
@@ -571,7 +590,7 @@
         <a:srgbClr val="000000"/>
       </a:buClr>
       <a:buFont typeface="Arial"/>
-      <a:defRPr b="0" i="0" sz="1400" u="none" cap="none" strike="noStrike">
+      <a:defRPr sz="1400" b="0" i="0" u="none" strike="noStrike" cap="none">
         <a:solidFill>
           <a:srgbClr val="000000"/>
         </a:solidFill>
@@ -581,7 +600,7 @@
         <a:sym typeface="Arial"/>
       </a:defRPr>
     </a:lvl4pPr>
-    <a:lvl5pPr lvl="4" marR="0" rtl="0" algn="l">
+    <a:lvl5pPr marR="0" lvl="4" algn="l" rtl="0">
       <a:lnSpc>
         <a:spcPct val="100000"/>
       </a:lnSpc>
@@ -595,7 +614,7 @@
         <a:srgbClr val="000000"/>
       </a:buClr>
       <a:buFont typeface="Arial"/>
-      <a:defRPr b="0" i="0" sz="1400" u="none" cap="none" strike="noStrike">
+      <a:defRPr sz="1400" b="0" i="0" u="none" strike="noStrike" cap="none">
         <a:solidFill>
           <a:srgbClr val="000000"/>
         </a:solidFill>
@@ -605,7 +624,7 @@
         <a:sym typeface="Arial"/>
       </a:defRPr>
     </a:lvl5pPr>
-    <a:lvl6pPr lvl="5" marR="0" rtl="0" algn="l">
+    <a:lvl6pPr marR="0" lvl="5" algn="l" rtl="0">
       <a:lnSpc>
         <a:spcPct val="100000"/>
       </a:lnSpc>
@@ -619,7 +638,7 @@
         <a:srgbClr val="000000"/>
       </a:buClr>
       <a:buFont typeface="Arial"/>
-      <a:defRPr b="0" i="0" sz="1400" u="none" cap="none" strike="noStrike">
+      <a:defRPr sz="1400" b="0" i="0" u="none" strike="noStrike" cap="none">
         <a:solidFill>
           <a:srgbClr val="000000"/>
         </a:solidFill>
@@ -629,7 +648,7 @@
         <a:sym typeface="Arial"/>
       </a:defRPr>
     </a:lvl6pPr>
-    <a:lvl7pPr lvl="6" marR="0" rtl="0" algn="l">
+    <a:lvl7pPr marR="0" lvl="6" algn="l" rtl="0">
       <a:lnSpc>
         <a:spcPct val="100000"/>
       </a:lnSpc>
@@ -643,7 +662,7 @@
         <a:srgbClr val="000000"/>
       </a:buClr>
       <a:buFont typeface="Arial"/>
-      <a:defRPr b="0" i="0" sz="1400" u="none" cap="none" strike="noStrike">
+      <a:defRPr sz="1400" b="0" i="0" u="none" strike="noStrike" cap="none">
         <a:solidFill>
           <a:srgbClr val="000000"/>
         </a:solidFill>
@@ -653,7 +672,7 @@
         <a:sym typeface="Arial"/>
       </a:defRPr>
     </a:lvl7pPr>
-    <a:lvl8pPr lvl="7" marR="0" rtl="0" algn="l">
+    <a:lvl8pPr marR="0" lvl="7" algn="l" rtl="0">
       <a:lnSpc>
         <a:spcPct val="100000"/>
       </a:lnSpc>
@@ -667,7 +686,7 @@
         <a:srgbClr val="000000"/>
       </a:buClr>
       <a:buFont typeface="Arial"/>
-      <a:defRPr b="0" i="0" sz="1400" u="none" cap="none" strike="noStrike">
+      <a:defRPr sz="1400" b="0" i="0" u="none" strike="noStrike" cap="none">
         <a:solidFill>
           <a:srgbClr val="000000"/>
         </a:solidFill>
@@ -677,7 +696,7 @@
         <a:sym typeface="Arial"/>
       </a:defRPr>
     </a:lvl8pPr>
-    <a:lvl9pPr lvl="8" marR="0" rtl="0" algn="l">
+    <a:lvl9pPr marR="0" lvl="8" algn="l" rtl="0">
       <a:lnSpc>
         <a:spcPct val="100000"/>
       </a:lnSpc>
@@ -691,7 +710,7 @@
         <a:srgbClr val="000000"/>
       </a:buClr>
       <a:buFont typeface="Arial"/>
-      <a:defRPr b="0" i="0" sz="1400" u="none" cap="none" strike="noStrike">
+      <a:defRPr sz="1400" b="0" i="0" u="none" strike="noStrike" cap="none">
         <a:solidFill>
           <a:srgbClr val="000000"/>
         </a:solidFill>
@@ -706,11 +725,11 @@
 </file>
 
 <file path=ppt/notesSlides/notesSlide1.xml><?xml version="1.0" encoding="utf-8"?>
-<p:notes xmlns:a="http://schemas.openxmlformats.org/drawingml/2006/main" xmlns:r="http://schemas.openxmlformats.org/officeDocument/2006/relationships" xmlns:mc="http://schemas.openxmlformats.org/markup-compatibility/2006" xmlns:mv="urn:schemas-microsoft-com:mac:vml" xmlns:p="http://schemas.openxmlformats.org/presentationml/2006/main" xmlns:c="http://schemas.openxmlformats.org/drawingml/2006/chart" xmlns:dgm="http://schemas.openxmlformats.org/drawingml/2006/diagram" xmlns:o="urn:schemas-microsoft-com:office:office" xmlns:v="urn:schemas-microsoft-com:vml" xmlns:pvml="urn:schemas-microsoft-com:office:powerpoint" xmlns:com="http://schemas.openxmlformats.org/drawingml/2006/compatibility" xmlns:p14="http://schemas.microsoft.com/office/powerpoint/2010/main" xmlns:p15="http://schemas.microsoft.com/office/powerpoint/2012/main" showMasterPhAnim="0" showMasterSp="0">
+<p:notes xmlns:a="http://schemas.openxmlformats.org/drawingml/2006/main" xmlns:r="http://schemas.openxmlformats.org/officeDocument/2006/relationships" xmlns:p="http://schemas.openxmlformats.org/presentationml/2006/main" showMasterSp="0" showMasterPhAnim="0">
   <p:cSld>
     <p:spTree>
       <p:nvGrpSpPr>
-        <p:cNvPr id="50" name="Shape 50"/>
+        <p:cNvPr id="1" name="Shape 50"/>
         <p:cNvGrpSpPr/>
         <p:nvPr/>
       </p:nvGrpSpPr>
@@ -725,20 +744,26 @@
       <p:sp>
         <p:nvSpPr>
           <p:cNvPr id="51" name="Google Shape;51;p:notes"/>
-          <p:cNvSpPr/>
+          <p:cNvSpPr>
+            <a:spLocks noGrp="1" noRot="1" noChangeAspect="1"/>
+          </p:cNvSpPr>
           <p:nvPr>
-            <p:ph idx="2" type="sldImg"/>
+            <p:ph type="sldImg" idx="2"/>
           </p:nvPr>
         </p:nvSpPr>
         <p:spPr>
           <a:xfrm>
-            <a:off x="381300" y="685800"/>
-            <a:ext cx="6096075" cy="3429000"/>
+            <a:off x="381000" y="685800"/>
+            <a:ext cx="6096000" cy="3429000"/>
           </a:xfrm>
           <a:custGeom>
-            <a:rect b="b" l="l" r="r" t="t"/>
+            <a:avLst/>
+            <a:gdLst/>
+            <a:ahLst/>
+            <a:cxnLst/>
+            <a:rect l="l" t="t" r="r" b="b"/>
             <a:pathLst>
-              <a:path extrusionOk="0" h="120000" w="120000">
+              <a:path w="120000" h="120000" extrusionOk="0">
                 <a:moveTo>
                   <a:pt x="0" y="0"/>
                 </a:moveTo>
@@ -760,9 +785,11 @@
       <p:sp>
         <p:nvSpPr>
           <p:cNvPr id="52" name="Google Shape;52;p:notes"/>
-          <p:cNvSpPr txBox="1"/>
+          <p:cNvSpPr txBox="1">
+            <a:spLocks noGrp="1"/>
+          </p:cNvSpPr>
           <p:nvPr>
-            <p:ph idx="1" type="body"/>
+            <p:ph type="body" idx="1"/>
           </p:nvPr>
         </p:nvSpPr>
         <p:spPr>
@@ -775,12 +802,12 @@
           </a:prstGeom>
         </p:spPr>
         <p:txBody>
-          <a:bodyPr anchorCtr="0" anchor="t" bIns="91425" lIns="91425" spcFirstLastPara="1" rIns="91425" wrap="square" tIns="91425">
+          <a:bodyPr spcFirstLastPara="1" wrap="square" lIns="91425" tIns="91425" rIns="91425" bIns="91425" anchor="t" anchorCtr="0">
             <a:noAutofit/>
           </a:bodyPr>
           <a:lstStyle/>
           <a:p>
-            <a:pPr indent="0" lvl="0" marL="0" rtl="0" algn="l">
+            <a:pPr marL="0" lvl="0" indent="0" algn="l" rtl="0">
               <a:spcBef>
                 <a:spcPts val="0"/>
               </a:spcBef>
@@ -791,31 +818,7 @@
             </a:pPr>
             <a:r>
               <a:rPr lang="es"/>
-              <a:t>Quien sea que presente el primero que diga el nombre del juego, y </a:t>
-            </a:r>
-            <a:r>
-              <a:rPr lang="es"/>
-              <a:t>haga</a:t>
-            </a:r>
-            <a:r>
-              <a:rPr lang="es"/>
-              <a:t> un resumen corto. Deberíamos empezar con un mini trailer para </a:t>
-            </a:r>
-            <a:r>
-              <a:rPr lang="es"/>
-              <a:t>acompañar a</a:t>
-            </a:r>
-            <a:r>
-              <a:rPr lang="es"/>
-              <a:t> esta diapositiva (puede que incluso </a:t>
-            </a:r>
-            <a:r>
-              <a:rPr lang="es"/>
-              <a:t>antes</a:t>
-            </a:r>
-            <a:r>
-              <a:rPr lang="es"/>
-              <a:t> de empezar)</a:t>
+              <a:t>Quien sea que presente el primero que diga el nombre del juego, y haga un resumen corto. Deberíamos empezar con un mini trailer para acompañar a esta diapositiva (puede que incluso antes de empezar)</a:t>
             </a:r>
             <a:endParaRPr/>
           </a:p>
@@ -830,11 +833,11 @@
 </file>
 
 <file path=ppt/notesSlides/notesSlide10.xml><?xml version="1.0" encoding="utf-8"?>
-<p:notes xmlns:a="http://schemas.openxmlformats.org/drawingml/2006/main" xmlns:r="http://schemas.openxmlformats.org/officeDocument/2006/relationships" xmlns:mc="http://schemas.openxmlformats.org/markup-compatibility/2006" xmlns:mv="urn:schemas-microsoft-com:mac:vml" xmlns:p="http://schemas.openxmlformats.org/presentationml/2006/main" xmlns:c="http://schemas.openxmlformats.org/drawingml/2006/chart" xmlns:dgm="http://schemas.openxmlformats.org/drawingml/2006/diagram" xmlns:o="urn:schemas-microsoft-com:office:office" xmlns:v="urn:schemas-microsoft-com:vml" xmlns:pvml="urn:schemas-microsoft-com:office:powerpoint" xmlns:com="http://schemas.openxmlformats.org/drawingml/2006/compatibility" xmlns:p14="http://schemas.microsoft.com/office/powerpoint/2010/main" xmlns:p15="http://schemas.microsoft.com/office/powerpoint/2012/main" showMasterPhAnim="0" showMasterSp="0">
+<p:notes xmlns:a="http://schemas.openxmlformats.org/drawingml/2006/main" xmlns:r="http://schemas.openxmlformats.org/officeDocument/2006/relationships" xmlns:p="http://schemas.openxmlformats.org/presentationml/2006/main" showMasterSp="0" showMasterPhAnim="0">
   <p:cSld>
     <p:spTree>
       <p:nvGrpSpPr>
-        <p:cNvPr id="147" name="Shape 147"/>
+        <p:cNvPr id="1" name="Shape 147"/>
         <p:cNvGrpSpPr/>
         <p:nvPr/>
       </p:nvGrpSpPr>
@@ -849,9 +852,11 @@
       <p:sp>
         <p:nvSpPr>
           <p:cNvPr id="148" name="Google Shape;148;g874eb89406_5_6:notes"/>
-          <p:cNvSpPr/>
+          <p:cNvSpPr>
+            <a:spLocks noGrp="1" noRot="1" noChangeAspect="1"/>
+          </p:cNvSpPr>
           <p:nvPr>
-            <p:ph idx="2" type="sldImg"/>
+            <p:ph type="sldImg" idx="2"/>
           </p:nvPr>
         </p:nvSpPr>
         <p:spPr>
@@ -860,9 +865,13 @@
             <a:ext cx="6096000" cy="3429000"/>
           </a:xfrm>
           <a:custGeom>
-            <a:rect b="b" l="l" r="r" t="t"/>
+            <a:avLst/>
+            <a:gdLst/>
+            <a:ahLst/>
+            <a:cxnLst/>
+            <a:rect l="l" t="t" r="r" b="b"/>
             <a:pathLst>
-              <a:path extrusionOk="0" h="120000" w="120000">
+              <a:path w="120000" h="120000" extrusionOk="0">
                 <a:moveTo>
                   <a:pt x="0" y="0"/>
                 </a:moveTo>
@@ -884,9 +893,11 @@
       <p:sp>
         <p:nvSpPr>
           <p:cNvPr id="149" name="Google Shape;149;g874eb89406_5_6:notes"/>
-          <p:cNvSpPr txBox="1"/>
+          <p:cNvSpPr txBox="1">
+            <a:spLocks noGrp="1"/>
+          </p:cNvSpPr>
           <p:nvPr>
-            <p:ph idx="1" type="body"/>
+            <p:ph type="body" idx="1"/>
           </p:nvPr>
         </p:nvSpPr>
         <p:spPr>
@@ -899,12 +910,12 @@
           </a:prstGeom>
         </p:spPr>
         <p:txBody>
-          <a:bodyPr anchorCtr="0" anchor="t" bIns="91425" lIns="91425" spcFirstLastPara="1" rIns="91425" wrap="square" tIns="91425">
+          <a:bodyPr spcFirstLastPara="1" wrap="square" lIns="91425" tIns="91425" rIns="91425" bIns="91425" anchor="t" anchorCtr="0">
             <a:noAutofit/>
           </a:bodyPr>
           <a:lstStyle/>
           <a:p>
-            <a:pPr indent="0" lvl="0" marL="0" rtl="0" algn="l">
+            <a:pPr marL="0" lvl="0" indent="0" algn="l" rtl="0">
               <a:spcBef>
                 <a:spcPts val="0"/>
               </a:spcBef>
@@ -913,9 +924,6 @@
               </a:spcAft>
               <a:buNone/>
             </a:pPr>
-            <a:r>
-              <a:t/>
-            </a:r>
             <a:endParaRPr/>
           </a:p>
         </p:txBody>
@@ -929,11 +937,11 @@
 </file>
 
 <file path=ppt/notesSlides/notesSlide11.xml><?xml version="1.0" encoding="utf-8"?>
-<p:notes xmlns:a="http://schemas.openxmlformats.org/drawingml/2006/main" xmlns:r="http://schemas.openxmlformats.org/officeDocument/2006/relationships" xmlns:mc="http://schemas.openxmlformats.org/markup-compatibility/2006" xmlns:mv="urn:schemas-microsoft-com:mac:vml" xmlns:p="http://schemas.openxmlformats.org/presentationml/2006/main" xmlns:c="http://schemas.openxmlformats.org/drawingml/2006/chart" xmlns:dgm="http://schemas.openxmlformats.org/drawingml/2006/diagram" xmlns:o="urn:schemas-microsoft-com:office:office" xmlns:v="urn:schemas-microsoft-com:vml" xmlns:pvml="urn:schemas-microsoft-com:office:powerpoint" xmlns:com="http://schemas.openxmlformats.org/drawingml/2006/compatibility" xmlns:p14="http://schemas.microsoft.com/office/powerpoint/2010/main" xmlns:p15="http://schemas.microsoft.com/office/powerpoint/2012/main" showMasterPhAnim="0" showMasterSp="0">
+<p:notes xmlns:a="http://schemas.openxmlformats.org/drawingml/2006/main" xmlns:r="http://schemas.openxmlformats.org/officeDocument/2006/relationships" xmlns:p="http://schemas.openxmlformats.org/presentationml/2006/main" showMasterSp="0" showMasterPhAnim="0">
   <p:cSld>
     <p:spTree>
       <p:nvGrpSpPr>
-        <p:cNvPr id="154" name="Shape 154"/>
+        <p:cNvPr id="1" name="Shape 154"/>
         <p:cNvGrpSpPr/>
         <p:nvPr/>
       </p:nvGrpSpPr>
@@ -948,9 +956,11 @@
       <p:sp>
         <p:nvSpPr>
           <p:cNvPr id="155" name="Google Shape;155;g873e82b4de_0_60:notes"/>
-          <p:cNvSpPr/>
+          <p:cNvSpPr>
+            <a:spLocks noGrp="1" noRot="1" noChangeAspect="1"/>
+          </p:cNvSpPr>
           <p:nvPr>
-            <p:ph idx="2" type="sldImg"/>
+            <p:ph type="sldImg" idx="2"/>
           </p:nvPr>
         </p:nvSpPr>
         <p:spPr>
@@ -959,9 +969,13 @@
             <a:ext cx="6096000" cy="3429000"/>
           </a:xfrm>
           <a:custGeom>
-            <a:rect b="b" l="l" r="r" t="t"/>
+            <a:avLst/>
+            <a:gdLst/>
+            <a:ahLst/>
+            <a:cxnLst/>
+            <a:rect l="l" t="t" r="r" b="b"/>
             <a:pathLst>
-              <a:path extrusionOk="0" h="120000" w="120000">
+              <a:path w="120000" h="120000" extrusionOk="0">
                 <a:moveTo>
                   <a:pt x="0" y="0"/>
                 </a:moveTo>
@@ -983,9 +997,11 @@
       <p:sp>
         <p:nvSpPr>
           <p:cNvPr id="156" name="Google Shape;156;g873e82b4de_0_60:notes"/>
-          <p:cNvSpPr txBox="1"/>
+          <p:cNvSpPr txBox="1">
+            <a:spLocks noGrp="1"/>
+          </p:cNvSpPr>
           <p:nvPr>
-            <p:ph idx="1" type="body"/>
+            <p:ph type="body" idx="1"/>
           </p:nvPr>
         </p:nvSpPr>
         <p:spPr>
@@ -998,12 +1014,12 @@
           </a:prstGeom>
         </p:spPr>
         <p:txBody>
-          <a:bodyPr anchorCtr="0" anchor="t" bIns="91425" lIns="91425" spcFirstLastPara="1" rIns="91425" wrap="square" tIns="91425">
+          <a:bodyPr spcFirstLastPara="1" wrap="square" lIns="91425" tIns="91425" rIns="91425" bIns="91425" anchor="t" anchorCtr="0">
             <a:noAutofit/>
           </a:bodyPr>
           <a:lstStyle/>
           <a:p>
-            <a:pPr indent="0" lvl="0" marL="0" rtl="0" algn="l">
+            <a:pPr marL="0" lvl="0" indent="0" algn="l" rtl="0">
               <a:spcBef>
                 <a:spcPts val="0"/>
               </a:spcBef>
@@ -1012,9 +1028,6 @@
               </a:spcAft>
               <a:buNone/>
             </a:pPr>
-            <a:r>
-              <a:t/>
-            </a:r>
             <a:endParaRPr/>
           </a:p>
         </p:txBody>
@@ -1028,11 +1041,11 @@
 </file>
 
 <file path=ppt/notesSlides/notesSlide2.xml><?xml version="1.0" encoding="utf-8"?>
-<p:notes xmlns:a="http://schemas.openxmlformats.org/drawingml/2006/main" xmlns:r="http://schemas.openxmlformats.org/officeDocument/2006/relationships" xmlns:mc="http://schemas.openxmlformats.org/markup-compatibility/2006" xmlns:mv="urn:schemas-microsoft-com:mac:vml" xmlns:p="http://schemas.openxmlformats.org/presentationml/2006/main" xmlns:c="http://schemas.openxmlformats.org/drawingml/2006/chart" xmlns:dgm="http://schemas.openxmlformats.org/drawingml/2006/diagram" xmlns:o="urn:schemas-microsoft-com:office:office" xmlns:v="urn:schemas-microsoft-com:vml" xmlns:pvml="urn:schemas-microsoft-com:office:powerpoint" xmlns:com="http://schemas.openxmlformats.org/drawingml/2006/compatibility" xmlns:p14="http://schemas.microsoft.com/office/powerpoint/2010/main" xmlns:p15="http://schemas.microsoft.com/office/powerpoint/2012/main" showMasterPhAnim="0" showMasterSp="0">
+<p:notes xmlns:a="http://schemas.openxmlformats.org/drawingml/2006/main" xmlns:r="http://schemas.openxmlformats.org/officeDocument/2006/relationships" xmlns:p="http://schemas.openxmlformats.org/presentationml/2006/main" showMasterSp="0" showMasterPhAnim="0">
   <p:cSld>
     <p:spTree>
       <p:nvGrpSpPr>
-        <p:cNvPr id="59" name="Shape 59"/>
+        <p:cNvPr id="1" name="Shape 59"/>
         <p:cNvGrpSpPr/>
         <p:nvPr/>
       </p:nvGrpSpPr>
@@ -1047,9 +1060,11 @@
       <p:sp>
         <p:nvSpPr>
           <p:cNvPr id="60" name="Google Shape;60;g874eb89406_8_3:notes"/>
-          <p:cNvSpPr/>
+          <p:cNvSpPr>
+            <a:spLocks noGrp="1" noRot="1" noChangeAspect="1"/>
+          </p:cNvSpPr>
           <p:nvPr>
-            <p:ph idx="2" type="sldImg"/>
+            <p:ph type="sldImg" idx="2"/>
           </p:nvPr>
         </p:nvSpPr>
         <p:spPr>
@@ -1058,9 +1073,13 @@
             <a:ext cx="6096000" cy="3429000"/>
           </a:xfrm>
           <a:custGeom>
-            <a:rect b="b" l="l" r="r" t="t"/>
+            <a:avLst/>
+            <a:gdLst/>
+            <a:ahLst/>
+            <a:cxnLst/>
+            <a:rect l="l" t="t" r="r" b="b"/>
             <a:pathLst>
-              <a:path extrusionOk="0" h="120000" w="120000">
+              <a:path w="120000" h="120000" extrusionOk="0">
                 <a:moveTo>
                   <a:pt x="0" y="0"/>
                 </a:moveTo>
@@ -1082,9 +1101,11 @@
       <p:sp>
         <p:nvSpPr>
           <p:cNvPr id="61" name="Google Shape;61;g874eb89406_8_3:notes"/>
-          <p:cNvSpPr txBox="1"/>
+          <p:cNvSpPr txBox="1">
+            <a:spLocks noGrp="1"/>
+          </p:cNvSpPr>
           <p:nvPr>
-            <p:ph idx="1" type="body"/>
+            <p:ph type="body" idx="1"/>
           </p:nvPr>
         </p:nvSpPr>
         <p:spPr>
@@ -1097,12 +1118,12 @@
           </a:prstGeom>
         </p:spPr>
         <p:txBody>
-          <a:bodyPr anchorCtr="0" anchor="t" bIns="91425" lIns="91425" spcFirstLastPara="1" rIns="91425" wrap="square" tIns="91425">
+          <a:bodyPr spcFirstLastPara="1" wrap="square" lIns="91425" tIns="91425" rIns="91425" bIns="91425" anchor="t" anchorCtr="0">
             <a:noAutofit/>
           </a:bodyPr>
           <a:lstStyle/>
           <a:p>
-            <a:pPr indent="0" lvl="0" marL="0" rtl="0" algn="l">
+            <a:pPr marL="0" lvl="0" indent="0" algn="l" rtl="0">
               <a:spcBef>
                 <a:spcPts val="0"/>
               </a:spcBef>
@@ -1128,11 +1149,11 @@
 </file>
 
 <file path=ppt/notesSlides/notesSlide3.xml><?xml version="1.0" encoding="utf-8"?>
-<p:notes xmlns:a="http://schemas.openxmlformats.org/drawingml/2006/main" xmlns:r="http://schemas.openxmlformats.org/officeDocument/2006/relationships" xmlns:mc="http://schemas.openxmlformats.org/markup-compatibility/2006" xmlns:mv="urn:schemas-microsoft-com:mac:vml" xmlns:p="http://schemas.openxmlformats.org/presentationml/2006/main" xmlns:c="http://schemas.openxmlformats.org/drawingml/2006/chart" xmlns:dgm="http://schemas.openxmlformats.org/drawingml/2006/diagram" xmlns:o="urn:schemas-microsoft-com:office:office" xmlns:v="urn:schemas-microsoft-com:vml" xmlns:pvml="urn:schemas-microsoft-com:office:powerpoint" xmlns:com="http://schemas.openxmlformats.org/drawingml/2006/compatibility" xmlns:p14="http://schemas.microsoft.com/office/powerpoint/2010/main" xmlns:p15="http://schemas.microsoft.com/office/powerpoint/2012/main" showMasterPhAnim="0" showMasterSp="0">
+<p:notes xmlns:a="http://schemas.openxmlformats.org/drawingml/2006/main" xmlns:r="http://schemas.openxmlformats.org/officeDocument/2006/relationships" xmlns:p="http://schemas.openxmlformats.org/presentationml/2006/main" showMasterSp="0" showMasterPhAnim="0">
   <p:cSld>
     <p:spTree>
       <p:nvGrpSpPr>
-        <p:cNvPr id="66" name="Shape 66"/>
+        <p:cNvPr id="1" name="Shape 66"/>
         <p:cNvGrpSpPr/>
         <p:nvPr/>
       </p:nvGrpSpPr>
@@ -1147,9 +1168,11 @@
       <p:sp>
         <p:nvSpPr>
           <p:cNvPr id="67" name="Google Shape;67;g874eb89406_8_10:notes"/>
-          <p:cNvSpPr/>
+          <p:cNvSpPr>
+            <a:spLocks noGrp="1" noRot="1" noChangeAspect="1"/>
+          </p:cNvSpPr>
           <p:nvPr>
-            <p:ph idx="2" type="sldImg"/>
+            <p:ph type="sldImg" idx="2"/>
           </p:nvPr>
         </p:nvSpPr>
         <p:spPr>
@@ -1158,9 +1181,13 @@
             <a:ext cx="6096000" cy="3429000"/>
           </a:xfrm>
           <a:custGeom>
-            <a:rect b="b" l="l" r="r" t="t"/>
+            <a:avLst/>
+            <a:gdLst/>
+            <a:ahLst/>
+            <a:cxnLst/>
+            <a:rect l="l" t="t" r="r" b="b"/>
             <a:pathLst>
-              <a:path extrusionOk="0" h="120000" w="120000">
+              <a:path w="120000" h="120000" extrusionOk="0">
                 <a:moveTo>
                   <a:pt x="0" y="0"/>
                 </a:moveTo>
@@ -1182,9 +1209,11 @@
       <p:sp>
         <p:nvSpPr>
           <p:cNvPr id="68" name="Google Shape;68;g874eb89406_8_10:notes"/>
-          <p:cNvSpPr txBox="1"/>
+          <p:cNvSpPr txBox="1">
+            <a:spLocks noGrp="1"/>
+          </p:cNvSpPr>
           <p:nvPr>
-            <p:ph idx="1" type="body"/>
+            <p:ph type="body" idx="1"/>
           </p:nvPr>
         </p:nvSpPr>
         <p:spPr>
@@ -1197,12 +1226,12 @@
           </a:prstGeom>
         </p:spPr>
         <p:txBody>
-          <a:bodyPr anchorCtr="0" anchor="t" bIns="91425" lIns="91425" spcFirstLastPara="1" rIns="91425" wrap="square" tIns="91425">
+          <a:bodyPr spcFirstLastPara="1" wrap="square" lIns="91425" tIns="91425" rIns="91425" bIns="91425" anchor="t" anchorCtr="0">
             <a:noAutofit/>
           </a:bodyPr>
           <a:lstStyle/>
           <a:p>
-            <a:pPr indent="0" lvl="0" marL="0" rtl="0" algn="l">
+            <a:pPr marL="0" lvl="0" indent="0" algn="l" rtl="0">
               <a:spcBef>
                 <a:spcPts val="0"/>
               </a:spcBef>
@@ -1213,27 +1242,7 @@
             </a:pPr>
             <a:r>
               <a:rPr lang="es"/>
-              <a:t>Hablar</a:t>
-            </a:r>
-            <a:r>
-              <a:rPr lang="es"/>
-              <a:t> de cómo hemos usado el canal de balanceo y el criterio que hemos seguido (en la imagen lo pone). Explicar </a:t>
-            </a:r>
-            <a:r>
-              <a:rPr lang="es"/>
-              <a:t>qué</a:t>
-            </a:r>
-            <a:r>
-              <a:rPr lang="es"/>
-              <a:t> </a:t>
-            </a:r>
-            <a:r>
-              <a:rPr lang="es"/>
-              <a:t>cambios</a:t>
-            </a:r>
-            <a:r>
-              <a:rPr lang="es"/>
-              <a:t> han recibido los personajes (por ejemplo, mk es mucho más rápido que antes, mockingbird hace menos daño)</a:t>
+              <a:t>Hablar de cómo hemos usado el canal de balanceo y el criterio que hemos seguido (en la imagen lo pone). Explicar qué cambios han recibido los personajes (por ejemplo, mk es mucho más rápido que antes, mockingbird hace menos daño)</a:t>
             </a:r>
             <a:endParaRPr/>
           </a:p>
@@ -1248,11 +1257,11 @@
 </file>
 
 <file path=ppt/notesSlides/notesSlide4.xml><?xml version="1.0" encoding="utf-8"?>
-<p:notes xmlns:a="http://schemas.openxmlformats.org/drawingml/2006/main" xmlns:r="http://schemas.openxmlformats.org/officeDocument/2006/relationships" xmlns:mc="http://schemas.openxmlformats.org/markup-compatibility/2006" xmlns:mv="urn:schemas-microsoft-com:mac:vml" xmlns:p="http://schemas.openxmlformats.org/presentationml/2006/main" xmlns:c="http://schemas.openxmlformats.org/drawingml/2006/chart" xmlns:dgm="http://schemas.openxmlformats.org/drawingml/2006/diagram" xmlns:o="urn:schemas-microsoft-com:office:office" xmlns:v="urn:schemas-microsoft-com:vml" xmlns:pvml="urn:schemas-microsoft-com:office:powerpoint" xmlns:com="http://schemas.openxmlformats.org/drawingml/2006/compatibility" xmlns:p14="http://schemas.microsoft.com/office/powerpoint/2010/main" xmlns:p15="http://schemas.microsoft.com/office/powerpoint/2012/main" showMasterPhAnim="0" showMasterSp="0">
+<p:notes xmlns:a="http://schemas.openxmlformats.org/drawingml/2006/main" xmlns:r="http://schemas.openxmlformats.org/officeDocument/2006/relationships" xmlns:p="http://schemas.openxmlformats.org/presentationml/2006/main" showMasterSp="0" showMasterPhAnim="0">
   <p:cSld>
     <p:spTree>
       <p:nvGrpSpPr>
-        <p:cNvPr id="78" name="Shape 78"/>
+        <p:cNvPr id="1" name="Shape 78"/>
         <p:cNvGrpSpPr/>
         <p:nvPr/>
       </p:nvGrpSpPr>
@@ -1267,9 +1276,11 @@
       <p:sp>
         <p:nvSpPr>
           <p:cNvPr id="79" name="Google Shape;79;g52fbfc0cb6_0_0:notes"/>
-          <p:cNvSpPr/>
+          <p:cNvSpPr>
+            <a:spLocks noGrp="1" noRot="1" noChangeAspect="1"/>
+          </p:cNvSpPr>
           <p:nvPr>
-            <p:ph idx="2" type="sldImg"/>
+            <p:ph type="sldImg" idx="2"/>
           </p:nvPr>
         </p:nvSpPr>
         <p:spPr>
@@ -1278,9 +1289,13 @@
             <a:ext cx="6096000" cy="3429000"/>
           </a:xfrm>
           <a:custGeom>
-            <a:rect b="b" l="l" r="r" t="t"/>
+            <a:avLst/>
+            <a:gdLst/>
+            <a:ahLst/>
+            <a:cxnLst/>
+            <a:rect l="l" t="t" r="r" b="b"/>
             <a:pathLst>
-              <a:path extrusionOk="0" h="120000" w="120000">
+              <a:path w="120000" h="120000" extrusionOk="0">
                 <a:moveTo>
                   <a:pt x="0" y="0"/>
                 </a:moveTo>
@@ -1302,9 +1317,11 @@
       <p:sp>
         <p:nvSpPr>
           <p:cNvPr id="80" name="Google Shape;80;g52fbfc0cb6_0_0:notes"/>
-          <p:cNvSpPr txBox="1"/>
+          <p:cNvSpPr txBox="1">
+            <a:spLocks noGrp="1"/>
+          </p:cNvSpPr>
           <p:nvPr>
-            <p:ph idx="1" type="body"/>
+            <p:ph type="body" idx="1"/>
           </p:nvPr>
         </p:nvSpPr>
         <p:spPr>
@@ -1317,12 +1334,12 @@
           </a:prstGeom>
         </p:spPr>
         <p:txBody>
-          <a:bodyPr anchorCtr="0" anchor="t" bIns="91425" lIns="91425" spcFirstLastPara="1" rIns="91425" wrap="square" tIns="91425">
+          <a:bodyPr spcFirstLastPara="1" wrap="square" lIns="91425" tIns="91425" rIns="91425" bIns="91425" anchor="t" anchorCtr="0">
             <a:noAutofit/>
           </a:bodyPr>
           <a:lstStyle/>
           <a:p>
-            <a:pPr indent="0" lvl="0" marL="0" rtl="0" algn="l">
+            <a:pPr marL="0" lvl="0" indent="0" algn="l" rtl="0">
               <a:spcBef>
                 <a:spcPts val="0"/>
               </a:spcBef>
@@ -1333,31 +1350,7 @@
             </a:pPr>
             <a:r>
               <a:rPr lang="es"/>
-              <a:t>Aquí hay que hablar de </a:t>
-            </a:r>
-            <a:r>
-              <a:rPr lang="es"/>
-              <a:t>cómo</a:t>
-            </a:r>
-            <a:r>
-              <a:rPr lang="es"/>
-              <a:t> funciona el juego: componentes con ejemplos, gamestates con ejemplos, managers con ejemplos (específicamente hablar del entitymanager, que está representado). Quien lo haga que ponga un ejemplo de cómo ha </a:t>
-            </a:r>
-            <a:r>
-              <a:rPr lang="es"/>
-              <a:t>trabajado</a:t>
-            </a:r>
-            <a:r>
-              <a:rPr lang="es"/>
-              <a:t> con </a:t>
-            </a:r>
-            <a:r>
-              <a:rPr lang="es"/>
-              <a:t>estas</a:t>
-            </a:r>
-            <a:r>
-              <a:rPr lang="es"/>
-              <a:t> cosas para algo que haya hecho. Luego, alguien que haya hecho cosas con box2d que explique un poco qué es, dónde lo hemos usado y lo que nos ha costado.</a:t>
+              <a:t>Aquí hay que hablar de cómo funciona el juego: componentes con ejemplos, gamestates con ejemplos, managers con ejemplos (específicamente hablar del entitymanager, que está representado). Quien lo haga que ponga un ejemplo de cómo ha trabajado con estas cosas para algo que haya hecho. Luego, alguien que haya hecho cosas con box2d que explique un poco qué es, dónde lo hemos usado y lo que nos ha costado.</a:t>
             </a:r>
             <a:endParaRPr/>
           </a:p>
@@ -1372,11 +1365,11 @@
 </file>
 
 <file path=ppt/notesSlides/notesSlide5.xml><?xml version="1.0" encoding="utf-8"?>
-<p:notes xmlns:a="http://schemas.openxmlformats.org/drawingml/2006/main" xmlns:r="http://schemas.openxmlformats.org/officeDocument/2006/relationships" xmlns:mc="http://schemas.openxmlformats.org/markup-compatibility/2006" xmlns:mv="urn:schemas-microsoft-com:mac:vml" xmlns:p="http://schemas.openxmlformats.org/presentationml/2006/main" xmlns:c="http://schemas.openxmlformats.org/drawingml/2006/chart" xmlns:dgm="http://schemas.openxmlformats.org/drawingml/2006/diagram" xmlns:o="urn:schemas-microsoft-com:office:office" xmlns:v="urn:schemas-microsoft-com:vml" xmlns:pvml="urn:schemas-microsoft-com:office:powerpoint" xmlns:com="http://schemas.openxmlformats.org/drawingml/2006/compatibility" xmlns:p14="http://schemas.microsoft.com/office/powerpoint/2010/main" xmlns:p15="http://schemas.microsoft.com/office/powerpoint/2012/main" showMasterPhAnim="0" showMasterSp="0">
+<p:notes xmlns:a="http://schemas.openxmlformats.org/drawingml/2006/main" xmlns:r="http://schemas.openxmlformats.org/officeDocument/2006/relationships" xmlns:p="http://schemas.openxmlformats.org/presentationml/2006/main" showMasterSp="0" showMasterPhAnim="0">
   <p:cSld>
     <p:spTree>
       <p:nvGrpSpPr>
-        <p:cNvPr id="85" name="Shape 85"/>
+        <p:cNvPr id="1" name="Shape 85"/>
         <p:cNvGrpSpPr/>
         <p:nvPr/>
       </p:nvGrpSpPr>
@@ -1391,9 +1384,11 @@
       <p:sp>
         <p:nvSpPr>
           <p:cNvPr id="86" name="Google Shape;86;g52fbfc0cb6_0_7:notes"/>
-          <p:cNvSpPr/>
+          <p:cNvSpPr>
+            <a:spLocks noGrp="1" noRot="1" noChangeAspect="1"/>
+          </p:cNvSpPr>
           <p:nvPr>
-            <p:ph idx="2" type="sldImg"/>
+            <p:ph type="sldImg" idx="2"/>
           </p:nvPr>
         </p:nvSpPr>
         <p:spPr>
@@ -1402,9 +1397,13 @@
             <a:ext cx="6096000" cy="3429000"/>
           </a:xfrm>
           <a:custGeom>
-            <a:rect b="b" l="l" r="r" t="t"/>
+            <a:avLst/>
+            <a:gdLst/>
+            <a:ahLst/>
+            <a:cxnLst/>
+            <a:rect l="l" t="t" r="r" b="b"/>
             <a:pathLst>
-              <a:path extrusionOk="0" h="120000" w="120000">
+              <a:path w="120000" h="120000" extrusionOk="0">
                 <a:moveTo>
                   <a:pt x="0" y="0"/>
                 </a:moveTo>
@@ -1426,9 +1425,11 @@
       <p:sp>
         <p:nvSpPr>
           <p:cNvPr id="87" name="Google Shape;87;g52fbfc0cb6_0_7:notes"/>
-          <p:cNvSpPr txBox="1"/>
+          <p:cNvSpPr txBox="1">
+            <a:spLocks noGrp="1"/>
+          </p:cNvSpPr>
           <p:nvPr>
-            <p:ph idx="1" type="body"/>
+            <p:ph type="body" idx="1"/>
           </p:nvPr>
         </p:nvSpPr>
         <p:spPr>
@@ -1441,12 +1442,12 @@
           </a:prstGeom>
         </p:spPr>
         <p:txBody>
-          <a:bodyPr anchorCtr="0" anchor="t" bIns="91425" lIns="91425" spcFirstLastPara="1" rIns="91425" wrap="square" tIns="91425">
+          <a:bodyPr spcFirstLastPara="1" wrap="square" lIns="91425" tIns="91425" rIns="91425" bIns="91425" anchor="t" anchorCtr="0">
             <a:noAutofit/>
           </a:bodyPr>
           <a:lstStyle/>
           <a:p>
-            <a:pPr indent="0" lvl="0" marL="0" rtl="0" algn="l">
+            <a:pPr marL="0" lvl="0" indent="0" algn="l" rtl="0">
               <a:spcBef>
                 <a:spcPts val="0"/>
               </a:spcBef>
@@ -1457,31 +1458,7 @@
             </a:pPr>
             <a:r>
               <a:rPr lang="es"/>
-              <a:t>Aquí hay que hablar de las </a:t>
-            </a:r>
-            <a:r>
-              <a:rPr lang="es"/>
-              <a:t>animation chains</a:t>
-            </a:r>
-            <a:r>
-              <a:rPr lang="es"/>
-              <a:t> y para qué se usan (ataques y habilidades) y luego de los personajes y sus estados. Podemos enlazar aquí con la IA y decir en qué se </a:t>
-            </a:r>
-            <a:r>
-              <a:rPr lang="es"/>
-              <a:t>diferencia</a:t>
-            </a:r>
-            <a:r>
-              <a:rPr lang="es"/>
-              <a:t> de un jugador normal. Explicar </a:t>
-            </a:r>
-            <a:r>
-              <a:rPr lang="es"/>
-              <a:t>algunos</a:t>
-            </a:r>
-            <a:r>
-              <a:rPr lang="es"/>
-              <a:t> estados y transiciones entre los mismos.</a:t>
+              <a:t>Aquí hay que hablar de las animation chains y para qué se usan (ataques y habilidades) y luego de los personajes y sus estados. Podemos enlazar aquí con la IA y decir en qué se diferencia de un jugador normal. Explicar algunos estados y transiciones entre los mismos.</a:t>
             </a:r>
             <a:endParaRPr/>
           </a:p>
@@ -1496,11 +1473,11 @@
 </file>
 
 <file path=ppt/notesSlides/notesSlide6.xml><?xml version="1.0" encoding="utf-8"?>
-<p:notes xmlns:a="http://schemas.openxmlformats.org/drawingml/2006/main" xmlns:r="http://schemas.openxmlformats.org/officeDocument/2006/relationships" xmlns:mc="http://schemas.openxmlformats.org/markup-compatibility/2006" xmlns:mv="urn:schemas-microsoft-com:mac:vml" xmlns:p="http://schemas.openxmlformats.org/presentationml/2006/main" xmlns:c="http://schemas.openxmlformats.org/drawingml/2006/chart" xmlns:dgm="http://schemas.openxmlformats.org/drawingml/2006/diagram" xmlns:o="urn:schemas-microsoft-com:office:office" xmlns:v="urn:schemas-microsoft-com:vml" xmlns:pvml="urn:schemas-microsoft-com:office:powerpoint" xmlns:com="http://schemas.openxmlformats.org/drawingml/2006/compatibility" xmlns:p14="http://schemas.microsoft.com/office/powerpoint/2010/main" xmlns:p15="http://schemas.microsoft.com/office/powerpoint/2012/main" showMasterPhAnim="0" showMasterSp="0">
+<p:notes xmlns:a="http://schemas.openxmlformats.org/drawingml/2006/main" xmlns:r="http://schemas.openxmlformats.org/officeDocument/2006/relationships" xmlns:p="http://schemas.openxmlformats.org/presentationml/2006/main" showMasterSp="0" showMasterPhAnim="0">
   <p:cSld>
     <p:spTree>
       <p:nvGrpSpPr>
-        <p:cNvPr id="92" name="Shape 92"/>
+        <p:cNvPr id="1" name="Shape 92"/>
         <p:cNvGrpSpPr/>
         <p:nvPr/>
       </p:nvGrpSpPr>
@@ -1515,9 +1492,11 @@
       <p:sp>
         <p:nvSpPr>
           <p:cNvPr id="93" name="Google Shape;93;g874eb89406_1_1:notes"/>
-          <p:cNvSpPr/>
+          <p:cNvSpPr>
+            <a:spLocks noGrp="1" noRot="1" noChangeAspect="1"/>
+          </p:cNvSpPr>
           <p:nvPr>
-            <p:ph idx="2" type="sldImg"/>
+            <p:ph type="sldImg" idx="2"/>
           </p:nvPr>
         </p:nvSpPr>
         <p:spPr>
@@ -1526,9 +1505,13 @@
             <a:ext cx="6096000" cy="3429000"/>
           </a:xfrm>
           <a:custGeom>
-            <a:rect b="b" l="l" r="r" t="t"/>
+            <a:avLst/>
+            <a:gdLst/>
+            <a:ahLst/>
+            <a:cxnLst/>
+            <a:rect l="l" t="t" r="r" b="b"/>
             <a:pathLst>
-              <a:path extrusionOk="0" h="120000" w="120000">
+              <a:path w="120000" h="120000" extrusionOk="0">
                 <a:moveTo>
                   <a:pt x="0" y="0"/>
                 </a:moveTo>
@@ -1550,9 +1533,11 @@
       <p:sp>
         <p:nvSpPr>
           <p:cNvPr id="94" name="Google Shape;94;g874eb89406_1_1:notes"/>
-          <p:cNvSpPr txBox="1"/>
+          <p:cNvSpPr txBox="1">
+            <a:spLocks noGrp="1"/>
+          </p:cNvSpPr>
           <p:nvPr>
-            <p:ph idx="1" type="body"/>
+            <p:ph type="body" idx="1"/>
           </p:nvPr>
         </p:nvSpPr>
         <p:spPr>
@@ -1565,12 +1550,12 @@
           </a:prstGeom>
         </p:spPr>
         <p:txBody>
-          <a:bodyPr anchorCtr="0" anchor="t" bIns="91425" lIns="91425" spcFirstLastPara="1" rIns="91425" wrap="square" tIns="91425">
+          <a:bodyPr spcFirstLastPara="1" wrap="square" lIns="91425" tIns="91425" rIns="91425" bIns="91425" anchor="t" anchorCtr="0">
             <a:noAutofit/>
           </a:bodyPr>
           <a:lstStyle/>
           <a:p>
-            <a:pPr indent="0" lvl="0" marL="0" rtl="0" algn="l">
+            <a:pPr marL="0" lvl="0" indent="0" algn="l" rtl="0">
               <a:spcBef>
                 <a:spcPts val="0"/>
               </a:spcBef>
@@ -1581,23 +1566,7 @@
             </a:pPr>
             <a:r>
               <a:rPr lang="es"/>
-              <a:t>Aquí hablar de qué controles usamos (</a:t>
-            </a:r>
-            <a:r>
-              <a:rPr lang="es"/>
-              <a:t>especificar</a:t>
-            </a:r>
-            <a:r>
-              <a:rPr lang="es"/>
-              <a:t> que antes podías usar ratón pero ya no), y si es </a:t>
-            </a:r>
-            <a:r>
-              <a:rPr lang="es"/>
-              <a:t>funcional</a:t>
-            </a:r>
-            <a:r>
-              <a:rPr lang="es"/>
-              <a:t> lo de controles decir que se puede hacer. Lo del mando de wii e para decir que “no supporteamos el mando de wii,el mejor bla bla bla” para hacer la gracia</a:t>
+              <a:t>Aquí hablar de qué controles usamos (especificar que antes podías usar ratón pero ya no), y si es funcional lo de controles decir que se puede hacer. Lo del mando de wii e para decir que “no supporteamos el mando de wii,el mejor bla bla bla” para hacer la gracia</a:t>
             </a:r>
             <a:endParaRPr/>
           </a:p>
@@ -1612,11 +1581,11 @@
 </file>
 
 <file path=ppt/notesSlides/notesSlide7.xml><?xml version="1.0" encoding="utf-8"?>
-<p:notes xmlns:a="http://schemas.openxmlformats.org/drawingml/2006/main" xmlns:r="http://schemas.openxmlformats.org/officeDocument/2006/relationships" xmlns:mc="http://schemas.openxmlformats.org/markup-compatibility/2006" xmlns:mv="urn:schemas-microsoft-com:mac:vml" xmlns:p="http://schemas.openxmlformats.org/presentationml/2006/main" xmlns:c="http://schemas.openxmlformats.org/drawingml/2006/chart" xmlns:dgm="http://schemas.openxmlformats.org/drawingml/2006/diagram" xmlns:o="urn:schemas-microsoft-com:office:office" xmlns:v="urn:schemas-microsoft-com:vml" xmlns:pvml="urn:schemas-microsoft-com:office:powerpoint" xmlns:com="http://schemas.openxmlformats.org/drawingml/2006/compatibility" xmlns:p14="http://schemas.microsoft.com/office/powerpoint/2010/main" xmlns:p15="http://schemas.microsoft.com/office/powerpoint/2012/main" showMasterPhAnim="0" showMasterSp="0">
+<p:notes xmlns:a="http://schemas.openxmlformats.org/drawingml/2006/main" xmlns:r="http://schemas.openxmlformats.org/officeDocument/2006/relationships" xmlns:p="http://schemas.openxmlformats.org/presentationml/2006/main" showMasterSp="0" showMasterPhAnim="0">
   <p:cSld>
     <p:spTree>
       <p:nvGrpSpPr>
-        <p:cNvPr id="103" name="Shape 103"/>
+        <p:cNvPr id="1" name="Shape 103"/>
         <p:cNvGrpSpPr/>
         <p:nvPr/>
       </p:nvGrpSpPr>
@@ -1631,9 +1600,11 @@
       <p:sp>
         <p:nvSpPr>
           <p:cNvPr id="104" name="Google Shape;104;g874eb89406_5_12:notes"/>
-          <p:cNvSpPr/>
+          <p:cNvSpPr>
+            <a:spLocks noGrp="1" noRot="1" noChangeAspect="1"/>
+          </p:cNvSpPr>
           <p:nvPr>
-            <p:ph idx="2" type="sldImg"/>
+            <p:ph type="sldImg" idx="2"/>
           </p:nvPr>
         </p:nvSpPr>
         <p:spPr>
@@ -1642,9 +1613,13 @@
             <a:ext cx="6096000" cy="3429000"/>
           </a:xfrm>
           <a:custGeom>
-            <a:rect b="b" l="l" r="r" t="t"/>
+            <a:avLst/>
+            <a:gdLst/>
+            <a:ahLst/>
+            <a:cxnLst/>
+            <a:rect l="l" t="t" r="r" b="b"/>
             <a:pathLst>
-              <a:path extrusionOk="0" h="120000" w="120000">
+              <a:path w="120000" h="120000" extrusionOk="0">
                 <a:moveTo>
                   <a:pt x="0" y="0"/>
                 </a:moveTo>
@@ -1666,9 +1641,11 @@
       <p:sp>
         <p:nvSpPr>
           <p:cNvPr id="105" name="Google Shape;105;g874eb89406_5_12:notes"/>
-          <p:cNvSpPr txBox="1"/>
+          <p:cNvSpPr txBox="1">
+            <a:spLocks noGrp="1"/>
+          </p:cNvSpPr>
           <p:nvPr>
-            <p:ph idx="1" type="body"/>
+            <p:ph type="body" idx="1"/>
           </p:nvPr>
         </p:nvSpPr>
         <p:spPr>
@@ -1681,12 +1658,12 @@
           </a:prstGeom>
         </p:spPr>
         <p:txBody>
-          <a:bodyPr anchorCtr="0" anchor="t" bIns="91425" lIns="91425" spcFirstLastPara="1" rIns="91425" wrap="square" tIns="91425">
+          <a:bodyPr spcFirstLastPara="1" wrap="square" lIns="91425" tIns="91425" rIns="91425" bIns="91425" anchor="t" anchorCtr="0">
             <a:noAutofit/>
           </a:bodyPr>
           <a:lstStyle/>
           <a:p>
-            <a:pPr indent="0" lvl="0" marL="0" rtl="0" algn="l">
+            <a:pPr marL="0" lvl="0" indent="0" algn="l" rtl="0">
               <a:lnSpc>
                 <a:spcPct val="115000"/>
               </a:lnSpc>
@@ -1715,11 +1692,11 @@
 </file>
 
 <file path=ppt/notesSlides/notesSlide8.xml><?xml version="1.0" encoding="utf-8"?>
-<p:notes xmlns:a="http://schemas.openxmlformats.org/drawingml/2006/main" xmlns:r="http://schemas.openxmlformats.org/officeDocument/2006/relationships" xmlns:mc="http://schemas.openxmlformats.org/markup-compatibility/2006" xmlns:mv="urn:schemas-microsoft-com:mac:vml" xmlns:p="http://schemas.openxmlformats.org/presentationml/2006/main" xmlns:c="http://schemas.openxmlformats.org/drawingml/2006/chart" xmlns:dgm="http://schemas.openxmlformats.org/drawingml/2006/diagram" xmlns:o="urn:schemas-microsoft-com:office:office" xmlns:v="urn:schemas-microsoft-com:vml" xmlns:pvml="urn:schemas-microsoft-com:office:powerpoint" xmlns:com="http://schemas.openxmlformats.org/drawingml/2006/compatibility" xmlns:p14="http://schemas.microsoft.com/office/powerpoint/2010/main" xmlns:p15="http://schemas.microsoft.com/office/powerpoint/2012/main" showMasterPhAnim="0" showMasterSp="0">
+<p:notes xmlns:a="http://schemas.openxmlformats.org/drawingml/2006/main" xmlns:r="http://schemas.openxmlformats.org/officeDocument/2006/relationships" xmlns:p="http://schemas.openxmlformats.org/presentationml/2006/main" showMasterSp="0" showMasterPhAnim="0">
   <p:cSld>
     <p:spTree>
       <p:nvGrpSpPr>
-        <p:cNvPr id="121" name="Shape 121"/>
+        <p:cNvPr id="1" name="Shape 121"/>
         <p:cNvGrpSpPr/>
         <p:nvPr/>
       </p:nvGrpSpPr>
@@ -1734,9 +1711,11 @@
       <p:sp>
         <p:nvSpPr>
           <p:cNvPr id="122" name="Google Shape;122;g874eb89406_9_14:notes"/>
-          <p:cNvSpPr/>
+          <p:cNvSpPr>
+            <a:spLocks noGrp="1" noRot="1" noChangeAspect="1"/>
+          </p:cNvSpPr>
           <p:nvPr>
-            <p:ph idx="2" type="sldImg"/>
+            <p:ph type="sldImg" idx="2"/>
           </p:nvPr>
         </p:nvSpPr>
         <p:spPr>
@@ -1745,9 +1724,13 @@
             <a:ext cx="6096000" cy="3429000"/>
           </a:xfrm>
           <a:custGeom>
-            <a:rect b="b" l="l" r="r" t="t"/>
+            <a:avLst/>
+            <a:gdLst/>
+            <a:ahLst/>
+            <a:cxnLst/>
+            <a:rect l="l" t="t" r="r" b="b"/>
             <a:pathLst>
-              <a:path extrusionOk="0" h="120000" w="120000">
+              <a:path w="120000" h="120000" extrusionOk="0">
                 <a:moveTo>
                   <a:pt x="0" y="0"/>
                 </a:moveTo>
@@ -1769,9 +1752,11 @@
       <p:sp>
         <p:nvSpPr>
           <p:cNvPr id="123" name="Google Shape;123;g874eb89406_9_14:notes"/>
-          <p:cNvSpPr txBox="1"/>
+          <p:cNvSpPr txBox="1">
+            <a:spLocks noGrp="1"/>
+          </p:cNvSpPr>
           <p:nvPr>
-            <p:ph idx="1" type="body"/>
+            <p:ph type="body" idx="1"/>
           </p:nvPr>
         </p:nvSpPr>
         <p:spPr>
@@ -1784,12 +1769,12 @@
           </a:prstGeom>
         </p:spPr>
         <p:txBody>
-          <a:bodyPr anchorCtr="0" anchor="t" bIns="91425" lIns="91425" spcFirstLastPara="1" rIns="91425" wrap="square" tIns="91425">
+          <a:bodyPr spcFirstLastPara="1" wrap="square" lIns="91425" tIns="91425" rIns="91425" bIns="91425" anchor="t" anchorCtr="0">
             <a:noAutofit/>
           </a:bodyPr>
           <a:lstStyle/>
           <a:p>
-            <a:pPr indent="0" lvl="0" marL="0" rtl="0" algn="l">
+            <a:pPr marL="0" lvl="0" indent="0" algn="l" rtl="0">
               <a:spcBef>
                 <a:spcPts val="0"/>
               </a:spcBef>
@@ -1798,9 +1783,6 @@
               </a:spcAft>
               <a:buNone/>
             </a:pPr>
-            <a:r>
-              <a:t/>
-            </a:r>
             <a:endParaRPr/>
           </a:p>
         </p:txBody>
@@ -1814,11 +1796,11 @@
 </file>
 
 <file path=ppt/notesSlides/notesSlide9.xml><?xml version="1.0" encoding="utf-8"?>
-<p:notes xmlns:a="http://schemas.openxmlformats.org/drawingml/2006/main" xmlns:r="http://schemas.openxmlformats.org/officeDocument/2006/relationships" xmlns:mc="http://schemas.openxmlformats.org/markup-compatibility/2006" xmlns:mv="urn:schemas-microsoft-com:mac:vml" xmlns:p="http://schemas.openxmlformats.org/presentationml/2006/main" xmlns:c="http://schemas.openxmlformats.org/drawingml/2006/chart" xmlns:dgm="http://schemas.openxmlformats.org/drawingml/2006/diagram" xmlns:o="urn:schemas-microsoft-com:office:office" xmlns:v="urn:schemas-microsoft-com:vml" xmlns:pvml="urn:schemas-microsoft-com:office:powerpoint" xmlns:com="http://schemas.openxmlformats.org/drawingml/2006/compatibility" xmlns:p14="http://schemas.microsoft.com/office/powerpoint/2010/main" xmlns:p15="http://schemas.microsoft.com/office/powerpoint/2012/main" showMasterPhAnim="0" showMasterSp="0">
+<p:notes xmlns:a="http://schemas.openxmlformats.org/drawingml/2006/main" xmlns:r="http://schemas.openxmlformats.org/officeDocument/2006/relationships" xmlns:p="http://schemas.openxmlformats.org/presentationml/2006/main" showMasterSp="0" showMasterPhAnim="0">
   <p:cSld>
     <p:spTree>
       <p:nvGrpSpPr>
-        <p:cNvPr id="139" name="Shape 139"/>
+        <p:cNvPr id="1" name="Shape 139"/>
         <p:cNvGrpSpPr/>
         <p:nvPr/>
       </p:nvGrpSpPr>
@@ -1833,9 +1815,11 @@
       <p:sp>
         <p:nvSpPr>
           <p:cNvPr id="140" name="Google Shape;140;g874eb89406_9_57:notes"/>
-          <p:cNvSpPr/>
+          <p:cNvSpPr>
+            <a:spLocks noGrp="1" noRot="1" noChangeAspect="1"/>
+          </p:cNvSpPr>
           <p:nvPr>
-            <p:ph idx="2" type="sldImg"/>
+            <p:ph type="sldImg" idx="2"/>
           </p:nvPr>
         </p:nvSpPr>
         <p:spPr>
@@ -1844,9 +1828,13 @@
             <a:ext cx="6096000" cy="3429000"/>
           </a:xfrm>
           <a:custGeom>
-            <a:rect b="b" l="l" r="r" t="t"/>
+            <a:avLst/>
+            <a:gdLst/>
+            <a:ahLst/>
+            <a:cxnLst/>
+            <a:rect l="l" t="t" r="r" b="b"/>
             <a:pathLst>
-              <a:path extrusionOk="0" h="120000" w="120000">
+              <a:path w="120000" h="120000" extrusionOk="0">
                 <a:moveTo>
                   <a:pt x="0" y="0"/>
                 </a:moveTo>
@@ -1868,9 +1856,11 @@
       <p:sp>
         <p:nvSpPr>
           <p:cNvPr id="141" name="Google Shape;141;g874eb89406_9_57:notes"/>
-          <p:cNvSpPr txBox="1"/>
+          <p:cNvSpPr txBox="1">
+            <a:spLocks noGrp="1"/>
+          </p:cNvSpPr>
           <p:nvPr>
-            <p:ph idx="1" type="body"/>
+            <p:ph type="body" idx="1"/>
           </p:nvPr>
         </p:nvSpPr>
         <p:spPr>
@@ -1883,12 +1873,12 @@
           </a:prstGeom>
         </p:spPr>
         <p:txBody>
-          <a:bodyPr anchorCtr="0" anchor="t" bIns="91425" lIns="91425" spcFirstLastPara="1" rIns="91425" wrap="square" tIns="91425">
+          <a:bodyPr spcFirstLastPara="1" wrap="square" lIns="91425" tIns="91425" rIns="91425" bIns="91425" anchor="t" anchorCtr="0">
             <a:noAutofit/>
           </a:bodyPr>
           <a:lstStyle/>
           <a:p>
-            <a:pPr indent="0" lvl="0" marL="0" rtl="0" algn="l">
+            <a:pPr marL="0" lvl="0" indent="0" algn="l" rtl="0">
               <a:lnSpc>
                 <a:spcPct val="115000"/>
               </a:lnSpc>
@@ -1917,11 +1907,11 @@
 </file>
 
 <file path=ppt/slideLayouts/slideLayout1.xml><?xml version="1.0" encoding="utf-8"?>
-<p:sldLayout xmlns:a="http://schemas.openxmlformats.org/drawingml/2006/main" xmlns:r="http://schemas.openxmlformats.org/officeDocument/2006/relationships" xmlns:mc="http://schemas.openxmlformats.org/markup-compatibility/2006" xmlns:mv="urn:schemas-microsoft-com:mac:vml" xmlns:p="http://schemas.openxmlformats.org/presentationml/2006/main" xmlns:c="http://schemas.openxmlformats.org/drawingml/2006/chart" xmlns:dgm="http://schemas.openxmlformats.org/drawingml/2006/diagram" xmlns:o="urn:schemas-microsoft-com:office:office" xmlns:v="urn:schemas-microsoft-com:vml" xmlns:pvml="urn:schemas-microsoft-com:office:powerpoint" xmlns:com="http://schemas.openxmlformats.org/drawingml/2006/compatibility" xmlns:p14="http://schemas.microsoft.com/office/powerpoint/2010/main" xmlns:p15="http://schemas.microsoft.com/office/powerpoint/2012/main" matchingName="Title slide" type="title">
+<p:sldLayout xmlns:a="http://schemas.openxmlformats.org/drawingml/2006/main" xmlns:r="http://schemas.openxmlformats.org/officeDocument/2006/relationships" xmlns:p="http://schemas.openxmlformats.org/presentationml/2006/main" matchingName="Title slide" type="title">
   <p:cSld name="TITLE">
     <p:spTree>
       <p:nvGrpSpPr>
-        <p:cNvPr id="9" name="Shape 9"/>
+        <p:cNvPr id="1" name="Shape 9"/>
         <p:cNvGrpSpPr/>
         <p:nvPr/>
       </p:nvGrpSpPr>
@@ -1936,7 +1926,9 @@
       <p:sp>
         <p:nvSpPr>
           <p:cNvPr id="10" name="Google Shape;10;p2"/>
-          <p:cNvSpPr txBox="1"/>
+          <p:cNvSpPr txBox="1">
+            <a:spLocks noGrp="1"/>
+          </p:cNvSpPr>
           <p:nvPr>
             <p:ph type="ctrTitle"/>
           </p:nvPr>
@@ -1951,7 +1943,7 @@
           </a:prstGeom>
         </p:spPr>
         <p:txBody>
-          <a:bodyPr anchorCtr="0" anchor="b" bIns="91425" lIns="91425" spcFirstLastPara="1" rIns="91425" wrap="square" tIns="91425">
+          <a:bodyPr spcFirstLastPara="1" wrap="square" lIns="91425" tIns="91425" rIns="91425" bIns="91425" anchor="b" anchorCtr="0">
             <a:noAutofit/>
           </a:bodyPr>
           <a:lstStyle>
@@ -2055,15 +2047,19 @@
               <a:defRPr sz="5200"/>
             </a:lvl9pPr>
           </a:lstStyle>
-          <a:p/>
+          <a:p>
+            <a:endParaRPr/>
+          </a:p>
         </p:txBody>
       </p:sp>
       <p:sp>
         <p:nvSpPr>
           <p:cNvPr id="11" name="Google Shape;11;p2"/>
-          <p:cNvSpPr txBox="1"/>
+          <p:cNvSpPr txBox="1">
+            <a:spLocks noGrp="1"/>
+          </p:cNvSpPr>
           <p:nvPr>
-            <p:ph idx="1" type="subTitle"/>
+            <p:ph type="subTitle" idx="1"/>
           </p:nvPr>
         </p:nvSpPr>
         <p:spPr>
@@ -2076,7 +2072,7 @@
           </a:prstGeom>
         </p:spPr>
         <p:txBody>
-          <a:bodyPr anchorCtr="0" anchor="t" bIns="91425" lIns="91425" spcFirstLastPara="1" rIns="91425" wrap="square" tIns="91425">
+          <a:bodyPr spcFirstLastPara="1" wrap="square" lIns="91425" tIns="91425" rIns="91425" bIns="91425" anchor="t" anchorCtr="0">
             <a:noAutofit/>
           </a:bodyPr>
           <a:lstStyle>
@@ -2207,15 +2203,19 @@
               <a:defRPr sz="2800"/>
             </a:lvl9pPr>
           </a:lstStyle>
-          <a:p/>
+          <a:p>
+            <a:endParaRPr/>
+          </a:p>
         </p:txBody>
       </p:sp>
       <p:sp>
         <p:nvSpPr>
           <p:cNvPr id="12" name="Google Shape;12;p2"/>
-          <p:cNvSpPr txBox="1"/>
+          <p:cNvSpPr txBox="1">
+            <a:spLocks noGrp="1"/>
+          </p:cNvSpPr>
           <p:nvPr>
-            <p:ph idx="12" type="sldNum"/>
+            <p:ph type="sldNum" idx="12"/>
           </p:nvPr>
         </p:nvSpPr>
         <p:spPr>
@@ -2228,7 +2228,7 @@
           </a:prstGeom>
         </p:spPr>
         <p:txBody>
-          <a:bodyPr anchorCtr="0" anchor="ctr" bIns="91425" lIns="91425" spcFirstLastPara="1" rIns="91425" wrap="square" tIns="91425">
+          <a:bodyPr spcFirstLastPara="1" wrap="square" lIns="91425" tIns="91425" rIns="91425" bIns="91425" anchor="ctr" anchorCtr="0">
             <a:noAutofit/>
           </a:bodyPr>
           <a:lstStyle>
@@ -2270,7 +2270,7 @@
             </a:lvl9pPr>
           </a:lstStyle>
           <a:p>
-            <a:pPr indent="0" lvl="0" marL="0" rtl="0" algn="r">
+            <a:pPr marL="0" lvl="0" indent="0" algn="r" rtl="0">
               <a:spcBef>
                 <a:spcPts val="0"/>
               </a:spcBef>
@@ -2281,7 +2281,16 @@
             </a:pPr>
             <a:fld id="{00000000-1234-1234-1234-123412341234}" type="slidenum">
               <a:rPr lang="es"/>
-              <a:t>‹#›</a:t>
+              <a:pPr marL="0" lvl="0" indent="0" algn="r" rtl="0">
+                <a:spcBef>
+                  <a:spcPts val="0"/>
+                </a:spcBef>
+                <a:spcAft>
+                  <a:spcPts val="0"/>
+                </a:spcAft>
+                <a:buNone/>
+              </a:pPr>
+              <a:t>‹Nº›</a:t>
             </a:fld>
             <a:endParaRPr/>
           </a:p>
@@ -2296,11 +2305,11 @@
 </file>
 
 <file path=ppt/slideLayouts/slideLayout10.xml><?xml version="1.0" encoding="utf-8"?>
-<p:sldLayout xmlns:a="http://schemas.openxmlformats.org/drawingml/2006/main" xmlns:r="http://schemas.openxmlformats.org/officeDocument/2006/relationships" xmlns:mc="http://schemas.openxmlformats.org/markup-compatibility/2006" xmlns:mv="urn:schemas-microsoft-com:mac:vml" xmlns:p="http://schemas.openxmlformats.org/presentationml/2006/main" xmlns:c="http://schemas.openxmlformats.org/drawingml/2006/chart" xmlns:dgm="http://schemas.openxmlformats.org/drawingml/2006/diagram" xmlns:o="urn:schemas-microsoft-com:office:office" xmlns:v="urn:schemas-microsoft-com:vml" xmlns:pvml="urn:schemas-microsoft-com:office:powerpoint" xmlns:com="http://schemas.openxmlformats.org/drawingml/2006/compatibility" xmlns:p14="http://schemas.microsoft.com/office/powerpoint/2010/main" xmlns:p15="http://schemas.microsoft.com/office/powerpoint/2012/main" matchingName="Big number">
+<p:sldLayout xmlns:a="http://schemas.openxmlformats.org/drawingml/2006/main" xmlns:r="http://schemas.openxmlformats.org/officeDocument/2006/relationships" xmlns:p="http://schemas.openxmlformats.org/presentationml/2006/main" matchingName="Big number">
   <p:cSld name="BIG_NUMBER">
     <p:spTree>
       <p:nvGrpSpPr>
-        <p:cNvPr id="44" name="Shape 44"/>
+        <p:cNvPr id="1" name="Shape 44"/>
         <p:cNvGrpSpPr/>
         <p:nvPr/>
       </p:nvGrpSpPr>
@@ -2315,9 +2324,11 @@
       <p:sp>
         <p:nvSpPr>
           <p:cNvPr id="45" name="Google Shape;45;p11"/>
-          <p:cNvSpPr txBox="1"/>
+          <p:cNvSpPr txBox="1">
+            <a:spLocks noGrp="1"/>
+          </p:cNvSpPr>
           <p:nvPr>
-            <p:ph hasCustomPrompt="1" type="title"/>
+            <p:ph type="title" hasCustomPrompt="1"/>
           </p:nvPr>
         </p:nvSpPr>
         <p:spPr>
@@ -2330,7 +2341,7 @@
           </a:prstGeom>
         </p:spPr>
         <p:txBody>
-          <a:bodyPr anchorCtr="0" anchor="b" bIns="91425" lIns="91425" spcFirstLastPara="1" rIns="91425" wrap="square" tIns="91425">
+          <a:bodyPr spcFirstLastPara="1" wrap="square" lIns="91425" tIns="91425" rIns="91425" bIns="91425" anchor="b" anchorCtr="0">
             <a:noAutofit/>
           </a:bodyPr>
           <a:lstStyle>
@@ -2444,9 +2455,11 @@
       <p:sp>
         <p:nvSpPr>
           <p:cNvPr id="46" name="Google Shape;46;p11"/>
-          <p:cNvSpPr txBox="1"/>
+          <p:cNvSpPr txBox="1">
+            <a:spLocks noGrp="1"/>
+          </p:cNvSpPr>
           <p:nvPr>
-            <p:ph idx="1" type="body"/>
+            <p:ph type="body" idx="1"/>
           </p:nvPr>
         </p:nvSpPr>
         <p:spPr>
@@ -2459,11 +2472,11 @@
           </a:prstGeom>
         </p:spPr>
         <p:txBody>
-          <a:bodyPr anchorCtr="0" anchor="t" bIns="91425" lIns="91425" spcFirstLastPara="1" rIns="91425" wrap="square" tIns="91425">
+          <a:bodyPr spcFirstLastPara="1" wrap="square" lIns="91425" tIns="91425" rIns="91425" bIns="91425" anchor="t" anchorCtr="0">
             <a:noAutofit/>
           </a:bodyPr>
           <a:lstStyle>
-            <a:lvl1pPr indent="-342900" lvl="0" marL="457200" algn="ctr">
+            <a:lvl1pPr marL="457200" lvl="0" indent="-342900" algn="ctr">
               <a:spcBef>
                 <a:spcPts val="0"/>
               </a:spcBef>
@@ -2474,7 +2487,7 @@
               <a:buChar char="●"/>
               <a:defRPr/>
             </a:lvl1pPr>
-            <a:lvl2pPr indent="-317500" lvl="1" marL="914400" algn="ctr">
+            <a:lvl2pPr marL="914400" lvl="1" indent="-317500" algn="ctr">
               <a:spcBef>
                 <a:spcPts val="1600"/>
               </a:spcBef>
@@ -2485,7 +2498,7 @@
               <a:buChar char="○"/>
               <a:defRPr/>
             </a:lvl2pPr>
-            <a:lvl3pPr indent="-317500" lvl="2" marL="1371600" algn="ctr">
+            <a:lvl3pPr marL="1371600" lvl="2" indent="-317500" algn="ctr">
               <a:spcBef>
                 <a:spcPts val="1600"/>
               </a:spcBef>
@@ -2496,7 +2509,7 @@
               <a:buChar char="■"/>
               <a:defRPr/>
             </a:lvl3pPr>
-            <a:lvl4pPr indent="-317500" lvl="3" marL="1828800" algn="ctr">
+            <a:lvl4pPr marL="1828800" lvl="3" indent="-317500" algn="ctr">
               <a:spcBef>
                 <a:spcPts val="1600"/>
               </a:spcBef>
@@ -2507,7 +2520,7 @@
               <a:buChar char="●"/>
               <a:defRPr/>
             </a:lvl4pPr>
-            <a:lvl5pPr indent="-317500" lvl="4" marL="2286000" algn="ctr">
+            <a:lvl5pPr marL="2286000" lvl="4" indent="-317500" algn="ctr">
               <a:spcBef>
                 <a:spcPts val="1600"/>
               </a:spcBef>
@@ -2518,7 +2531,7 @@
               <a:buChar char="○"/>
               <a:defRPr/>
             </a:lvl5pPr>
-            <a:lvl6pPr indent="-317500" lvl="5" marL="2743200" algn="ctr">
+            <a:lvl6pPr marL="2743200" lvl="5" indent="-317500" algn="ctr">
               <a:spcBef>
                 <a:spcPts val="1600"/>
               </a:spcBef>
@@ -2529,7 +2542,7 @@
               <a:buChar char="■"/>
               <a:defRPr/>
             </a:lvl6pPr>
-            <a:lvl7pPr indent="-317500" lvl="6" marL="3200400" algn="ctr">
+            <a:lvl7pPr marL="3200400" lvl="6" indent="-317500" algn="ctr">
               <a:spcBef>
                 <a:spcPts val="1600"/>
               </a:spcBef>
@@ -2540,7 +2553,7 @@
               <a:buChar char="●"/>
               <a:defRPr/>
             </a:lvl7pPr>
-            <a:lvl8pPr indent="-317500" lvl="7" marL="3657600" algn="ctr">
+            <a:lvl8pPr marL="3657600" lvl="7" indent="-317500" algn="ctr">
               <a:spcBef>
                 <a:spcPts val="1600"/>
               </a:spcBef>
@@ -2551,7 +2564,7 @@
               <a:buChar char="○"/>
               <a:defRPr/>
             </a:lvl8pPr>
-            <a:lvl9pPr indent="-317500" lvl="8" marL="4114800" algn="ctr">
+            <a:lvl9pPr marL="4114800" lvl="8" indent="-317500" algn="ctr">
               <a:spcBef>
                 <a:spcPts val="1600"/>
               </a:spcBef>
@@ -2563,15 +2576,19 @@
               <a:defRPr/>
             </a:lvl9pPr>
           </a:lstStyle>
-          <a:p/>
+          <a:p>
+            <a:endParaRPr/>
+          </a:p>
         </p:txBody>
       </p:sp>
       <p:sp>
         <p:nvSpPr>
           <p:cNvPr id="47" name="Google Shape;47;p11"/>
-          <p:cNvSpPr txBox="1"/>
+          <p:cNvSpPr txBox="1">
+            <a:spLocks noGrp="1"/>
+          </p:cNvSpPr>
           <p:nvPr>
-            <p:ph idx="12" type="sldNum"/>
+            <p:ph type="sldNum" idx="12"/>
           </p:nvPr>
         </p:nvSpPr>
         <p:spPr>
@@ -2584,7 +2601,7 @@
           </a:prstGeom>
         </p:spPr>
         <p:txBody>
-          <a:bodyPr anchorCtr="0" anchor="ctr" bIns="91425" lIns="91425" spcFirstLastPara="1" rIns="91425" wrap="square" tIns="91425">
+          <a:bodyPr spcFirstLastPara="1" wrap="square" lIns="91425" tIns="91425" rIns="91425" bIns="91425" anchor="ctr" anchorCtr="0">
             <a:noAutofit/>
           </a:bodyPr>
           <a:lstStyle>
@@ -2626,7 +2643,7 @@
             </a:lvl9pPr>
           </a:lstStyle>
           <a:p>
-            <a:pPr indent="0" lvl="0" marL="0" rtl="0" algn="r">
+            <a:pPr marL="0" lvl="0" indent="0" algn="r" rtl="0">
               <a:spcBef>
                 <a:spcPts val="0"/>
               </a:spcBef>
@@ -2637,7 +2654,16 @@
             </a:pPr>
             <a:fld id="{00000000-1234-1234-1234-123412341234}" type="slidenum">
               <a:rPr lang="es"/>
-              <a:t>‹#›</a:t>
+              <a:pPr marL="0" lvl="0" indent="0" algn="r" rtl="0">
+                <a:spcBef>
+                  <a:spcPts val="0"/>
+                </a:spcBef>
+                <a:spcAft>
+                  <a:spcPts val="0"/>
+                </a:spcAft>
+                <a:buNone/>
+              </a:pPr>
+              <a:t>‹Nº›</a:t>
             </a:fld>
             <a:endParaRPr/>
           </a:p>
@@ -2652,11 +2678,11 @@
 </file>
 
 <file path=ppt/slideLayouts/slideLayout11.xml><?xml version="1.0" encoding="utf-8"?>
-<p:sldLayout xmlns:a="http://schemas.openxmlformats.org/drawingml/2006/main" xmlns:r="http://schemas.openxmlformats.org/officeDocument/2006/relationships" xmlns:mc="http://schemas.openxmlformats.org/markup-compatibility/2006" xmlns:mv="urn:schemas-microsoft-com:mac:vml" xmlns:p="http://schemas.openxmlformats.org/presentationml/2006/main" xmlns:c="http://schemas.openxmlformats.org/drawingml/2006/chart" xmlns:dgm="http://schemas.openxmlformats.org/drawingml/2006/diagram" xmlns:o="urn:schemas-microsoft-com:office:office" xmlns:v="urn:schemas-microsoft-com:vml" xmlns:pvml="urn:schemas-microsoft-com:office:powerpoint" xmlns:com="http://schemas.openxmlformats.org/drawingml/2006/compatibility" xmlns:p14="http://schemas.microsoft.com/office/powerpoint/2010/main" xmlns:p15="http://schemas.microsoft.com/office/powerpoint/2012/main" matchingName="Blank" type="blank">
+<p:sldLayout xmlns:a="http://schemas.openxmlformats.org/drawingml/2006/main" xmlns:r="http://schemas.openxmlformats.org/officeDocument/2006/relationships" xmlns:p="http://schemas.openxmlformats.org/presentationml/2006/main" matchingName="Blank" type="blank">
   <p:cSld name="BLANK">
     <p:spTree>
       <p:nvGrpSpPr>
-        <p:cNvPr id="48" name="Shape 48"/>
+        <p:cNvPr id="1" name="Shape 48"/>
         <p:cNvGrpSpPr/>
         <p:nvPr/>
       </p:nvGrpSpPr>
@@ -2671,9 +2697,11 @@
       <p:sp>
         <p:nvSpPr>
           <p:cNvPr id="49" name="Google Shape;49;p12"/>
-          <p:cNvSpPr txBox="1"/>
+          <p:cNvSpPr txBox="1">
+            <a:spLocks noGrp="1"/>
+          </p:cNvSpPr>
           <p:nvPr>
-            <p:ph idx="12" type="sldNum"/>
+            <p:ph type="sldNum" idx="12"/>
           </p:nvPr>
         </p:nvSpPr>
         <p:spPr>
@@ -2686,7 +2714,7 @@
           </a:prstGeom>
         </p:spPr>
         <p:txBody>
-          <a:bodyPr anchorCtr="0" anchor="ctr" bIns="91425" lIns="91425" spcFirstLastPara="1" rIns="91425" wrap="square" tIns="91425">
+          <a:bodyPr spcFirstLastPara="1" wrap="square" lIns="91425" tIns="91425" rIns="91425" bIns="91425" anchor="ctr" anchorCtr="0">
             <a:noAutofit/>
           </a:bodyPr>
           <a:lstStyle>
@@ -2728,7 +2756,7 @@
             </a:lvl9pPr>
           </a:lstStyle>
           <a:p>
-            <a:pPr indent="0" lvl="0" marL="0" rtl="0" algn="r">
+            <a:pPr marL="0" lvl="0" indent="0" algn="r" rtl="0">
               <a:spcBef>
                 <a:spcPts val="0"/>
               </a:spcBef>
@@ -2739,7 +2767,16 @@
             </a:pPr>
             <a:fld id="{00000000-1234-1234-1234-123412341234}" type="slidenum">
               <a:rPr lang="es"/>
-              <a:t>‹#›</a:t>
+              <a:pPr marL="0" lvl="0" indent="0" algn="r" rtl="0">
+                <a:spcBef>
+                  <a:spcPts val="0"/>
+                </a:spcBef>
+                <a:spcAft>
+                  <a:spcPts val="0"/>
+                </a:spcAft>
+                <a:buNone/>
+              </a:pPr>
+              <a:t>‹Nº›</a:t>
             </a:fld>
             <a:endParaRPr/>
           </a:p>
@@ -2754,11 +2791,11 @@
 </file>
 
 <file path=ppt/slideLayouts/slideLayout2.xml><?xml version="1.0" encoding="utf-8"?>
-<p:sldLayout xmlns:a="http://schemas.openxmlformats.org/drawingml/2006/main" xmlns:r="http://schemas.openxmlformats.org/officeDocument/2006/relationships" xmlns:mc="http://schemas.openxmlformats.org/markup-compatibility/2006" xmlns:mv="urn:schemas-microsoft-com:mac:vml" xmlns:p="http://schemas.openxmlformats.org/presentationml/2006/main" xmlns:c="http://schemas.openxmlformats.org/drawingml/2006/chart" xmlns:dgm="http://schemas.openxmlformats.org/drawingml/2006/diagram" xmlns:o="urn:schemas-microsoft-com:office:office" xmlns:v="urn:schemas-microsoft-com:vml" xmlns:pvml="urn:schemas-microsoft-com:office:powerpoint" xmlns:com="http://schemas.openxmlformats.org/drawingml/2006/compatibility" xmlns:p14="http://schemas.microsoft.com/office/powerpoint/2010/main" xmlns:p15="http://schemas.microsoft.com/office/powerpoint/2012/main" matchingName="Section header" type="secHead">
+<p:sldLayout xmlns:a="http://schemas.openxmlformats.org/drawingml/2006/main" xmlns:r="http://schemas.openxmlformats.org/officeDocument/2006/relationships" xmlns:p="http://schemas.openxmlformats.org/presentationml/2006/main" matchingName="Section header" type="secHead">
   <p:cSld name="SECTION_HEADER">
     <p:spTree>
       <p:nvGrpSpPr>
-        <p:cNvPr id="13" name="Shape 13"/>
+        <p:cNvPr id="1" name="Shape 13"/>
         <p:cNvGrpSpPr/>
         <p:nvPr/>
       </p:nvGrpSpPr>
@@ -2773,7 +2810,9 @@
       <p:sp>
         <p:nvSpPr>
           <p:cNvPr id="14" name="Google Shape;14;p3"/>
-          <p:cNvSpPr txBox="1"/>
+          <p:cNvSpPr txBox="1">
+            <a:spLocks noGrp="1"/>
+          </p:cNvSpPr>
           <p:nvPr>
             <p:ph type="title"/>
           </p:nvPr>
@@ -2788,7 +2827,7 @@
           </a:prstGeom>
         </p:spPr>
         <p:txBody>
-          <a:bodyPr anchorCtr="0" anchor="ctr" bIns="91425" lIns="91425" spcFirstLastPara="1" rIns="91425" wrap="square" tIns="91425">
+          <a:bodyPr spcFirstLastPara="1" wrap="square" lIns="91425" tIns="91425" rIns="91425" bIns="91425" anchor="ctr" anchorCtr="0">
             <a:noAutofit/>
           </a:bodyPr>
           <a:lstStyle>
@@ -2892,15 +2931,19 @@
               <a:defRPr sz="3600"/>
             </a:lvl9pPr>
           </a:lstStyle>
-          <a:p/>
+          <a:p>
+            <a:endParaRPr/>
+          </a:p>
         </p:txBody>
       </p:sp>
       <p:sp>
         <p:nvSpPr>
           <p:cNvPr id="15" name="Google Shape;15;p3"/>
-          <p:cNvSpPr txBox="1"/>
+          <p:cNvSpPr txBox="1">
+            <a:spLocks noGrp="1"/>
+          </p:cNvSpPr>
           <p:nvPr>
-            <p:ph idx="12" type="sldNum"/>
+            <p:ph type="sldNum" idx="12"/>
           </p:nvPr>
         </p:nvSpPr>
         <p:spPr>
@@ -2913,7 +2956,7 @@
           </a:prstGeom>
         </p:spPr>
         <p:txBody>
-          <a:bodyPr anchorCtr="0" anchor="ctr" bIns="91425" lIns="91425" spcFirstLastPara="1" rIns="91425" wrap="square" tIns="91425">
+          <a:bodyPr spcFirstLastPara="1" wrap="square" lIns="91425" tIns="91425" rIns="91425" bIns="91425" anchor="ctr" anchorCtr="0">
             <a:noAutofit/>
           </a:bodyPr>
           <a:lstStyle>
@@ -2955,7 +2998,7 @@
             </a:lvl9pPr>
           </a:lstStyle>
           <a:p>
-            <a:pPr indent="0" lvl="0" marL="0" rtl="0" algn="r">
+            <a:pPr marL="0" lvl="0" indent="0" algn="r" rtl="0">
               <a:spcBef>
                 <a:spcPts val="0"/>
               </a:spcBef>
@@ -2966,7 +3009,16 @@
             </a:pPr>
             <a:fld id="{00000000-1234-1234-1234-123412341234}" type="slidenum">
               <a:rPr lang="es"/>
-              <a:t>‹#›</a:t>
+              <a:pPr marL="0" lvl="0" indent="0" algn="r" rtl="0">
+                <a:spcBef>
+                  <a:spcPts val="0"/>
+                </a:spcBef>
+                <a:spcAft>
+                  <a:spcPts val="0"/>
+                </a:spcAft>
+                <a:buNone/>
+              </a:pPr>
+              <a:t>‹Nº›</a:t>
             </a:fld>
             <a:endParaRPr/>
           </a:p>
@@ -2981,11 +3033,11 @@
 </file>
 
 <file path=ppt/slideLayouts/slideLayout3.xml><?xml version="1.0" encoding="utf-8"?>
-<p:sldLayout xmlns:a="http://schemas.openxmlformats.org/drawingml/2006/main" xmlns:r="http://schemas.openxmlformats.org/officeDocument/2006/relationships" xmlns:mc="http://schemas.openxmlformats.org/markup-compatibility/2006" xmlns:mv="urn:schemas-microsoft-com:mac:vml" xmlns:p="http://schemas.openxmlformats.org/presentationml/2006/main" xmlns:c="http://schemas.openxmlformats.org/drawingml/2006/chart" xmlns:dgm="http://schemas.openxmlformats.org/drawingml/2006/diagram" xmlns:o="urn:schemas-microsoft-com:office:office" xmlns:v="urn:schemas-microsoft-com:vml" xmlns:pvml="urn:schemas-microsoft-com:office:powerpoint" xmlns:com="http://schemas.openxmlformats.org/drawingml/2006/compatibility" xmlns:p14="http://schemas.microsoft.com/office/powerpoint/2010/main" xmlns:p15="http://schemas.microsoft.com/office/powerpoint/2012/main" matchingName="Title and body" type="tx">
+<p:sldLayout xmlns:a="http://schemas.openxmlformats.org/drawingml/2006/main" xmlns:r="http://schemas.openxmlformats.org/officeDocument/2006/relationships" xmlns:p="http://schemas.openxmlformats.org/presentationml/2006/main" matchingName="Title and body" type="tx">
   <p:cSld name="TITLE_AND_BODY">
     <p:spTree>
       <p:nvGrpSpPr>
-        <p:cNvPr id="16" name="Shape 16"/>
+        <p:cNvPr id="1" name="Shape 16"/>
         <p:cNvGrpSpPr/>
         <p:nvPr/>
       </p:nvGrpSpPr>
@@ -3000,7 +3052,9 @@
       <p:sp>
         <p:nvSpPr>
           <p:cNvPr id="17" name="Google Shape;17;p4"/>
-          <p:cNvSpPr txBox="1"/>
+          <p:cNvSpPr txBox="1">
+            <a:spLocks noGrp="1"/>
+          </p:cNvSpPr>
           <p:nvPr>
             <p:ph type="title"/>
           </p:nvPr>
@@ -3015,7 +3069,7 @@
           </a:prstGeom>
         </p:spPr>
         <p:txBody>
-          <a:bodyPr anchorCtr="0" anchor="t" bIns="91425" lIns="91425" spcFirstLastPara="1" rIns="91425" wrap="square" tIns="91425">
+          <a:bodyPr spcFirstLastPara="1" wrap="square" lIns="91425" tIns="91425" rIns="91425" bIns="91425" anchor="t" anchorCtr="0">
             <a:noAutofit/>
           </a:bodyPr>
           <a:lstStyle>
@@ -3119,15 +3173,19 @@
               <a:defRPr/>
             </a:lvl9pPr>
           </a:lstStyle>
-          <a:p/>
+          <a:p>
+            <a:endParaRPr/>
+          </a:p>
         </p:txBody>
       </p:sp>
       <p:sp>
         <p:nvSpPr>
           <p:cNvPr id="18" name="Google Shape;18;p4"/>
-          <p:cNvSpPr txBox="1"/>
+          <p:cNvSpPr txBox="1">
+            <a:spLocks noGrp="1"/>
+          </p:cNvSpPr>
           <p:nvPr>
-            <p:ph idx="1" type="body"/>
+            <p:ph type="body" idx="1"/>
           </p:nvPr>
         </p:nvSpPr>
         <p:spPr>
@@ -3140,11 +3198,11 @@
           </a:prstGeom>
         </p:spPr>
         <p:txBody>
-          <a:bodyPr anchorCtr="0" anchor="t" bIns="91425" lIns="91425" spcFirstLastPara="1" rIns="91425" wrap="square" tIns="91425">
+          <a:bodyPr spcFirstLastPara="1" wrap="square" lIns="91425" tIns="91425" rIns="91425" bIns="91425" anchor="t" anchorCtr="0">
             <a:noAutofit/>
           </a:bodyPr>
           <a:lstStyle>
-            <a:lvl1pPr indent="-342900" lvl="0" marL="457200">
+            <a:lvl1pPr marL="457200" lvl="0" indent="-342900">
               <a:spcBef>
                 <a:spcPts val="0"/>
               </a:spcBef>
@@ -3155,7 +3213,7 @@
               <a:buChar char="●"/>
               <a:defRPr/>
             </a:lvl1pPr>
-            <a:lvl2pPr indent="-317500" lvl="1" marL="914400">
+            <a:lvl2pPr marL="914400" lvl="1" indent="-317500">
               <a:spcBef>
                 <a:spcPts val="1600"/>
               </a:spcBef>
@@ -3166,7 +3224,7 @@
               <a:buChar char="○"/>
               <a:defRPr/>
             </a:lvl2pPr>
-            <a:lvl3pPr indent="-317500" lvl="2" marL="1371600">
+            <a:lvl3pPr marL="1371600" lvl="2" indent="-317500">
               <a:spcBef>
                 <a:spcPts val="1600"/>
               </a:spcBef>
@@ -3177,7 +3235,7 @@
               <a:buChar char="■"/>
               <a:defRPr/>
             </a:lvl3pPr>
-            <a:lvl4pPr indent="-317500" lvl="3" marL="1828800">
+            <a:lvl4pPr marL="1828800" lvl="3" indent="-317500">
               <a:spcBef>
                 <a:spcPts val="1600"/>
               </a:spcBef>
@@ -3188,7 +3246,7 @@
               <a:buChar char="●"/>
               <a:defRPr/>
             </a:lvl4pPr>
-            <a:lvl5pPr indent="-317500" lvl="4" marL="2286000">
+            <a:lvl5pPr marL="2286000" lvl="4" indent="-317500">
               <a:spcBef>
                 <a:spcPts val="1600"/>
               </a:spcBef>
@@ -3199,7 +3257,7 @@
               <a:buChar char="○"/>
               <a:defRPr/>
             </a:lvl5pPr>
-            <a:lvl6pPr indent="-317500" lvl="5" marL="2743200">
+            <a:lvl6pPr marL="2743200" lvl="5" indent="-317500">
               <a:spcBef>
                 <a:spcPts val="1600"/>
               </a:spcBef>
@@ -3210,7 +3268,7 @@
               <a:buChar char="■"/>
               <a:defRPr/>
             </a:lvl6pPr>
-            <a:lvl7pPr indent="-317500" lvl="6" marL="3200400">
+            <a:lvl7pPr marL="3200400" lvl="6" indent="-317500">
               <a:spcBef>
                 <a:spcPts val="1600"/>
               </a:spcBef>
@@ -3221,7 +3279,7 @@
               <a:buChar char="●"/>
               <a:defRPr/>
             </a:lvl7pPr>
-            <a:lvl8pPr indent="-317500" lvl="7" marL="3657600">
+            <a:lvl8pPr marL="3657600" lvl="7" indent="-317500">
               <a:spcBef>
                 <a:spcPts val="1600"/>
               </a:spcBef>
@@ -3232,7 +3290,7 @@
               <a:buChar char="○"/>
               <a:defRPr/>
             </a:lvl8pPr>
-            <a:lvl9pPr indent="-317500" lvl="8" marL="4114800">
+            <a:lvl9pPr marL="4114800" lvl="8" indent="-317500">
               <a:spcBef>
                 <a:spcPts val="1600"/>
               </a:spcBef>
@@ -3244,15 +3302,19 @@
               <a:defRPr/>
             </a:lvl9pPr>
           </a:lstStyle>
-          <a:p/>
+          <a:p>
+            <a:endParaRPr/>
+          </a:p>
         </p:txBody>
       </p:sp>
       <p:sp>
         <p:nvSpPr>
           <p:cNvPr id="19" name="Google Shape;19;p4"/>
-          <p:cNvSpPr txBox="1"/>
+          <p:cNvSpPr txBox="1">
+            <a:spLocks noGrp="1"/>
+          </p:cNvSpPr>
           <p:nvPr>
-            <p:ph idx="12" type="sldNum"/>
+            <p:ph type="sldNum" idx="12"/>
           </p:nvPr>
         </p:nvSpPr>
         <p:spPr>
@@ -3265,7 +3327,7 @@
           </a:prstGeom>
         </p:spPr>
         <p:txBody>
-          <a:bodyPr anchorCtr="0" anchor="ctr" bIns="91425" lIns="91425" spcFirstLastPara="1" rIns="91425" wrap="square" tIns="91425">
+          <a:bodyPr spcFirstLastPara="1" wrap="square" lIns="91425" tIns="91425" rIns="91425" bIns="91425" anchor="ctr" anchorCtr="0">
             <a:noAutofit/>
           </a:bodyPr>
           <a:lstStyle>
@@ -3307,7 +3369,7 @@
             </a:lvl9pPr>
           </a:lstStyle>
           <a:p>
-            <a:pPr indent="0" lvl="0" marL="0" rtl="0" algn="r">
+            <a:pPr marL="0" lvl="0" indent="0" algn="r" rtl="0">
               <a:spcBef>
                 <a:spcPts val="0"/>
               </a:spcBef>
@@ -3318,7 +3380,16 @@
             </a:pPr>
             <a:fld id="{00000000-1234-1234-1234-123412341234}" type="slidenum">
               <a:rPr lang="es"/>
-              <a:t>‹#›</a:t>
+              <a:pPr marL="0" lvl="0" indent="0" algn="r" rtl="0">
+                <a:spcBef>
+                  <a:spcPts val="0"/>
+                </a:spcBef>
+                <a:spcAft>
+                  <a:spcPts val="0"/>
+                </a:spcAft>
+                <a:buNone/>
+              </a:pPr>
+              <a:t>‹Nº›</a:t>
             </a:fld>
             <a:endParaRPr/>
           </a:p>
@@ -3333,11 +3404,11 @@
 </file>
 
 <file path=ppt/slideLayouts/slideLayout4.xml><?xml version="1.0" encoding="utf-8"?>
-<p:sldLayout xmlns:a="http://schemas.openxmlformats.org/drawingml/2006/main" xmlns:r="http://schemas.openxmlformats.org/officeDocument/2006/relationships" xmlns:mc="http://schemas.openxmlformats.org/markup-compatibility/2006" xmlns:mv="urn:schemas-microsoft-com:mac:vml" xmlns:p="http://schemas.openxmlformats.org/presentationml/2006/main" xmlns:c="http://schemas.openxmlformats.org/drawingml/2006/chart" xmlns:dgm="http://schemas.openxmlformats.org/drawingml/2006/diagram" xmlns:o="urn:schemas-microsoft-com:office:office" xmlns:v="urn:schemas-microsoft-com:vml" xmlns:pvml="urn:schemas-microsoft-com:office:powerpoint" xmlns:com="http://schemas.openxmlformats.org/drawingml/2006/compatibility" xmlns:p14="http://schemas.microsoft.com/office/powerpoint/2010/main" xmlns:p15="http://schemas.microsoft.com/office/powerpoint/2012/main" matchingName="Title and two columns" type="twoColTx">
+<p:sldLayout xmlns:a="http://schemas.openxmlformats.org/drawingml/2006/main" xmlns:r="http://schemas.openxmlformats.org/officeDocument/2006/relationships" xmlns:p="http://schemas.openxmlformats.org/presentationml/2006/main" matchingName="Title and two columns" type="twoColTx">
   <p:cSld name="TITLE_AND_TWO_COLUMNS">
     <p:spTree>
       <p:nvGrpSpPr>
-        <p:cNvPr id="20" name="Shape 20"/>
+        <p:cNvPr id="1" name="Shape 20"/>
         <p:cNvGrpSpPr/>
         <p:nvPr/>
       </p:nvGrpSpPr>
@@ -3352,7 +3423,9 @@
       <p:sp>
         <p:nvSpPr>
           <p:cNvPr id="21" name="Google Shape;21;p5"/>
-          <p:cNvSpPr txBox="1"/>
+          <p:cNvSpPr txBox="1">
+            <a:spLocks noGrp="1"/>
+          </p:cNvSpPr>
           <p:nvPr>
             <p:ph type="title"/>
           </p:nvPr>
@@ -3367,7 +3440,7 @@
           </a:prstGeom>
         </p:spPr>
         <p:txBody>
-          <a:bodyPr anchorCtr="0" anchor="t" bIns="91425" lIns="91425" spcFirstLastPara="1" rIns="91425" wrap="square" tIns="91425">
+          <a:bodyPr spcFirstLastPara="1" wrap="square" lIns="91425" tIns="91425" rIns="91425" bIns="91425" anchor="t" anchorCtr="0">
             <a:noAutofit/>
           </a:bodyPr>
           <a:lstStyle>
@@ -3471,15 +3544,19 @@
               <a:defRPr/>
             </a:lvl9pPr>
           </a:lstStyle>
-          <a:p/>
+          <a:p>
+            <a:endParaRPr/>
+          </a:p>
         </p:txBody>
       </p:sp>
       <p:sp>
         <p:nvSpPr>
           <p:cNvPr id="22" name="Google Shape;22;p5"/>
-          <p:cNvSpPr txBox="1"/>
+          <p:cNvSpPr txBox="1">
+            <a:spLocks noGrp="1"/>
+          </p:cNvSpPr>
           <p:nvPr>
-            <p:ph idx="1" type="body"/>
+            <p:ph type="body" idx="1"/>
           </p:nvPr>
         </p:nvSpPr>
         <p:spPr>
@@ -3492,11 +3569,11 @@
           </a:prstGeom>
         </p:spPr>
         <p:txBody>
-          <a:bodyPr anchorCtr="0" anchor="t" bIns="91425" lIns="91425" spcFirstLastPara="1" rIns="91425" wrap="square" tIns="91425">
+          <a:bodyPr spcFirstLastPara="1" wrap="square" lIns="91425" tIns="91425" rIns="91425" bIns="91425" anchor="t" anchorCtr="0">
             <a:noAutofit/>
           </a:bodyPr>
           <a:lstStyle>
-            <a:lvl1pPr indent="-317500" lvl="0" marL="457200">
+            <a:lvl1pPr marL="457200" lvl="0" indent="-317500">
               <a:spcBef>
                 <a:spcPts val="0"/>
               </a:spcBef>
@@ -3507,7 +3584,7 @@
               <a:buChar char="●"/>
               <a:defRPr sz="1400"/>
             </a:lvl1pPr>
-            <a:lvl2pPr indent="-304800" lvl="1" marL="914400">
+            <a:lvl2pPr marL="914400" lvl="1" indent="-304800">
               <a:spcBef>
                 <a:spcPts val="1600"/>
               </a:spcBef>
@@ -3518,7 +3595,7 @@
               <a:buChar char="○"/>
               <a:defRPr sz="1200"/>
             </a:lvl2pPr>
-            <a:lvl3pPr indent="-304800" lvl="2" marL="1371600">
+            <a:lvl3pPr marL="1371600" lvl="2" indent="-304800">
               <a:spcBef>
                 <a:spcPts val="1600"/>
               </a:spcBef>
@@ -3529,7 +3606,7 @@
               <a:buChar char="■"/>
               <a:defRPr sz="1200"/>
             </a:lvl3pPr>
-            <a:lvl4pPr indent="-304800" lvl="3" marL="1828800">
+            <a:lvl4pPr marL="1828800" lvl="3" indent="-304800">
               <a:spcBef>
                 <a:spcPts val="1600"/>
               </a:spcBef>
@@ -3540,7 +3617,7 @@
               <a:buChar char="●"/>
               <a:defRPr sz="1200"/>
             </a:lvl4pPr>
-            <a:lvl5pPr indent="-304800" lvl="4" marL="2286000">
+            <a:lvl5pPr marL="2286000" lvl="4" indent="-304800">
               <a:spcBef>
                 <a:spcPts val="1600"/>
               </a:spcBef>
@@ -3551,7 +3628,7 @@
               <a:buChar char="○"/>
               <a:defRPr sz="1200"/>
             </a:lvl5pPr>
-            <a:lvl6pPr indent="-304800" lvl="5" marL="2743200">
+            <a:lvl6pPr marL="2743200" lvl="5" indent="-304800">
               <a:spcBef>
                 <a:spcPts val="1600"/>
               </a:spcBef>
@@ -3562,7 +3639,7 @@
               <a:buChar char="■"/>
               <a:defRPr sz="1200"/>
             </a:lvl6pPr>
-            <a:lvl7pPr indent="-304800" lvl="6" marL="3200400">
+            <a:lvl7pPr marL="3200400" lvl="6" indent="-304800">
               <a:spcBef>
                 <a:spcPts val="1600"/>
               </a:spcBef>
@@ -3573,7 +3650,7 @@
               <a:buChar char="●"/>
               <a:defRPr sz="1200"/>
             </a:lvl7pPr>
-            <a:lvl8pPr indent="-304800" lvl="7" marL="3657600">
+            <a:lvl8pPr marL="3657600" lvl="7" indent="-304800">
               <a:spcBef>
                 <a:spcPts val="1600"/>
               </a:spcBef>
@@ -3584,7 +3661,7 @@
               <a:buChar char="○"/>
               <a:defRPr sz="1200"/>
             </a:lvl8pPr>
-            <a:lvl9pPr indent="-304800" lvl="8" marL="4114800">
+            <a:lvl9pPr marL="4114800" lvl="8" indent="-304800">
               <a:spcBef>
                 <a:spcPts val="1600"/>
               </a:spcBef>
@@ -3596,15 +3673,19 @@
               <a:defRPr sz="1200"/>
             </a:lvl9pPr>
           </a:lstStyle>
-          <a:p/>
+          <a:p>
+            <a:endParaRPr/>
+          </a:p>
         </p:txBody>
       </p:sp>
       <p:sp>
         <p:nvSpPr>
           <p:cNvPr id="23" name="Google Shape;23;p5"/>
-          <p:cNvSpPr txBox="1"/>
+          <p:cNvSpPr txBox="1">
+            <a:spLocks noGrp="1"/>
+          </p:cNvSpPr>
           <p:nvPr>
-            <p:ph idx="2" type="body"/>
+            <p:ph type="body" idx="2"/>
           </p:nvPr>
         </p:nvSpPr>
         <p:spPr>
@@ -3617,11 +3698,11 @@
           </a:prstGeom>
         </p:spPr>
         <p:txBody>
-          <a:bodyPr anchorCtr="0" anchor="t" bIns="91425" lIns="91425" spcFirstLastPara="1" rIns="91425" wrap="square" tIns="91425">
+          <a:bodyPr spcFirstLastPara="1" wrap="square" lIns="91425" tIns="91425" rIns="91425" bIns="91425" anchor="t" anchorCtr="0">
             <a:noAutofit/>
           </a:bodyPr>
           <a:lstStyle>
-            <a:lvl1pPr indent="-317500" lvl="0" marL="457200">
+            <a:lvl1pPr marL="457200" lvl="0" indent="-317500">
               <a:spcBef>
                 <a:spcPts val="0"/>
               </a:spcBef>
@@ -3632,7 +3713,7 @@
               <a:buChar char="●"/>
               <a:defRPr sz="1400"/>
             </a:lvl1pPr>
-            <a:lvl2pPr indent="-304800" lvl="1" marL="914400">
+            <a:lvl2pPr marL="914400" lvl="1" indent="-304800">
               <a:spcBef>
                 <a:spcPts val="1600"/>
               </a:spcBef>
@@ -3643,7 +3724,7 @@
               <a:buChar char="○"/>
               <a:defRPr sz="1200"/>
             </a:lvl2pPr>
-            <a:lvl3pPr indent="-304800" lvl="2" marL="1371600">
+            <a:lvl3pPr marL="1371600" lvl="2" indent="-304800">
               <a:spcBef>
                 <a:spcPts val="1600"/>
               </a:spcBef>
@@ -3654,7 +3735,7 @@
               <a:buChar char="■"/>
               <a:defRPr sz="1200"/>
             </a:lvl3pPr>
-            <a:lvl4pPr indent="-304800" lvl="3" marL="1828800">
+            <a:lvl4pPr marL="1828800" lvl="3" indent="-304800">
               <a:spcBef>
                 <a:spcPts val="1600"/>
               </a:spcBef>
@@ -3665,7 +3746,7 @@
               <a:buChar char="●"/>
               <a:defRPr sz="1200"/>
             </a:lvl4pPr>
-            <a:lvl5pPr indent="-304800" lvl="4" marL="2286000">
+            <a:lvl5pPr marL="2286000" lvl="4" indent="-304800">
               <a:spcBef>
                 <a:spcPts val="1600"/>
               </a:spcBef>
@@ -3676,7 +3757,7 @@
               <a:buChar char="○"/>
               <a:defRPr sz="1200"/>
             </a:lvl5pPr>
-            <a:lvl6pPr indent="-304800" lvl="5" marL="2743200">
+            <a:lvl6pPr marL="2743200" lvl="5" indent="-304800">
               <a:spcBef>
                 <a:spcPts val="1600"/>
               </a:spcBef>
@@ -3687,7 +3768,7 @@
               <a:buChar char="■"/>
               <a:defRPr sz="1200"/>
             </a:lvl6pPr>
-            <a:lvl7pPr indent="-304800" lvl="6" marL="3200400">
+            <a:lvl7pPr marL="3200400" lvl="6" indent="-304800">
               <a:spcBef>
                 <a:spcPts val="1600"/>
               </a:spcBef>
@@ -3698,7 +3779,7 @@
               <a:buChar char="●"/>
               <a:defRPr sz="1200"/>
             </a:lvl7pPr>
-            <a:lvl8pPr indent="-304800" lvl="7" marL="3657600">
+            <a:lvl8pPr marL="3657600" lvl="7" indent="-304800">
               <a:spcBef>
                 <a:spcPts val="1600"/>
               </a:spcBef>
@@ -3709,7 +3790,7 @@
               <a:buChar char="○"/>
               <a:defRPr sz="1200"/>
             </a:lvl8pPr>
-            <a:lvl9pPr indent="-304800" lvl="8" marL="4114800">
+            <a:lvl9pPr marL="4114800" lvl="8" indent="-304800">
               <a:spcBef>
                 <a:spcPts val="1600"/>
               </a:spcBef>
@@ -3721,15 +3802,19 @@
               <a:defRPr sz="1200"/>
             </a:lvl9pPr>
           </a:lstStyle>
-          <a:p/>
+          <a:p>
+            <a:endParaRPr/>
+          </a:p>
         </p:txBody>
       </p:sp>
       <p:sp>
         <p:nvSpPr>
           <p:cNvPr id="24" name="Google Shape;24;p5"/>
-          <p:cNvSpPr txBox="1"/>
+          <p:cNvSpPr txBox="1">
+            <a:spLocks noGrp="1"/>
+          </p:cNvSpPr>
           <p:nvPr>
-            <p:ph idx="12" type="sldNum"/>
+            <p:ph type="sldNum" idx="12"/>
           </p:nvPr>
         </p:nvSpPr>
         <p:spPr>
@@ -3742,7 +3827,7 @@
           </a:prstGeom>
         </p:spPr>
         <p:txBody>
-          <a:bodyPr anchorCtr="0" anchor="ctr" bIns="91425" lIns="91425" spcFirstLastPara="1" rIns="91425" wrap="square" tIns="91425">
+          <a:bodyPr spcFirstLastPara="1" wrap="square" lIns="91425" tIns="91425" rIns="91425" bIns="91425" anchor="ctr" anchorCtr="0">
             <a:noAutofit/>
           </a:bodyPr>
           <a:lstStyle>
@@ -3784,7 +3869,7 @@
             </a:lvl9pPr>
           </a:lstStyle>
           <a:p>
-            <a:pPr indent="0" lvl="0" marL="0" rtl="0" algn="r">
+            <a:pPr marL="0" lvl="0" indent="0" algn="r" rtl="0">
               <a:spcBef>
                 <a:spcPts val="0"/>
               </a:spcBef>
@@ -3795,7 +3880,16 @@
             </a:pPr>
             <a:fld id="{00000000-1234-1234-1234-123412341234}" type="slidenum">
               <a:rPr lang="es"/>
-              <a:t>‹#›</a:t>
+              <a:pPr marL="0" lvl="0" indent="0" algn="r" rtl="0">
+                <a:spcBef>
+                  <a:spcPts val="0"/>
+                </a:spcBef>
+                <a:spcAft>
+                  <a:spcPts val="0"/>
+                </a:spcAft>
+                <a:buNone/>
+              </a:pPr>
+              <a:t>‹Nº›</a:t>
             </a:fld>
             <a:endParaRPr/>
           </a:p>
@@ -3810,11 +3904,11 @@
 </file>
 
 <file path=ppt/slideLayouts/slideLayout5.xml><?xml version="1.0" encoding="utf-8"?>
-<p:sldLayout xmlns:a="http://schemas.openxmlformats.org/drawingml/2006/main" xmlns:r="http://schemas.openxmlformats.org/officeDocument/2006/relationships" xmlns:mc="http://schemas.openxmlformats.org/markup-compatibility/2006" xmlns:mv="urn:schemas-microsoft-com:mac:vml" xmlns:p="http://schemas.openxmlformats.org/presentationml/2006/main" xmlns:c="http://schemas.openxmlformats.org/drawingml/2006/chart" xmlns:dgm="http://schemas.openxmlformats.org/drawingml/2006/diagram" xmlns:o="urn:schemas-microsoft-com:office:office" xmlns:v="urn:schemas-microsoft-com:vml" xmlns:pvml="urn:schemas-microsoft-com:office:powerpoint" xmlns:com="http://schemas.openxmlformats.org/drawingml/2006/compatibility" xmlns:p14="http://schemas.microsoft.com/office/powerpoint/2010/main" xmlns:p15="http://schemas.microsoft.com/office/powerpoint/2012/main" matchingName="Title only" type="titleOnly">
+<p:sldLayout xmlns:a="http://schemas.openxmlformats.org/drawingml/2006/main" xmlns:r="http://schemas.openxmlformats.org/officeDocument/2006/relationships" xmlns:p="http://schemas.openxmlformats.org/presentationml/2006/main" matchingName="Title only" type="titleOnly">
   <p:cSld name="TITLE_ONLY">
     <p:spTree>
       <p:nvGrpSpPr>
-        <p:cNvPr id="25" name="Shape 25"/>
+        <p:cNvPr id="1" name="Shape 25"/>
         <p:cNvGrpSpPr/>
         <p:nvPr/>
       </p:nvGrpSpPr>
@@ -3829,7 +3923,9 @@
       <p:sp>
         <p:nvSpPr>
           <p:cNvPr id="26" name="Google Shape;26;p6"/>
-          <p:cNvSpPr txBox="1"/>
+          <p:cNvSpPr txBox="1">
+            <a:spLocks noGrp="1"/>
+          </p:cNvSpPr>
           <p:nvPr>
             <p:ph type="title"/>
           </p:nvPr>
@@ -3844,7 +3940,7 @@
           </a:prstGeom>
         </p:spPr>
         <p:txBody>
-          <a:bodyPr anchorCtr="0" anchor="t" bIns="91425" lIns="91425" spcFirstLastPara="1" rIns="91425" wrap="square" tIns="91425">
+          <a:bodyPr spcFirstLastPara="1" wrap="square" lIns="91425" tIns="91425" rIns="91425" bIns="91425" anchor="t" anchorCtr="0">
             <a:noAutofit/>
           </a:bodyPr>
           <a:lstStyle>
@@ -3948,15 +4044,19 @@
               <a:defRPr/>
             </a:lvl9pPr>
           </a:lstStyle>
-          <a:p/>
+          <a:p>
+            <a:endParaRPr/>
+          </a:p>
         </p:txBody>
       </p:sp>
       <p:sp>
         <p:nvSpPr>
           <p:cNvPr id="27" name="Google Shape;27;p6"/>
-          <p:cNvSpPr txBox="1"/>
+          <p:cNvSpPr txBox="1">
+            <a:spLocks noGrp="1"/>
+          </p:cNvSpPr>
           <p:nvPr>
-            <p:ph idx="12" type="sldNum"/>
+            <p:ph type="sldNum" idx="12"/>
           </p:nvPr>
         </p:nvSpPr>
         <p:spPr>
@@ -3969,7 +4069,7 @@
           </a:prstGeom>
         </p:spPr>
         <p:txBody>
-          <a:bodyPr anchorCtr="0" anchor="ctr" bIns="91425" lIns="91425" spcFirstLastPara="1" rIns="91425" wrap="square" tIns="91425">
+          <a:bodyPr spcFirstLastPara="1" wrap="square" lIns="91425" tIns="91425" rIns="91425" bIns="91425" anchor="ctr" anchorCtr="0">
             <a:noAutofit/>
           </a:bodyPr>
           <a:lstStyle>
@@ -4011,7 +4111,7 @@
             </a:lvl9pPr>
           </a:lstStyle>
           <a:p>
-            <a:pPr indent="0" lvl="0" marL="0" rtl="0" algn="r">
+            <a:pPr marL="0" lvl="0" indent="0" algn="r" rtl="0">
               <a:spcBef>
                 <a:spcPts val="0"/>
               </a:spcBef>
@@ -4022,7 +4122,16 @@
             </a:pPr>
             <a:fld id="{00000000-1234-1234-1234-123412341234}" type="slidenum">
               <a:rPr lang="es"/>
-              <a:t>‹#›</a:t>
+              <a:pPr marL="0" lvl="0" indent="0" algn="r" rtl="0">
+                <a:spcBef>
+                  <a:spcPts val="0"/>
+                </a:spcBef>
+                <a:spcAft>
+                  <a:spcPts val="0"/>
+                </a:spcAft>
+                <a:buNone/>
+              </a:pPr>
+              <a:t>‹Nº›</a:t>
             </a:fld>
             <a:endParaRPr/>
           </a:p>
@@ -4037,11 +4146,11 @@
 </file>
 
 <file path=ppt/slideLayouts/slideLayout6.xml><?xml version="1.0" encoding="utf-8"?>
-<p:sldLayout xmlns:a="http://schemas.openxmlformats.org/drawingml/2006/main" xmlns:r="http://schemas.openxmlformats.org/officeDocument/2006/relationships" xmlns:mc="http://schemas.openxmlformats.org/markup-compatibility/2006" xmlns:mv="urn:schemas-microsoft-com:mac:vml" xmlns:p="http://schemas.openxmlformats.org/presentationml/2006/main" xmlns:c="http://schemas.openxmlformats.org/drawingml/2006/chart" xmlns:dgm="http://schemas.openxmlformats.org/drawingml/2006/diagram" xmlns:o="urn:schemas-microsoft-com:office:office" xmlns:v="urn:schemas-microsoft-com:vml" xmlns:pvml="urn:schemas-microsoft-com:office:powerpoint" xmlns:com="http://schemas.openxmlformats.org/drawingml/2006/compatibility" xmlns:p14="http://schemas.microsoft.com/office/powerpoint/2010/main" xmlns:p15="http://schemas.microsoft.com/office/powerpoint/2012/main" matchingName="One column text">
+<p:sldLayout xmlns:a="http://schemas.openxmlformats.org/drawingml/2006/main" xmlns:r="http://schemas.openxmlformats.org/officeDocument/2006/relationships" xmlns:p="http://schemas.openxmlformats.org/presentationml/2006/main" matchingName="One column text">
   <p:cSld name="ONE_COLUMN_TEXT">
     <p:spTree>
       <p:nvGrpSpPr>
-        <p:cNvPr id="28" name="Shape 28"/>
+        <p:cNvPr id="1" name="Shape 28"/>
         <p:cNvGrpSpPr/>
         <p:nvPr/>
       </p:nvGrpSpPr>
@@ -4056,7 +4165,9 @@
       <p:sp>
         <p:nvSpPr>
           <p:cNvPr id="29" name="Google Shape;29;p7"/>
-          <p:cNvSpPr txBox="1"/>
+          <p:cNvSpPr txBox="1">
+            <a:spLocks noGrp="1"/>
+          </p:cNvSpPr>
           <p:nvPr>
             <p:ph type="title"/>
           </p:nvPr>
@@ -4071,7 +4182,7 @@
           </a:prstGeom>
         </p:spPr>
         <p:txBody>
-          <a:bodyPr anchorCtr="0" anchor="b" bIns="91425" lIns="91425" spcFirstLastPara="1" rIns="91425" wrap="square" tIns="91425">
+          <a:bodyPr spcFirstLastPara="1" wrap="square" lIns="91425" tIns="91425" rIns="91425" bIns="91425" anchor="b" anchorCtr="0">
             <a:noAutofit/>
           </a:bodyPr>
           <a:lstStyle>
@@ -4175,15 +4286,19 @@
               <a:defRPr sz="2400"/>
             </a:lvl9pPr>
           </a:lstStyle>
-          <a:p/>
+          <a:p>
+            <a:endParaRPr/>
+          </a:p>
         </p:txBody>
       </p:sp>
       <p:sp>
         <p:nvSpPr>
           <p:cNvPr id="30" name="Google Shape;30;p7"/>
-          <p:cNvSpPr txBox="1"/>
+          <p:cNvSpPr txBox="1">
+            <a:spLocks noGrp="1"/>
+          </p:cNvSpPr>
           <p:nvPr>
-            <p:ph idx="1" type="body"/>
+            <p:ph type="body" idx="1"/>
           </p:nvPr>
         </p:nvSpPr>
         <p:spPr>
@@ -4196,11 +4311,11 @@
           </a:prstGeom>
         </p:spPr>
         <p:txBody>
-          <a:bodyPr anchorCtr="0" anchor="t" bIns="91425" lIns="91425" spcFirstLastPara="1" rIns="91425" wrap="square" tIns="91425">
+          <a:bodyPr spcFirstLastPara="1" wrap="square" lIns="91425" tIns="91425" rIns="91425" bIns="91425" anchor="t" anchorCtr="0">
             <a:noAutofit/>
           </a:bodyPr>
           <a:lstStyle>
-            <a:lvl1pPr indent="-304800" lvl="0" marL="457200">
+            <a:lvl1pPr marL="457200" lvl="0" indent="-304800">
               <a:spcBef>
                 <a:spcPts val="0"/>
               </a:spcBef>
@@ -4211,7 +4326,7 @@
               <a:buChar char="●"/>
               <a:defRPr sz="1200"/>
             </a:lvl1pPr>
-            <a:lvl2pPr indent="-304800" lvl="1" marL="914400">
+            <a:lvl2pPr marL="914400" lvl="1" indent="-304800">
               <a:spcBef>
                 <a:spcPts val="1600"/>
               </a:spcBef>
@@ -4222,7 +4337,7 @@
               <a:buChar char="○"/>
               <a:defRPr sz="1200"/>
             </a:lvl2pPr>
-            <a:lvl3pPr indent="-304800" lvl="2" marL="1371600">
+            <a:lvl3pPr marL="1371600" lvl="2" indent="-304800">
               <a:spcBef>
                 <a:spcPts val="1600"/>
               </a:spcBef>
@@ -4233,7 +4348,7 @@
               <a:buChar char="■"/>
               <a:defRPr sz="1200"/>
             </a:lvl3pPr>
-            <a:lvl4pPr indent="-304800" lvl="3" marL="1828800">
+            <a:lvl4pPr marL="1828800" lvl="3" indent="-304800">
               <a:spcBef>
                 <a:spcPts val="1600"/>
               </a:spcBef>
@@ -4244,7 +4359,7 @@
               <a:buChar char="●"/>
               <a:defRPr sz="1200"/>
             </a:lvl4pPr>
-            <a:lvl5pPr indent="-304800" lvl="4" marL="2286000">
+            <a:lvl5pPr marL="2286000" lvl="4" indent="-304800">
               <a:spcBef>
                 <a:spcPts val="1600"/>
               </a:spcBef>
@@ -4255,7 +4370,7 @@
               <a:buChar char="○"/>
               <a:defRPr sz="1200"/>
             </a:lvl5pPr>
-            <a:lvl6pPr indent="-304800" lvl="5" marL="2743200">
+            <a:lvl6pPr marL="2743200" lvl="5" indent="-304800">
               <a:spcBef>
                 <a:spcPts val="1600"/>
               </a:spcBef>
@@ -4266,7 +4381,7 @@
               <a:buChar char="■"/>
               <a:defRPr sz="1200"/>
             </a:lvl6pPr>
-            <a:lvl7pPr indent="-304800" lvl="6" marL="3200400">
+            <a:lvl7pPr marL="3200400" lvl="6" indent="-304800">
               <a:spcBef>
                 <a:spcPts val="1600"/>
               </a:spcBef>
@@ -4277,7 +4392,7 @@
               <a:buChar char="●"/>
               <a:defRPr sz="1200"/>
             </a:lvl7pPr>
-            <a:lvl8pPr indent="-304800" lvl="7" marL="3657600">
+            <a:lvl8pPr marL="3657600" lvl="7" indent="-304800">
               <a:spcBef>
                 <a:spcPts val="1600"/>
               </a:spcBef>
@@ -4288,7 +4403,7 @@
               <a:buChar char="○"/>
               <a:defRPr sz="1200"/>
             </a:lvl8pPr>
-            <a:lvl9pPr indent="-304800" lvl="8" marL="4114800">
+            <a:lvl9pPr marL="4114800" lvl="8" indent="-304800">
               <a:spcBef>
                 <a:spcPts val="1600"/>
               </a:spcBef>
@@ -4300,15 +4415,19 @@
               <a:defRPr sz="1200"/>
             </a:lvl9pPr>
           </a:lstStyle>
-          <a:p/>
+          <a:p>
+            <a:endParaRPr/>
+          </a:p>
         </p:txBody>
       </p:sp>
       <p:sp>
         <p:nvSpPr>
           <p:cNvPr id="31" name="Google Shape;31;p7"/>
-          <p:cNvSpPr txBox="1"/>
+          <p:cNvSpPr txBox="1">
+            <a:spLocks noGrp="1"/>
+          </p:cNvSpPr>
           <p:nvPr>
-            <p:ph idx="12" type="sldNum"/>
+            <p:ph type="sldNum" idx="12"/>
           </p:nvPr>
         </p:nvSpPr>
         <p:spPr>
@@ -4321,7 +4440,7 @@
           </a:prstGeom>
         </p:spPr>
         <p:txBody>
-          <a:bodyPr anchorCtr="0" anchor="ctr" bIns="91425" lIns="91425" spcFirstLastPara="1" rIns="91425" wrap="square" tIns="91425">
+          <a:bodyPr spcFirstLastPara="1" wrap="square" lIns="91425" tIns="91425" rIns="91425" bIns="91425" anchor="ctr" anchorCtr="0">
             <a:noAutofit/>
           </a:bodyPr>
           <a:lstStyle>
@@ -4363,7 +4482,7 @@
             </a:lvl9pPr>
           </a:lstStyle>
           <a:p>
-            <a:pPr indent="0" lvl="0" marL="0" rtl="0" algn="r">
+            <a:pPr marL="0" lvl="0" indent="0" algn="r" rtl="0">
               <a:spcBef>
                 <a:spcPts val="0"/>
               </a:spcBef>
@@ -4374,7 +4493,16 @@
             </a:pPr>
             <a:fld id="{00000000-1234-1234-1234-123412341234}" type="slidenum">
               <a:rPr lang="es"/>
-              <a:t>‹#›</a:t>
+              <a:pPr marL="0" lvl="0" indent="0" algn="r" rtl="0">
+                <a:spcBef>
+                  <a:spcPts val="0"/>
+                </a:spcBef>
+                <a:spcAft>
+                  <a:spcPts val="0"/>
+                </a:spcAft>
+                <a:buNone/>
+              </a:pPr>
+              <a:t>‹Nº›</a:t>
             </a:fld>
             <a:endParaRPr/>
           </a:p>
@@ -4389,11 +4517,11 @@
 </file>
 
 <file path=ppt/slideLayouts/slideLayout7.xml><?xml version="1.0" encoding="utf-8"?>
-<p:sldLayout xmlns:a="http://schemas.openxmlformats.org/drawingml/2006/main" xmlns:r="http://schemas.openxmlformats.org/officeDocument/2006/relationships" xmlns:mc="http://schemas.openxmlformats.org/markup-compatibility/2006" xmlns:mv="urn:schemas-microsoft-com:mac:vml" xmlns:p="http://schemas.openxmlformats.org/presentationml/2006/main" xmlns:c="http://schemas.openxmlformats.org/drawingml/2006/chart" xmlns:dgm="http://schemas.openxmlformats.org/drawingml/2006/diagram" xmlns:o="urn:schemas-microsoft-com:office:office" xmlns:v="urn:schemas-microsoft-com:vml" xmlns:pvml="urn:schemas-microsoft-com:office:powerpoint" xmlns:com="http://schemas.openxmlformats.org/drawingml/2006/compatibility" xmlns:p14="http://schemas.microsoft.com/office/powerpoint/2010/main" xmlns:p15="http://schemas.microsoft.com/office/powerpoint/2012/main" matchingName="Main point">
+<p:sldLayout xmlns:a="http://schemas.openxmlformats.org/drawingml/2006/main" xmlns:r="http://schemas.openxmlformats.org/officeDocument/2006/relationships" xmlns:p="http://schemas.openxmlformats.org/presentationml/2006/main" matchingName="Main point">
   <p:cSld name="MAIN_POINT">
     <p:spTree>
       <p:nvGrpSpPr>
-        <p:cNvPr id="32" name="Shape 32"/>
+        <p:cNvPr id="1" name="Shape 32"/>
         <p:cNvGrpSpPr/>
         <p:nvPr/>
       </p:nvGrpSpPr>
@@ -4408,7 +4536,9 @@
       <p:sp>
         <p:nvSpPr>
           <p:cNvPr id="33" name="Google Shape;33;p8"/>
-          <p:cNvSpPr txBox="1"/>
+          <p:cNvSpPr txBox="1">
+            <a:spLocks noGrp="1"/>
+          </p:cNvSpPr>
           <p:nvPr>
             <p:ph type="title"/>
           </p:nvPr>
@@ -4423,7 +4553,7 @@
           </a:prstGeom>
         </p:spPr>
         <p:txBody>
-          <a:bodyPr anchorCtr="0" anchor="ctr" bIns="91425" lIns="91425" spcFirstLastPara="1" rIns="91425" wrap="square" tIns="91425">
+          <a:bodyPr spcFirstLastPara="1" wrap="square" lIns="91425" tIns="91425" rIns="91425" bIns="91425" anchor="ctr" anchorCtr="0">
             <a:noAutofit/>
           </a:bodyPr>
           <a:lstStyle>
@@ -4527,15 +4657,19 @@
               <a:defRPr sz="4800"/>
             </a:lvl9pPr>
           </a:lstStyle>
-          <a:p/>
+          <a:p>
+            <a:endParaRPr/>
+          </a:p>
         </p:txBody>
       </p:sp>
       <p:sp>
         <p:nvSpPr>
           <p:cNvPr id="34" name="Google Shape;34;p8"/>
-          <p:cNvSpPr txBox="1"/>
+          <p:cNvSpPr txBox="1">
+            <a:spLocks noGrp="1"/>
+          </p:cNvSpPr>
           <p:nvPr>
-            <p:ph idx="12" type="sldNum"/>
+            <p:ph type="sldNum" idx="12"/>
           </p:nvPr>
         </p:nvSpPr>
         <p:spPr>
@@ -4548,7 +4682,7 @@
           </a:prstGeom>
         </p:spPr>
         <p:txBody>
-          <a:bodyPr anchorCtr="0" anchor="ctr" bIns="91425" lIns="91425" spcFirstLastPara="1" rIns="91425" wrap="square" tIns="91425">
+          <a:bodyPr spcFirstLastPara="1" wrap="square" lIns="91425" tIns="91425" rIns="91425" bIns="91425" anchor="ctr" anchorCtr="0">
             <a:noAutofit/>
           </a:bodyPr>
           <a:lstStyle>
@@ -4590,7 +4724,7 @@
             </a:lvl9pPr>
           </a:lstStyle>
           <a:p>
-            <a:pPr indent="0" lvl="0" marL="0" rtl="0" algn="r">
+            <a:pPr marL="0" lvl="0" indent="0" algn="r" rtl="0">
               <a:spcBef>
                 <a:spcPts val="0"/>
               </a:spcBef>
@@ -4601,7 +4735,16 @@
             </a:pPr>
             <a:fld id="{00000000-1234-1234-1234-123412341234}" type="slidenum">
               <a:rPr lang="es"/>
-              <a:t>‹#›</a:t>
+              <a:pPr marL="0" lvl="0" indent="0" algn="r" rtl="0">
+                <a:spcBef>
+                  <a:spcPts val="0"/>
+                </a:spcBef>
+                <a:spcAft>
+                  <a:spcPts val="0"/>
+                </a:spcAft>
+                <a:buNone/>
+              </a:pPr>
+              <a:t>‹Nº›</a:t>
             </a:fld>
             <a:endParaRPr/>
           </a:p>
@@ -4616,11 +4759,11 @@
 </file>
 
 <file path=ppt/slideLayouts/slideLayout8.xml><?xml version="1.0" encoding="utf-8"?>
-<p:sldLayout xmlns:a="http://schemas.openxmlformats.org/drawingml/2006/main" xmlns:r="http://schemas.openxmlformats.org/officeDocument/2006/relationships" xmlns:mc="http://schemas.openxmlformats.org/markup-compatibility/2006" xmlns:mv="urn:schemas-microsoft-com:mac:vml" xmlns:p="http://schemas.openxmlformats.org/presentationml/2006/main" xmlns:c="http://schemas.openxmlformats.org/drawingml/2006/chart" xmlns:dgm="http://schemas.openxmlformats.org/drawingml/2006/diagram" xmlns:o="urn:schemas-microsoft-com:office:office" xmlns:v="urn:schemas-microsoft-com:vml" xmlns:pvml="urn:schemas-microsoft-com:office:powerpoint" xmlns:com="http://schemas.openxmlformats.org/drawingml/2006/compatibility" xmlns:p14="http://schemas.microsoft.com/office/powerpoint/2010/main" xmlns:p15="http://schemas.microsoft.com/office/powerpoint/2012/main" matchingName="Section title and description">
+<p:sldLayout xmlns:a="http://schemas.openxmlformats.org/drawingml/2006/main" xmlns:r="http://schemas.openxmlformats.org/officeDocument/2006/relationships" xmlns:p="http://schemas.openxmlformats.org/presentationml/2006/main" matchingName="Section title and description">
   <p:cSld name="SECTION_TITLE_AND_DESCRIPTION">
     <p:spTree>
       <p:nvGrpSpPr>
-        <p:cNvPr id="35" name="Shape 35"/>
+        <p:cNvPr id="1" name="Shape 35"/>
         <p:cNvGrpSpPr/>
         <p:nvPr/>
       </p:nvGrpSpPr>
@@ -4654,12 +4797,12 @@
           </a:ln>
         </p:spPr>
         <p:txBody>
-          <a:bodyPr anchorCtr="0" anchor="ctr" bIns="91425" lIns="91425" spcFirstLastPara="1" rIns="91425" wrap="square" tIns="91425">
+          <a:bodyPr spcFirstLastPara="1" wrap="square" lIns="91425" tIns="91425" rIns="91425" bIns="91425" anchor="ctr" anchorCtr="0">
             <a:noAutofit/>
           </a:bodyPr>
           <a:lstStyle/>
           <a:p>
-            <a:pPr indent="0" lvl="0" marL="0" rtl="0" algn="l">
+            <a:pPr marL="0" lvl="0" indent="0" algn="l" rtl="0">
               <a:spcBef>
                 <a:spcPts val="0"/>
               </a:spcBef>
@@ -4668,9 +4811,6 @@
               </a:spcAft>
               <a:buNone/>
             </a:pPr>
-            <a:r>
-              <a:t/>
-            </a:r>
             <a:endParaRPr/>
           </a:p>
         </p:txBody>
@@ -4678,7 +4818,9 @@
       <p:sp>
         <p:nvSpPr>
           <p:cNvPr id="37" name="Google Shape;37;p9"/>
-          <p:cNvSpPr txBox="1"/>
+          <p:cNvSpPr txBox="1">
+            <a:spLocks noGrp="1"/>
+          </p:cNvSpPr>
           <p:nvPr>
             <p:ph type="title"/>
           </p:nvPr>
@@ -4693,7 +4835,7 @@
           </a:prstGeom>
         </p:spPr>
         <p:txBody>
-          <a:bodyPr anchorCtr="0" anchor="b" bIns="91425" lIns="91425" spcFirstLastPara="1" rIns="91425" wrap="square" tIns="91425">
+          <a:bodyPr spcFirstLastPara="1" wrap="square" lIns="91425" tIns="91425" rIns="91425" bIns="91425" anchor="b" anchorCtr="0">
             <a:noAutofit/>
           </a:bodyPr>
           <a:lstStyle>
@@ -4797,15 +4939,19 @@
               <a:defRPr sz="4200"/>
             </a:lvl9pPr>
           </a:lstStyle>
-          <a:p/>
+          <a:p>
+            <a:endParaRPr/>
+          </a:p>
         </p:txBody>
       </p:sp>
       <p:sp>
         <p:nvSpPr>
           <p:cNvPr id="38" name="Google Shape;38;p9"/>
-          <p:cNvSpPr txBox="1"/>
+          <p:cNvSpPr txBox="1">
+            <a:spLocks noGrp="1"/>
+          </p:cNvSpPr>
           <p:nvPr>
-            <p:ph idx="1" type="subTitle"/>
+            <p:ph type="subTitle" idx="1"/>
           </p:nvPr>
         </p:nvSpPr>
         <p:spPr>
@@ -4818,7 +4964,7 @@
           </a:prstGeom>
         </p:spPr>
         <p:txBody>
-          <a:bodyPr anchorCtr="0" anchor="t" bIns="91425" lIns="91425" spcFirstLastPara="1" rIns="91425" wrap="square" tIns="91425">
+          <a:bodyPr spcFirstLastPara="1" wrap="square" lIns="91425" tIns="91425" rIns="91425" bIns="91425" anchor="t" anchorCtr="0">
             <a:noAutofit/>
           </a:bodyPr>
           <a:lstStyle>
@@ -4949,15 +5095,19 @@
               <a:defRPr sz="2100"/>
             </a:lvl9pPr>
           </a:lstStyle>
-          <a:p/>
+          <a:p>
+            <a:endParaRPr/>
+          </a:p>
         </p:txBody>
       </p:sp>
       <p:sp>
         <p:nvSpPr>
           <p:cNvPr id="39" name="Google Shape;39;p9"/>
-          <p:cNvSpPr txBox="1"/>
+          <p:cNvSpPr txBox="1">
+            <a:spLocks noGrp="1"/>
+          </p:cNvSpPr>
           <p:nvPr>
-            <p:ph idx="2" type="body"/>
+            <p:ph type="body" idx="2"/>
           </p:nvPr>
         </p:nvSpPr>
         <p:spPr>
@@ -4970,11 +5120,11 @@
           </a:prstGeom>
         </p:spPr>
         <p:txBody>
-          <a:bodyPr anchorCtr="0" anchor="ctr" bIns="91425" lIns="91425" spcFirstLastPara="1" rIns="91425" wrap="square" tIns="91425">
+          <a:bodyPr spcFirstLastPara="1" wrap="square" lIns="91425" tIns="91425" rIns="91425" bIns="91425" anchor="ctr" anchorCtr="0">
             <a:noAutofit/>
           </a:bodyPr>
           <a:lstStyle>
-            <a:lvl1pPr indent="-342900" lvl="0" marL="457200">
+            <a:lvl1pPr marL="457200" lvl="0" indent="-342900">
               <a:spcBef>
                 <a:spcPts val="0"/>
               </a:spcBef>
@@ -4992,7 +5142,7 @@
                 </a:solidFill>
               </a:defRPr>
             </a:lvl1pPr>
-            <a:lvl2pPr indent="-317500" lvl="1" marL="914400">
+            <a:lvl2pPr marL="914400" lvl="1" indent="-317500">
               <a:spcBef>
                 <a:spcPts val="1600"/>
               </a:spcBef>
@@ -5010,7 +5160,7 @@
                 </a:solidFill>
               </a:defRPr>
             </a:lvl2pPr>
-            <a:lvl3pPr indent="-317500" lvl="2" marL="1371600">
+            <a:lvl3pPr marL="1371600" lvl="2" indent="-317500">
               <a:spcBef>
                 <a:spcPts val="1600"/>
               </a:spcBef>
@@ -5028,7 +5178,7 @@
                 </a:solidFill>
               </a:defRPr>
             </a:lvl3pPr>
-            <a:lvl4pPr indent="-317500" lvl="3" marL="1828800">
+            <a:lvl4pPr marL="1828800" lvl="3" indent="-317500">
               <a:spcBef>
                 <a:spcPts val="1600"/>
               </a:spcBef>
@@ -5046,7 +5196,7 @@
                 </a:solidFill>
               </a:defRPr>
             </a:lvl4pPr>
-            <a:lvl5pPr indent="-317500" lvl="4" marL="2286000">
+            <a:lvl5pPr marL="2286000" lvl="4" indent="-317500">
               <a:spcBef>
                 <a:spcPts val="1600"/>
               </a:spcBef>
@@ -5064,7 +5214,7 @@
                 </a:solidFill>
               </a:defRPr>
             </a:lvl5pPr>
-            <a:lvl6pPr indent="-317500" lvl="5" marL="2743200">
+            <a:lvl6pPr marL="2743200" lvl="5" indent="-317500">
               <a:spcBef>
                 <a:spcPts val="1600"/>
               </a:spcBef>
@@ -5082,7 +5232,7 @@
                 </a:solidFill>
               </a:defRPr>
             </a:lvl6pPr>
-            <a:lvl7pPr indent="-317500" lvl="6" marL="3200400">
+            <a:lvl7pPr marL="3200400" lvl="6" indent="-317500">
               <a:spcBef>
                 <a:spcPts val="1600"/>
               </a:spcBef>
@@ -5100,7 +5250,7 @@
                 </a:solidFill>
               </a:defRPr>
             </a:lvl7pPr>
-            <a:lvl8pPr indent="-317500" lvl="7" marL="3657600">
+            <a:lvl8pPr marL="3657600" lvl="7" indent="-317500">
               <a:spcBef>
                 <a:spcPts val="1600"/>
               </a:spcBef>
@@ -5118,7 +5268,7 @@
                 </a:solidFill>
               </a:defRPr>
             </a:lvl8pPr>
-            <a:lvl9pPr indent="-317500" lvl="8" marL="4114800">
+            <a:lvl9pPr marL="4114800" lvl="8" indent="-317500">
               <a:spcBef>
                 <a:spcPts val="1600"/>
               </a:spcBef>
@@ -5137,15 +5287,19 @@
               </a:defRPr>
             </a:lvl9pPr>
           </a:lstStyle>
-          <a:p/>
+          <a:p>
+            <a:endParaRPr/>
+          </a:p>
         </p:txBody>
       </p:sp>
       <p:sp>
         <p:nvSpPr>
           <p:cNvPr id="40" name="Google Shape;40;p9"/>
-          <p:cNvSpPr txBox="1"/>
+          <p:cNvSpPr txBox="1">
+            <a:spLocks noGrp="1"/>
+          </p:cNvSpPr>
           <p:nvPr>
-            <p:ph idx="12" type="sldNum"/>
+            <p:ph type="sldNum" idx="12"/>
           </p:nvPr>
         </p:nvSpPr>
         <p:spPr>
@@ -5158,7 +5312,7 @@
           </a:prstGeom>
         </p:spPr>
         <p:txBody>
-          <a:bodyPr anchorCtr="0" anchor="ctr" bIns="91425" lIns="91425" spcFirstLastPara="1" rIns="91425" wrap="square" tIns="91425">
+          <a:bodyPr spcFirstLastPara="1" wrap="square" lIns="91425" tIns="91425" rIns="91425" bIns="91425" anchor="ctr" anchorCtr="0">
             <a:noAutofit/>
           </a:bodyPr>
           <a:lstStyle>
@@ -5200,7 +5354,7 @@
             </a:lvl9pPr>
           </a:lstStyle>
           <a:p>
-            <a:pPr indent="0" lvl="0" marL="0" rtl="0" algn="r">
+            <a:pPr marL="0" lvl="0" indent="0" algn="r" rtl="0">
               <a:spcBef>
                 <a:spcPts val="0"/>
               </a:spcBef>
@@ -5211,7 +5365,16 @@
             </a:pPr>
             <a:fld id="{00000000-1234-1234-1234-123412341234}" type="slidenum">
               <a:rPr lang="es"/>
-              <a:t>‹#›</a:t>
+              <a:pPr marL="0" lvl="0" indent="0" algn="r" rtl="0">
+                <a:spcBef>
+                  <a:spcPts val="0"/>
+                </a:spcBef>
+                <a:spcAft>
+                  <a:spcPts val="0"/>
+                </a:spcAft>
+                <a:buNone/>
+              </a:pPr>
+              <a:t>‹Nº›</a:t>
             </a:fld>
             <a:endParaRPr/>
           </a:p>
@@ -5226,11 +5389,11 @@
 </file>
 
 <file path=ppt/slideLayouts/slideLayout9.xml><?xml version="1.0" encoding="utf-8"?>
-<p:sldLayout xmlns:a="http://schemas.openxmlformats.org/drawingml/2006/main" xmlns:r="http://schemas.openxmlformats.org/officeDocument/2006/relationships" xmlns:mc="http://schemas.openxmlformats.org/markup-compatibility/2006" xmlns:mv="urn:schemas-microsoft-com:mac:vml" xmlns:p="http://schemas.openxmlformats.org/presentationml/2006/main" xmlns:c="http://schemas.openxmlformats.org/drawingml/2006/chart" xmlns:dgm="http://schemas.openxmlformats.org/drawingml/2006/diagram" xmlns:o="urn:schemas-microsoft-com:office:office" xmlns:v="urn:schemas-microsoft-com:vml" xmlns:pvml="urn:schemas-microsoft-com:office:powerpoint" xmlns:com="http://schemas.openxmlformats.org/drawingml/2006/compatibility" xmlns:p14="http://schemas.microsoft.com/office/powerpoint/2010/main" xmlns:p15="http://schemas.microsoft.com/office/powerpoint/2012/main" matchingName="Caption">
+<p:sldLayout xmlns:a="http://schemas.openxmlformats.org/drawingml/2006/main" xmlns:r="http://schemas.openxmlformats.org/officeDocument/2006/relationships" xmlns:p="http://schemas.openxmlformats.org/presentationml/2006/main" matchingName="Caption">
   <p:cSld name="CAPTION_ONLY">
     <p:spTree>
       <p:nvGrpSpPr>
-        <p:cNvPr id="41" name="Shape 41"/>
+        <p:cNvPr id="1" name="Shape 41"/>
         <p:cNvGrpSpPr/>
         <p:nvPr/>
       </p:nvGrpSpPr>
@@ -5245,9 +5408,11 @@
       <p:sp>
         <p:nvSpPr>
           <p:cNvPr id="42" name="Google Shape;42;p10"/>
-          <p:cNvSpPr txBox="1"/>
+          <p:cNvSpPr txBox="1">
+            <a:spLocks noGrp="1"/>
+          </p:cNvSpPr>
           <p:nvPr>
-            <p:ph idx="1" type="body"/>
+            <p:ph type="body" idx="1"/>
           </p:nvPr>
         </p:nvSpPr>
         <p:spPr>
@@ -5260,11 +5425,11 @@
           </a:prstGeom>
         </p:spPr>
         <p:txBody>
-          <a:bodyPr anchorCtr="0" anchor="ctr" bIns="91425" lIns="91425" spcFirstLastPara="1" rIns="91425" wrap="square" tIns="91425">
+          <a:bodyPr spcFirstLastPara="1" wrap="square" lIns="91425" tIns="91425" rIns="91425" bIns="91425" anchor="ctr" anchorCtr="0">
             <a:noAutofit/>
           </a:bodyPr>
           <a:lstStyle>
-            <a:lvl1pPr indent="-228600" lvl="0" marL="457200">
+            <a:lvl1pPr marL="457200" lvl="0" indent="-228600">
               <a:lnSpc>
                 <a:spcPct val="100000"/>
               </a:lnSpc>
@@ -5279,15 +5444,19 @@
               <a:defRPr/>
             </a:lvl1pPr>
           </a:lstStyle>
-          <a:p/>
+          <a:p>
+            <a:endParaRPr/>
+          </a:p>
         </p:txBody>
       </p:sp>
       <p:sp>
         <p:nvSpPr>
           <p:cNvPr id="43" name="Google Shape;43;p10"/>
-          <p:cNvSpPr txBox="1"/>
+          <p:cNvSpPr txBox="1">
+            <a:spLocks noGrp="1"/>
+          </p:cNvSpPr>
           <p:nvPr>
-            <p:ph idx="12" type="sldNum"/>
+            <p:ph type="sldNum" idx="12"/>
           </p:nvPr>
         </p:nvSpPr>
         <p:spPr>
@@ -5300,7 +5469,7 @@
           </a:prstGeom>
         </p:spPr>
         <p:txBody>
-          <a:bodyPr anchorCtr="0" anchor="ctr" bIns="91425" lIns="91425" spcFirstLastPara="1" rIns="91425" wrap="square" tIns="91425">
+          <a:bodyPr spcFirstLastPara="1" wrap="square" lIns="91425" tIns="91425" rIns="91425" bIns="91425" anchor="ctr" anchorCtr="0">
             <a:noAutofit/>
           </a:bodyPr>
           <a:lstStyle>
@@ -5342,7 +5511,7 @@
             </a:lvl9pPr>
           </a:lstStyle>
           <a:p>
-            <a:pPr indent="0" lvl="0" marL="0" rtl="0" algn="r">
+            <a:pPr marL="0" lvl="0" indent="0" algn="r" rtl="0">
               <a:spcBef>
                 <a:spcPts val="0"/>
               </a:spcBef>
@@ -5353,7 +5522,16 @@
             </a:pPr>
             <a:fld id="{00000000-1234-1234-1234-123412341234}" type="slidenum">
               <a:rPr lang="es"/>
-              <a:t>‹#›</a:t>
+              <a:pPr marL="0" lvl="0" indent="0" algn="r" rtl="0">
+                <a:spcBef>
+                  <a:spcPts val="0"/>
+                </a:spcBef>
+                <a:spcAft>
+                  <a:spcPts val="0"/>
+                </a:spcAft>
+                <a:buNone/>
+              </a:pPr>
+              <a:t>‹Nº›</a:t>
             </a:fld>
             <a:endParaRPr/>
           </a:p>
@@ -5368,18 +5546,19 @@
 </file>
 
 <file path=ppt/slideMasters/slideMaster1.xml><?xml version="1.0" encoding="utf-8"?>
-<p:sldMaster xmlns:a="http://schemas.openxmlformats.org/drawingml/2006/main" xmlns:r="http://schemas.openxmlformats.org/officeDocument/2006/relationships" xmlns:mc="http://schemas.openxmlformats.org/markup-compatibility/2006" xmlns:mv="urn:schemas-microsoft-com:mac:vml" xmlns:p="http://schemas.openxmlformats.org/presentationml/2006/main" xmlns:c="http://schemas.openxmlformats.org/drawingml/2006/chart" xmlns:dgm="http://schemas.openxmlformats.org/drawingml/2006/diagram" xmlns:o="urn:schemas-microsoft-com:office:office" xmlns:v="urn:schemas-microsoft-com:vml" xmlns:pvml="urn:schemas-microsoft-com:office:powerpoint" xmlns:com="http://schemas.openxmlformats.org/drawingml/2006/compatibility" xmlns:p14="http://schemas.microsoft.com/office/powerpoint/2010/main" xmlns:p15="http://schemas.microsoft.com/office/powerpoint/2012/main">
+<p:sldMaster xmlns:a="http://schemas.openxmlformats.org/drawingml/2006/main" xmlns:r="http://schemas.openxmlformats.org/officeDocument/2006/relationships" xmlns:p="http://schemas.openxmlformats.org/presentationml/2006/main">
   <p:cSld name="simple-dark-2">
     <p:bg>
       <p:bgPr>
         <a:solidFill>
           <a:schemeClr val="lt1"/>
         </a:solidFill>
+        <a:effectLst/>
       </p:bgPr>
     </p:bg>
     <p:spTree>
       <p:nvGrpSpPr>
-        <p:cNvPr id="5" name="Shape 5"/>
+        <p:cNvPr id="1" name="Shape 5"/>
         <p:cNvGrpSpPr/>
         <p:nvPr/>
       </p:nvGrpSpPr>
@@ -5394,7 +5573,9 @@
       <p:sp>
         <p:nvSpPr>
           <p:cNvPr id="6" name="Google Shape;6;p1"/>
-          <p:cNvSpPr txBox="1"/>
+          <p:cNvSpPr txBox="1">
+            <a:spLocks noGrp="1"/>
+          </p:cNvSpPr>
           <p:nvPr>
             <p:ph type="title"/>
           </p:nvPr>
@@ -5413,7 +5594,7 @@
           </a:ln>
         </p:spPr>
         <p:txBody>
-          <a:bodyPr anchorCtr="0" anchor="t" bIns="91425" lIns="91425" spcFirstLastPara="1" rIns="91425" wrap="square" tIns="91425">
+          <a:bodyPr spcFirstLastPara="1" wrap="square" lIns="91425" tIns="91425" rIns="91425" bIns="91425" anchor="t" anchorCtr="0">
             <a:noAutofit/>
           </a:bodyPr>
           <a:lstStyle>
@@ -5580,15 +5761,19 @@
               </a:defRPr>
             </a:lvl9pPr>
           </a:lstStyle>
-          <a:p/>
+          <a:p>
+            <a:endParaRPr/>
+          </a:p>
         </p:txBody>
       </p:sp>
       <p:sp>
         <p:nvSpPr>
           <p:cNvPr id="7" name="Google Shape;7;p1"/>
-          <p:cNvSpPr txBox="1"/>
+          <p:cNvSpPr txBox="1">
+            <a:spLocks noGrp="1"/>
+          </p:cNvSpPr>
           <p:nvPr>
-            <p:ph idx="1" type="body"/>
+            <p:ph type="body" idx="1"/>
           </p:nvPr>
         </p:nvSpPr>
         <p:spPr>
@@ -5605,11 +5790,11 @@
           </a:ln>
         </p:spPr>
         <p:txBody>
-          <a:bodyPr anchorCtr="0" anchor="t" bIns="91425" lIns="91425" spcFirstLastPara="1" rIns="91425" wrap="square" tIns="91425">
+          <a:bodyPr spcFirstLastPara="1" wrap="square" lIns="91425" tIns="91425" rIns="91425" bIns="91425" anchor="t" anchorCtr="0">
             <a:noAutofit/>
           </a:bodyPr>
           <a:lstStyle>
-            <a:lvl1pPr indent="-342900" lvl="0" marL="457200">
+            <a:lvl1pPr marL="457200" lvl="0" indent="-342900">
               <a:lnSpc>
                 <a:spcPct val="115000"/>
               </a:lnSpc>
@@ -5630,7 +5815,7 @@
                 </a:solidFill>
               </a:defRPr>
             </a:lvl1pPr>
-            <a:lvl2pPr indent="-317500" lvl="1" marL="914400">
+            <a:lvl2pPr marL="914400" lvl="1" indent="-317500">
               <a:lnSpc>
                 <a:spcPct val="115000"/>
               </a:lnSpc>
@@ -5651,7 +5836,7 @@
                 </a:solidFill>
               </a:defRPr>
             </a:lvl2pPr>
-            <a:lvl3pPr indent="-317500" lvl="2" marL="1371600">
+            <a:lvl3pPr marL="1371600" lvl="2" indent="-317500">
               <a:lnSpc>
                 <a:spcPct val="115000"/>
               </a:lnSpc>
@@ -5672,7 +5857,7 @@
                 </a:solidFill>
               </a:defRPr>
             </a:lvl3pPr>
-            <a:lvl4pPr indent="-317500" lvl="3" marL="1828800">
+            <a:lvl4pPr marL="1828800" lvl="3" indent="-317500">
               <a:lnSpc>
                 <a:spcPct val="115000"/>
               </a:lnSpc>
@@ -5693,7 +5878,7 @@
                 </a:solidFill>
               </a:defRPr>
             </a:lvl4pPr>
-            <a:lvl5pPr indent="-317500" lvl="4" marL="2286000">
+            <a:lvl5pPr marL="2286000" lvl="4" indent="-317500">
               <a:lnSpc>
                 <a:spcPct val="115000"/>
               </a:lnSpc>
@@ -5714,7 +5899,7 @@
                 </a:solidFill>
               </a:defRPr>
             </a:lvl5pPr>
-            <a:lvl6pPr indent="-317500" lvl="5" marL="2743200">
+            <a:lvl6pPr marL="2743200" lvl="5" indent="-317500">
               <a:lnSpc>
                 <a:spcPct val="115000"/>
               </a:lnSpc>
@@ -5735,7 +5920,7 @@
                 </a:solidFill>
               </a:defRPr>
             </a:lvl6pPr>
-            <a:lvl7pPr indent="-317500" lvl="6" marL="3200400">
+            <a:lvl7pPr marL="3200400" lvl="6" indent="-317500">
               <a:lnSpc>
                 <a:spcPct val="115000"/>
               </a:lnSpc>
@@ -5756,7 +5941,7 @@
                 </a:solidFill>
               </a:defRPr>
             </a:lvl7pPr>
-            <a:lvl8pPr indent="-317500" lvl="7" marL="3657600">
+            <a:lvl8pPr marL="3657600" lvl="7" indent="-317500">
               <a:lnSpc>
                 <a:spcPct val="115000"/>
               </a:lnSpc>
@@ -5777,7 +5962,7 @@
                 </a:solidFill>
               </a:defRPr>
             </a:lvl8pPr>
-            <a:lvl9pPr indent="-317500" lvl="8" marL="4114800">
+            <a:lvl9pPr marL="4114800" lvl="8" indent="-317500">
               <a:lnSpc>
                 <a:spcPct val="115000"/>
               </a:lnSpc>
@@ -5799,15 +5984,19 @@
               </a:defRPr>
             </a:lvl9pPr>
           </a:lstStyle>
-          <a:p/>
+          <a:p>
+            <a:endParaRPr/>
+          </a:p>
         </p:txBody>
       </p:sp>
       <p:sp>
         <p:nvSpPr>
           <p:cNvPr id="8" name="Google Shape;8;p1"/>
-          <p:cNvSpPr txBox="1"/>
+          <p:cNvSpPr txBox="1">
+            <a:spLocks noGrp="1"/>
+          </p:cNvSpPr>
           <p:nvPr>
-            <p:ph idx="12" type="sldNum"/>
+            <p:ph type="sldNum" idx="12"/>
           </p:nvPr>
         </p:nvSpPr>
         <p:spPr>
@@ -5824,7 +6013,7 @@
           </a:ln>
         </p:spPr>
         <p:txBody>
-          <a:bodyPr anchorCtr="0" anchor="ctr" bIns="91425" lIns="91425" spcFirstLastPara="1" rIns="91425" wrap="square" tIns="91425">
+          <a:bodyPr spcFirstLastPara="1" wrap="square" lIns="91425" tIns="91425" rIns="91425" bIns="91425" anchor="ctr" anchorCtr="0">
             <a:noAutofit/>
           </a:bodyPr>
           <a:lstStyle>
@@ -5902,7 +6091,7 @@
             </a:lvl9pPr>
           </a:lstStyle>
           <a:p>
-            <a:pPr indent="0" lvl="0" marL="0" rtl="0" algn="r">
+            <a:pPr marL="0" lvl="0" indent="0" algn="r" rtl="0">
               <a:spcBef>
                 <a:spcPts val="0"/>
               </a:spcBef>
@@ -5913,7 +6102,16 @@
             </a:pPr>
             <a:fld id="{00000000-1234-1234-1234-123412341234}" type="slidenum">
               <a:rPr lang="es"/>
-              <a:t>‹#›</a:t>
+              <a:pPr marL="0" lvl="0" indent="0" algn="r" rtl="0">
+                <a:spcBef>
+                  <a:spcPts val="0"/>
+                </a:spcBef>
+                <a:spcAft>
+                  <a:spcPts val="0"/>
+                </a:spcAft>
+                <a:buNone/>
+              </a:pPr>
+              <a:t>‹Nº›</a:t>
             </a:fld>
             <a:endParaRPr/>
           </a:p>
@@ -5921,7 +6119,7 @@
       </p:sp>
     </p:spTree>
   </p:cSld>
-  <p:clrMap accent1="accent1" accent2="accent2" accent3="accent3" accent4="accent4" accent5="accent5" accent6="accent6" bg1="lt1" bg2="dk2" tx1="dk1" tx2="lt2" folHlink="folHlink" hlink="hlink"/>
+  <p:clrMap bg1="lt1" tx1="dk1" bg2="dk2" tx2="lt2" accent1="accent1" accent2="accent2" accent3="accent3" accent4="accent4" accent5="accent5" accent6="accent6" hlink="hlink" folHlink="folHlink"/>
   <p:sldLayoutIdLst>
     <p:sldLayoutId id="2147483648" r:id="rId1"/>
     <p:sldLayoutId id="2147483649" r:id="rId2"/>
@@ -5935,10 +6133,10 @@
     <p:sldLayoutId id="2147483657" r:id="rId10"/>
     <p:sldLayoutId id="2147483658" r:id="rId11"/>
   </p:sldLayoutIdLst>
-  <p:hf dt="0" ftr="0" hdr="0" sldNum="0"/>
+  <p:hf sldNum="0" hdr="0" ftr="0" dt="0"/>
   <p:txStyles>
     <p:titleStyle>
-      <a:defPPr lvl="0" marR="0" rtl="0" algn="l">
+      <a:defPPr marR="0" lvl="0" algn="l" rtl="0">
         <a:lnSpc>
           <a:spcPct val="100000"/>
         </a:lnSpc>
@@ -5949,7 +6147,7 @@
           <a:spcPts val="0"/>
         </a:spcAft>
       </a:defPPr>
-      <a:lvl1pPr lvl="0" marR="0" rtl="0" algn="l">
+      <a:lvl1pPr marR="0" lvl="0" algn="l" rtl="0">
         <a:lnSpc>
           <a:spcPct val="100000"/>
         </a:lnSpc>
@@ -5963,7 +6161,7 @@
           <a:srgbClr val="000000"/>
         </a:buClr>
         <a:buFont typeface="Arial"/>
-        <a:defRPr b="0" i="0" sz="1400" u="none" cap="none" strike="noStrike">
+        <a:defRPr sz="1400" b="0" i="0" u="none" strike="noStrike" cap="none">
           <a:solidFill>
             <a:srgbClr val="000000"/>
           </a:solidFill>
@@ -5973,7 +6171,7 @@
           <a:sym typeface="Arial"/>
         </a:defRPr>
       </a:lvl1pPr>
-      <a:lvl2pPr lvl="1" marR="0" rtl="0" algn="l">
+      <a:lvl2pPr marR="0" lvl="1" algn="l" rtl="0">
         <a:lnSpc>
           <a:spcPct val="100000"/>
         </a:lnSpc>
@@ -5987,7 +6185,7 @@
           <a:srgbClr val="000000"/>
         </a:buClr>
         <a:buFont typeface="Arial"/>
-        <a:defRPr b="0" i="0" sz="1400" u="none" cap="none" strike="noStrike">
+        <a:defRPr sz="1400" b="0" i="0" u="none" strike="noStrike" cap="none">
           <a:solidFill>
             <a:srgbClr val="000000"/>
           </a:solidFill>
@@ -5997,7 +6195,7 @@
           <a:sym typeface="Arial"/>
         </a:defRPr>
       </a:lvl2pPr>
-      <a:lvl3pPr lvl="2" marR="0" rtl="0" algn="l">
+      <a:lvl3pPr marR="0" lvl="2" algn="l" rtl="0">
         <a:lnSpc>
           <a:spcPct val="100000"/>
         </a:lnSpc>
@@ -6011,7 +6209,7 @@
           <a:srgbClr val="000000"/>
         </a:buClr>
         <a:buFont typeface="Arial"/>
-        <a:defRPr b="0" i="0" sz="1400" u="none" cap="none" strike="noStrike">
+        <a:defRPr sz="1400" b="0" i="0" u="none" strike="noStrike" cap="none">
           <a:solidFill>
             <a:srgbClr val="000000"/>
           </a:solidFill>
@@ -6021,7 +6219,7 @@
           <a:sym typeface="Arial"/>
         </a:defRPr>
       </a:lvl3pPr>
-      <a:lvl4pPr lvl="3" marR="0" rtl="0" algn="l">
+      <a:lvl4pPr marR="0" lvl="3" algn="l" rtl="0">
         <a:lnSpc>
           <a:spcPct val="100000"/>
         </a:lnSpc>
@@ -6035,7 +6233,7 @@
           <a:srgbClr val="000000"/>
         </a:buClr>
         <a:buFont typeface="Arial"/>
-        <a:defRPr b="0" i="0" sz="1400" u="none" cap="none" strike="noStrike">
+        <a:defRPr sz="1400" b="0" i="0" u="none" strike="noStrike" cap="none">
           <a:solidFill>
             <a:srgbClr val="000000"/>
           </a:solidFill>
@@ -6045,7 +6243,7 @@
           <a:sym typeface="Arial"/>
         </a:defRPr>
       </a:lvl4pPr>
-      <a:lvl5pPr lvl="4" marR="0" rtl="0" algn="l">
+      <a:lvl5pPr marR="0" lvl="4" algn="l" rtl="0">
         <a:lnSpc>
           <a:spcPct val="100000"/>
         </a:lnSpc>
@@ -6059,7 +6257,7 @@
           <a:srgbClr val="000000"/>
         </a:buClr>
         <a:buFont typeface="Arial"/>
-        <a:defRPr b="0" i="0" sz="1400" u="none" cap="none" strike="noStrike">
+        <a:defRPr sz="1400" b="0" i="0" u="none" strike="noStrike" cap="none">
           <a:solidFill>
             <a:srgbClr val="000000"/>
           </a:solidFill>
@@ -6069,7 +6267,7 @@
           <a:sym typeface="Arial"/>
         </a:defRPr>
       </a:lvl5pPr>
-      <a:lvl6pPr lvl="5" marR="0" rtl="0" algn="l">
+      <a:lvl6pPr marR="0" lvl="5" algn="l" rtl="0">
         <a:lnSpc>
           <a:spcPct val="100000"/>
         </a:lnSpc>
@@ -6083,7 +6281,7 @@
           <a:srgbClr val="000000"/>
         </a:buClr>
         <a:buFont typeface="Arial"/>
-        <a:defRPr b="0" i="0" sz="1400" u="none" cap="none" strike="noStrike">
+        <a:defRPr sz="1400" b="0" i="0" u="none" strike="noStrike" cap="none">
           <a:solidFill>
             <a:srgbClr val="000000"/>
           </a:solidFill>
@@ -6093,7 +6291,7 @@
           <a:sym typeface="Arial"/>
         </a:defRPr>
       </a:lvl6pPr>
-      <a:lvl7pPr lvl="6" marR="0" rtl="0" algn="l">
+      <a:lvl7pPr marR="0" lvl="6" algn="l" rtl="0">
         <a:lnSpc>
           <a:spcPct val="100000"/>
         </a:lnSpc>
@@ -6107,7 +6305,7 @@
           <a:srgbClr val="000000"/>
         </a:buClr>
         <a:buFont typeface="Arial"/>
-        <a:defRPr b="0" i="0" sz="1400" u="none" cap="none" strike="noStrike">
+        <a:defRPr sz="1400" b="0" i="0" u="none" strike="noStrike" cap="none">
           <a:solidFill>
             <a:srgbClr val="000000"/>
           </a:solidFill>
@@ -6117,7 +6315,7 @@
           <a:sym typeface="Arial"/>
         </a:defRPr>
       </a:lvl7pPr>
-      <a:lvl8pPr lvl="7" marR="0" rtl="0" algn="l">
+      <a:lvl8pPr marR="0" lvl="7" algn="l" rtl="0">
         <a:lnSpc>
           <a:spcPct val="100000"/>
         </a:lnSpc>
@@ -6131,7 +6329,7 @@
           <a:srgbClr val="000000"/>
         </a:buClr>
         <a:buFont typeface="Arial"/>
-        <a:defRPr b="0" i="0" sz="1400" u="none" cap="none" strike="noStrike">
+        <a:defRPr sz="1400" b="0" i="0" u="none" strike="noStrike" cap="none">
           <a:solidFill>
             <a:srgbClr val="000000"/>
           </a:solidFill>
@@ -6141,7 +6339,7 @@
           <a:sym typeface="Arial"/>
         </a:defRPr>
       </a:lvl8pPr>
-      <a:lvl9pPr lvl="8" marR="0" rtl="0" algn="l">
+      <a:lvl9pPr marR="0" lvl="8" algn="l" rtl="0">
         <a:lnSpc>
           <a:spcPct val="100000"/>
         </a:lnSpc>
@@ -6155,7 +6353,7 @@
           <a:srgbClr val="000000"/>
         </a:buClr>
         <a:buFont typeface="Arial"/>
-        <a:defRPr b="0" i="0" sz="1400" u="none" cap="none" strike="noStrike">
+        <a:defRPr sz="1400" b="0" i="0" u="none" strike="noStrike" cap="none">
           <a:solidFill>
             <a:srgbClr val="000000"/>
           </a:solidFill>
@@ -6167,7 +6365,7 @@
       </a:lvl9pPr>
     </p:titleStyle>
     <p:bodyStyle>
-      <a:defPPr lvl="0" marR="0" rtl="0" algn="l">
+      <a:defPPr marR="0" lvl="0" algn="l" rtl="0">
         <a:lnSpc>
           <a:spcPct val="100000"/>
         </a:lnSpc>
@@ -6178,7 +6376,7 @@
           <a:spcPts val="0"/>
         </a:spcAft>
       </a:defPPr>
-      <a:lvl1pPr lvl="0" marR="0" rtl="0" algn="l">
+      <a:lvl1pPr marR="0" lvl="0" algn="l" rtl="0">
         <a:lnSpc>
           <a:spcPct val="100000"/>
         </a:lnSpc>
@@ -6192,7 +6390,7 @@
           <a:srgbClr val="000000"/>
         </a:buClr>
         <a:buFont typeface="Arial"/>
-        <a:defRPr b="0" i="0" sz="1400" u="none" cap="none" strike="noStrike">
+        <a:defRPr sz="1400" b="0" i="0" u="none" strike="noStrike" cap="none">
           <a:solidFill>
             <a:srgbClr val="000000"/>
           </a:solidFill>
@@ -6202,7 +6400,7 @@
           <a:sym typeface="Arial"/>
         </a:defRPr>
       </a:lvl1pPr>
-      <a:lvl2pPr lvl="1" marR="0" rtl="0" algn="l">
+      <a:lvl2pPr marR="0" lvl="1" algn="l" rtl="0">
         <a:lnSpc>
           <a:spcPct val="100000"/>
         </a:lnSpc>
@@ -6216,7 +6414,7 @@
           <a:srgbClr val="000000"/>
         </a:buClr>
         <a:buFont typeface="Arial"/>
-        <a:defRPr b="0" i="0" sz="1400" u="none" cap="none" strike="noStrike">
+        <a:defRPr sz="1400" b="0" i="0" u="none" strike="noStrike" cap="none">
           <a:solidFill>
             <a:srgbClr val="000000"/>
           </a:solidFill>
@@ -6226,7 +6424,7 @@
           <a:sym typeface="Arial"/>
         </a:defRPr>
       </a:lvl2pPr>
-      <a:lvl3pPr lvl="2" marR="0" rtl="0" algn="l">
+      <a:lvl3pPr marR="0" lvl="2" algn="l" rtl="0">
         <a:lnSpc>
           <a:spcPct val="100000"/>
         </a:lnSpc>
@@ -6240,7 +6438,7 @@
           <a:srgbClr val="000000"/>
         </a:buClr>
         <a:buFont typeface="Arial"/>
-        <a:defRPr b="0" i="0" sz="1400" u="none" cap="none" strike="noStrike">
+        <a:defRPr sz="1400" b="0" i="0" u="none" strike="noStrike" cap="none">
           <a:solidFill>
             <a:srgbClr val="000000"/>
           </a:solidFill>
@@ -6250,7 +6448,7 @@
           <a:sym typeface="Arial"/>
         </a:defRPr>
       </a:lvl3pPr>
-      <a:lvl4pPr lvl="3" marR="0" rtl="0" algn="l">
+      <a:lvl4pPr marR="0" lvl="3" algn="l" rtl="0">
         <a:lnSpc>
           <a:spcPct val="100000"/>
         </a:lnSpc>
@@ -6264,7 +6462,7 @@
           <a:srgbClr val="000000"/>
         </a:buClr>
         <a:buFont typeface="Arial"/>
-        <a:defRPr b="0" i="0" sz="1400" u="none" cap="none" strike="noStrike">
+        <a:defRPr sz="1400" b="0" i="0" u="none" strike="noStrike" cap="none">
           <a:solidFill>
             <a:srgbClr val="000000"/>
           </a:solidFill>
@@ -6274,7 +6472,7 @@
           <a:sym typeface="Arial"/>
         </a:defRPr>
       </a:lvl4pPr>
-      <a:lvl5pPr lvl="4" marR="0" rtl="0" algn="l">
+      <a:lvl5pPr marR="0" lvl="4" algn="l" rtl="0">
         <a:lnSpc>
           <a:spcPct val="100000"/>
         </a:lnSpc>
@@ -6288,7 +6486,7 @@
           <a:srgbClr val="000000"/>
         </a:buClr>
         <a:buFont typeface="Arial"/>
-        <a:defRPr b="0" i="0" sz="1400" u="none" cap="none" strike="noStrike">
+        <a:defRPr sz="1400" b="0" i="0" u="none" strike="noStrike" cap="none">
           <a:solidFill>
             <a:srgbClr val="000000"/>
           </a:solidFill>
@@ -6298,7 +6496,7 @@
           <a:sym typeface="Arial"/>
         </a:defRPr>
       </a:lvl5pPr>
-      <a:lvl6pPr lvl="5" marR="0" rtl="0" algn="l">
+      <a:lvl6pPr marR="0" lvl="5" algn="l" rtl="0">
         <a:lnSpc>
           <a:spcPct val="100000"/>
         </a:lnSpc>
@@ -6312,7 +6510,7 @@
           <a:srgbClr val="000000"/>
         </a:buClr>
         <a:buFont typeface="Arial"/>
-        <a:defRPr b="0" i="0" sz="1400" u="none" cap="none" strike="noStrike">
+        <a:defRPr sz="1400" b="0" i="0" u="none" strike="noStrike" cap="none">
           <a:solidFill>
             <a:srgbClr val="000000"/>
           </a:solidFill>
@@ -6322,7 +6520,7 @@
           <a:sym typeface="Arial"/>
         </a:defRPr>
       </a:lvl6pPr>
-      <a:lvl7pPr lvl="6" marR="0" rtl="0" algn="l">
+      <a:lvl7pPr marR="0" lvl="6" algn="l" rtl="0">
         <a:lnSpc>
           <a:spcPct val="100000"/>
         </a:lnSpc>
@@ -6336,7 +6534,7 @@
           <a:srgbClr val="000000"/>
         </a:buClr>
         <a:buFont typeface="Arial"/>
-        <a:defRPr b="0" i="0" sz="1400" u="none" cap="none" strike="noStrike">
+        <a:defRPr sz="1400" b="0" i="0" u="none" strike="noStrike" cap="none">
           <a:solidFill>
             <a:srgbClr val="000000"/>
           </a:solidFill>
@@ -6346,7 +6544,7 @@
           <a:sym typeface="Arial"/>
         </a:defRPr>
       </a:lvl7pPr>
-      <a:lvl8pPr lvl="7" marR="0" rtl="0" algn="l">
+      <a:lvl8pPr marR="0" lvl="7" algn="l" rtl="0">
         <a:lnSpc>
           <a:spcPct val="100000"/>
         </a:lnSpc>
@@ -6360,7 +6558,7 @@
           <a:srgbClr val="000000"/>
         </a:buClr>
         <a:buFont typeface="Arial"/>
-        <a:defRPr b="0" i="0" sz="1400" u="none" cap="none" strike="noStrike">
+        <a:defRPr sz="1400" b="0" i="0" u="none" strike="noStrike" cap="none">
           <a:solidFill>
             <a:srgbClr val="000000"/>
           </a:solidFill>
@@ -6370,7 +6568,7 @@
           <a:sym typeface="Arial"/>
         </a:defRPr>
       </a:lvl8pPr>
-      <a:lvl9pPr lvl="8" marR="0" rtl="0" algn="l">
+      <a:lvl9pPr marR="0" lvl="8" algn="l" rtl="0">
         <a:lnSpc>
           <a:spcPct val="100000"/>
         </a:lnSpc>
@@ -6384,7 +6582,7 @@
           <a:srgbClr val="000000"/>
         </a:buClr>
         <a:buFont typeface="Arial"/>
-        <a:defRPr b="0" i="0" sz="1400" u="none" cap="none" strike="noStrike">
+        <a:defRPr sz="1400" b="0" i="0" u="none" strike="noStrike" cap="none">
           <a:solidFill>
             <a:srgbClr val="000000"/>
           </a:solidFill>
@@ -6396,7 +6594,7 @@
       </a:lvl9pPr>
     </p:bodyStyle>
     <p:otherStyle>
-      <a:defPPr lvl="0" marR="0" rtl="0" algn="l">
+      <a:defPPr marR="0" lvl="0" algn="l" rtl="0">
         <a:lnSpc>
           <a:spcPct val="100000"/>
         </a:lnSpc>
@@ -6407,7 +6605,7 @@
           <a:spcPts val="0"/>
         </a:spcAft>
       </a:defPPr>
-      <a:lvl1pPr lvl="0" marR="0" rtl="0" algn="l">
+      <a:lvl1pPr marR="0" lvl="0" algn="l" rtl="0">
         <a:lnSpc>
           <a:spcPct val="100000"/>
         </a:lnSpc>
@@ -6421,7 +6619,7 @@
           <a:srgbClr val="000000"/>
         </a:buClr>
         <a:buFont typeface="Arial"/>
-        <a:defRPr b="0" i="0" sz="1400" u="none" cap="none" strike="noStrike">
+        <a:defRPr sz="1400" b="0" i="0" u="none" strike="noStrike" cap="none">
           <a:solidFill>
             <a:srgbClr val="000000"/>
           </a:solidFill>
@@ -6431,7 +6629,7 @@
           <a:sym typeface="Arial"/>
         </a:defRPr>
       </a:lvl1pPr>
-      <a:lvl2pPr lvl="1" marR="0" rtl="0" algn="l">
+      <a:lvl2pPr marR="0" lvl="1" algn="l" rtl="0">
         <a:lnSpc>
           <a:spcPct val="100000"/>
         </a:lnSpc>
@@ -6445,7 +6643,7 @@
           <a:srgbClr val="000000"/>
         </a:buClr>
         <a:buFont typeface="Arial"/>
-        <a:defRPr b="0" i="0" sz="1400" u="none" cap="none" strike="noStrike">
+        <a:defRPr sz="1400" b="0" i="0" u="none" strike="noStrike" cap="none">
           <a:solidFill>
             <a:srgbClr val="000000"/>
           </a:solidFill>
@@ -6455,7 +6653,7 @@
           <a:sym typeface="Arial"/>
         </a:defRPr>
       </a:lvl2pPr>
-      <a:lvl3pPr lvl="2" marR="0" rtl="0" algn="l">
+      <a:lvl3pPr marR="0" lvl="2" algn="l" rtl="0">
         <a:lnSpc>
           <a:spcPct val="100000"/>
         </a:lnSpc>
@@ -6469,7 +6667,7 @@
           <a:srgbClr val="000000"/>
         </a:buClr>
         <a:buFont typeface="Arial"/>
-        <a:defRPr b="0" i="0" sz="1400" u="none" cap="none" strike="noStrike">
+        <a:defRPr sz="1400" b="0" i="0" u="none" strike="noStrike" cap="none">
           <a:solidFill>
             <a:srgbClr val="000000"/>
           </a:solidFill>
@@ -6479,7 +6677,7 @@
           <a:sym typeface="Arial"/>
         </a:defRPr>
       </a:lvl3pPr>
-      <a:lvl4pPr lvl="3" marR="0" rtl="0" algn="l">
+      <a:lvl4pPr marR="0" lvl="3" algn="l" rtl="0">
         <a:lnSpc>
           <a:spcPct val="100000"/>
         </a:lnSpc>
@@ -6493,7 +6691,7 @@
           <a:srgbClr val="000000"/>
         </a:buClr>
         <a:buFont typeface="Arial"/>
-        <a:defRPr b="0" i="0" sz="1400" u="none" cap="none" strike="noStrike">
+        <a:defRPr sz="1400" b="0" i="0" u="none" strike="noStrike" cap="none">
           <a:solidFill>
             <a:srgbClr val="000000"/>
           </a:solidFill>
@@ -6503,7 +6701,7 @@
           <a:sym typeface="Arial"/>
         </a:defRPr>
       </a:lvl4pPr>
-      <a:lvl5pPr lvl="4" marR="0" rtl="0" algn="l">
+      <a:lvl5pPr marR="0" lvl="4" algn="l" rtl="0">
         <a:lnSpc>
           <a:spcPct val="100000"/>
         </a:lnSpc>
@@ -6517,7 +6715,7 @@
           <a:srgbClr val="000000"/>
         </a:buClr>
         <a:buFont typeface="Arial"/>
-        <a:defRPr b="0" i="0" sz="1400" u="none" cap="none" strike="noStrike">
+        <a:defRPr sz="1400" b="0" i="0" u="none" strike="noStrike" cap="none">
           <a:solidFill>
             <a:srgbClr val="000000"/>
           </a:solidFill>
@@ -6527,7 +6725,7 @@
           <a:sym typeface="Arial"/>
         </a:defRPr>
       </a:lvl5pPr>
-      <a:lvl6pPr lvl="5" marR="0" rtl="0" algn="l">
+      <a:lvl6pPr marR="0" lvl="5" algn="l" rtl="0">
         <a:lnSpc>
           <a:spcPct val="100000"/>
         </a:lnSpc>
@@ -6541,7 +6739,7 @@
           <a:srgbClr val="000000"/>
         </a:buClr>
         <a:buFont typeface="Arial"/>
-        <a:defRPr b="0" i="0" sz="1400" u="none" cap="none" strike="noStrike">
+        <a:defRPr sz="1400" b="0" i="0" u="none" strike="noStrike" cap="none">
           <a:solidFill>
             <a:srgbClr val="000000"/>
           </a:solidFill>
@@ -6551,7 +6749,7 @@
           <a:sym typeface="Arial"/>
         </a:defRPr>
       </a:lvl6pPr>
-      <a:lvl7pPr lvl="6" marR="0" rtl="0" algn="l">
+      <a:lvl7pPr marR="0" lvl="6" algn="l" rtl="0">
         <a:lnSpc>
           <a:spcPct val="100000"/>
         </a:lnSpc>
@@ -6565,7 +6763,7 @@
           <a:srgbClr val="000000"/>
         </a:buClr>
         <a:buFont typeface="Arial"/>
-        <a:defRPr b="0" i="0" sz="1400" u="none" cap="none" strike="noStrike">
+        <a:defRPr sz="1400" b="0" i="0" u="none" strike="noStrike" cap="none">
           <a:solidFill>
             <a:srgbClr val="000000"/>
           </a:solidFill>
@@ -6575,7 +6773,7 @@
           <a:sym typeface="Arial"/>
         </a:defRPr>
       </a:lvl7pPr>
-      <a:lvl8pPr lvl="7" marR="0" rtl="0" algn="l">
+      <a:lvl8pPr marR="0" lvl="7" algn="l" rtl="0">
         <a:lnSpc>
           <a:spcPct val="100000"/>
         </a:lnSpc>
@@ -6589,7 +6787,7 @@
           <a:srgbClr val="000000"/>
         </a:buClr>
         <a:buFont typeface="Arial"/>
-        <a:defRPr b="0" i="0" sz="1400" u="none" cap="none" strike="noStrike">
+        <a:defRPr sz="1400" b="0" i="0" u="none" strike="noStrike" cap="none">
           <a:solidFill>
             <a:srgbClr val="000000"/>
           </a:solidFill>
@@ -6599,7 +6797,7 @@
           <a:sym typeface="Arial"/>
         </a:defRPr>
       </a:lvl8pPr>
-      <a:lvl9pPr lvl="8" marR="0" rtl="0" algn="l">
+      <a:lvl9pPr marR="0" lvl="8" algn="l" rtl="0">
         <a:lnSpc>
           <a:spcPct val="100000"/>
         </a:lnSpc>
@@ -6613,7 +6811,7 @@
           <a:srgbClr val="000000"/>
         </a:buClr>
         <a:buFont typeface="Arial"/>
-        <a:defRPr b="0" i="0" sz="1400" u="none" cap="none" strike="noStrike">
+        <a:defRPr sz="1400" b="0" i="0" u="none" strike="noStrike" cap="none">
           <a:solidFill>
             <a:srgbClr val="000000"/>
           </a:solidFill>
@@ -6629,7 +6827,7 @@
 </file>
 
 <file path=ppt/slides/slide1.xml><?xml version="1.0" encoding="utf-8"?>
-<p:sld xmlns:a="http://schemas.openxmlformats.org/drawingml/2006/main" xmlns:r="http://schemas.openxmlformats.org/officeDocument/2006/relationships" xmlns:mc="http://schemas.openxmlformats.org/markup-compatibility/2006" xmlns:mv="urn:schemas-microsoft-com:mac:vml" xmlns:p="http://schemas.openxmlformats.org/presentationml/2006/main" xmlns:c="http://schemas.openxmlformats.org/drawingml/2006/chart" xmlns:dgm="http://schemas.openxmlformats.org/drawingml/2006/diagram" xmlns:o="urn:schemas-microsoft-com:office:office" xmlns:v="urn:schemas-microsoft-com:vml" xmlns:pvml="urn:schemas-microsoft-com:office:powerpoint" xmlns:com="http://schemas.openxmlformats.org/drawingml/2006/compatibility" xmlns:p14="http://schemas.microsoft.com/office/powerpoint/2010/main" xmlns:p15="http://schemas.microsoft.com/office/powerpoint/2012/main">
+<p:sld xmlns:a="http://schemas.openxmlformats.org/drawingml/2006/main" xmlns:r="http://schemas.openxmlformats.org/officeDocument/2006/relationships" xmlns:p="http://schemas.openxmlformats.org/presentationml/2006/main">
   <p:cSld>
     <p:bg>
       <p:bgPr>
@@ -6641,11 +6839,12 @@
             <a:fillRect/>
           </a:stretch>
         </a:blipFill>
+        <a:effectLst/>
       </p:bgPr>
     </p:bg>
     <p:spTree>
       <p:nvGrpSpPr>
-        <p:cNvPr id="53" name="Shape 53"/>
+        <p:cNvPr id="1" name="Shape 53"/>
         <p:cNvGrpSpPr/>
         <p:nvPr/>
       </p:nvGrpSpPr>
@@ -6667,7 +6866,7 @@
           <a:blip r:embed="rId4">
             <a:alphaModFix/>
           </a:blip>
-          <a:srcRect b="0" l="0" r="50000" t="0"/>
+          <a:srcRect r="50000"/>
           <a:stretch/>
         </p:blipFill>
         <p:spPr>
@@ -6684,51 +6883,6 @@
           </a:ln>
         </p:spPr>
       </p:pic>
-      <p:sp>
-        <p:nvSpPr>
-          <p:cNvPr id="55" name="Google Shape;55;p13"/>
-          <p:cNvSpPr txBox="1"/>
-          <p:nvPr>
-            <p:ph idx="1" type="subTitle"/>
-          </p:nvPr>
-        </p:nvSpPr>
-        <p:spPr>
-          <a:xfrm>
-            <a:off x="311700" y="3237400"/>
-            <a:ext cx="8520600" cy="792600"/>
-          </a:xfrm>
-          <a:prstGeom prst="rect">
-            <a:avLst/>
-          </a:prstGeom>
-        </p:spPr>
-        <p:txBody>
-          <a:bodyPr anchorCtr="0" anchor="t" bIns="91425" lIns="91425" spcFirstLastPara="1" rIns="91425" wrap="square" tIns="91425">
-            <a:noAutofit/>
-          </a:bodyPr>
-          <a:lstStyle/>
-          <a:p>
-            <a:pPr indent="0" lvl="0" marL="0" rtl="0" algn="ctr">
-              <a:spcBef>
-                <a:spcPts val="0"/>
-              </a:spcBef>
-              <a:spcAft>
-                <a:spcPts val="0"/>
-              </a:spcAft>
-              <a:buNone/>
-            </a:pPr>
-            <a:r>
-              <a:rPr lang="es" u="sng">
-                <a:solidFill>
-                  <a:schemeClr val="hlink"/>
-                </a:solidFill>
-                <a:hlinkClick r:id="rId5"/>
-              </a:rPr>
-              <a:t>Guía</a:t>
-            </a:r>
-            <a:endParaRPr/>
-          </a:p>
-        </p:txBody>
-      </p:sp>
       <p:pic>
         <p:nvPicPr>
           <p:cNvPr id="56" name="Google Shape;56;p13"/>
@@ -6736,7 +6890,7 @@
           <p:nvPr/>
         </p:nvPicPr>
         <p:blipFill>
-          <a:blip r:embed="rId6">
+          <a:blip r:embed="rId5">
             <a:alphaModFix/>
           </a:blip>
           <a:stretch>
@@ -6760,9 +6914,11 @@
       <p:sp>
         <p:nvSpPr>
           <p:cNvPr id="57" name="Google Shape;57;p13"/>
-          <p:cNvSpPr txBox="1"/>
+          <p:cNvSpPr txBox="1">
+            <a:spLocks noGrp="1"/>
+          </p:cNvSpPr>
           <p:nvPr>
-            <p:ph idx="1" type="subTitle"/>
+            <p:ph type="subTitle" idx="1"/>
           </p:nvPr>
         </p:nvSpPr>
         <p:spPr>
@@ -6775,12 +6931,12 @@
           </a:prstGeom>
         </p:spPr>
         <p:txBody>
-          <a:bodyPr anchorCtr="0" anchor="t" bIns="91425" lIns="91425" spcFirstLastPara="1" rIns="91425" wrap="square" tIns="91425">
+          <a:bodyPr spcFirstLastPara="1" wrap="square" lIns="91425" tIns="91425" rIns="91425" bIns="91425" anchor="t" anchorCtr="0">
             <a:noAutofit/>
           </a:bodyPr>
           <a:lstStyle/>
           <a:p>
-            <a:pPr indent="0" lvl="0" marL="0" rtl="0" algn="ctr">
+            <a:pPr marL="0" lvl="0" indent="0" algn="ctr" rtl="0">
               <a:spcBef>
                 <a:spcPts val="0"/>
               </a:spcBef>
@@ -6808,9 +6964,11 @@
       <p:sp>
         <p:nvSpPr>
           <p:cNvPr id="58" name="Google Shape;58;p13"/>
-          <p:cNvSpPr txBox="1"/>
+          <p:cNvSpPr txBox="1">
+            <a:spLocks noGrp="1"/>
+          </p:cNvSpPr>
           <p:nvPr>
-            <p:ph idx="1" type="subTitle"/>
+            <p:ph type="subTitle" idx="1"/>
           </p:nvPr>
         </p:nvSpPr>
         <p:spPr>
@@ -6823,12 +6981,12 @@
           </a:prstGeom>
         </p:spPr>
         <p:txBody>
-          <a:bodyPr anchorCtr="0" anchor="t" bIns="91425" lIns="91425" spcFirstLastPara="1" rIns="91425" wrap="square" tIns="91425">
+          <a:bodyPr spcFirstLastPara="1" wrap="square" lIns="91425" tIns="91425" rIns="91425" bIns="91425" anchor="t" anchorCtr="0">
             <a:noAutofit/>
           </a:bodyPr>
           <a:lstStyle/>
           <a:p>
-            <a:pPr indent="0" lvl="0" marL="0" rtl="0" algn="r">
+            <a:pPr marL="0" lvl="0" indent="0" algn="r" rtl="0">
               <a:spcBef>
                 <a:spcPts val="0"/>
               </a:spcBef>
@@ -6862,11 +7020,11 @@
 </file>
 
 <file path=ppt/slides/slide10.xml><?xml version="1.0" encoding="utf-8"?>
-<p:sld xmlns:a="http://schemas.openxmlformats.org/drawingml/2006/main" xmlns:r="http://schemas.openxmlformats.org/officeDocument/2006/relationships" xmlns:mc="http://schemas.openxmlformats.org/markup-compatibility/2006" xmlns:mv="urn:schemas-microsoft-com:mac:vml" xmlns:p="http://schemas.openxmlformats.org/presentationml/2006/main" xmlns:c="http://schemas.openxmlformats.org/drawingml/2006/chart" xmlns:dgm="http://schemas.openxmlformats.org/drawingml/2006/diagram" xmlns:o="urn:schemas-microsoft-com:office:office" xmlns:v="urn:schemas-microsoft-com:vml" xmlns:pvml="urn:schemas-microsoft-com:office:powerpoint" xmlns:com="http://schemas.openxmlformats.org/drawingml/2006/compatibility" xmlns:p14="http://schemas.microsoft.com/office/powerpoint/2010/main" xmlns:p15="http://schemas.microsoft.com/office/powerpoint/2012/main">
+<p:sld xmlns:a="http://schemas.openxmlformats.org/drawingml/2006/main" xmlns:r="http://schemas.openxmlformats.org/officeDocument/2006/relationships" xmlns:p="http://schemas.openxmlformats.org/presentationml/2006/main">
   <p:cSld>
     <p:spTree>
       <p:nvGrpSpPr>
-        <p:cNvPr id="150" name="Shape 150"/>
+        <p:cNvPr id="1" name="Shape 150"/>
         <p:cNvGrpSpPr/>
         <p:nvPr/>
       </p:nvGrpSpPr>
@@ -6881,9 +7039,11 @@
       <p:sp>
         <p:nvSpPr>
           <p:cNvPr id="151" name="Google Shape;151;p22"/>
-          <p:cNvSpPr txBox="1"/>
+          <p:cNvSpPr txBox="1">
+            <a:spLocks noGrp="1"/>
+          </p:cNvSpPr>
           <p:nvPr>
-            <p:ph idx="1" type="body"/>
+            <p:ph type="body" idx="1"/>
           </p:nvPr>
         </p:nvSpPr>
         <p:spPr>
@@ -6896,12 +7056,12 @@
           </a:prstGeom>
         </p:spPr>
         <p:txBody>
-          <a:bodyPr anchorCtr="0" anchor="t" bIns="91425" lIns="91425" spcFirstLastPara="1" rIns="91425" wrap="square" tIns="91425">
+          <a:bodyPr spcFirstLastPara="1" wrap="square" lIns="91425" tIns="91425" rIns="91425" bIns="91425" anchor="t" anchorCtr="0">
             <a:noAutofit/>
           </a:bodyPr>
           <a:lstStyle/>
           <a:p>
-            <a:pPr indent="0" lvl="0" marL="0" rtl="0" algn="l">
+            <a:pPr marL="0" lvl="0" indent="0" algn="l" rtl="0">
               <a:spcBef>
                 <a:spcPts val="0"/>
               </a:spcBef>
@@ -6917,7 +7077,7 @@
             <a:endParaRPr/>
           </a:p>
           <a:p>
-            <a:pPr indent="0" lvl="0" marL="0" rtl="0" algn="l">
+            <a:pPr marL="0" lvl="0" indent="0" algn="l" rtl="0">
               <a:spcBef>
                 <a:spcPts val="1600"/>
               </a:spcBef>
@@ -6940,14 +7100,14 @@
                 <a:solidFill>
                   <a:schemeClr val="hlink"/>
                 </a:solidFill>
-                <a:hlinkClick r:id="rId4"/>
+                <a:hlinkClick r:id="rId3"/>
               </a:rPr>
               <a:t>hter/</a:t>
             </a:r>
             <a:endParaRPr sz="1900"/>
           </a:p>
           <a:p>
-            <a:pPr indent="0" lvl="0" marL="0" rtl="0" algn="l">
+            <a:pPr marL="0" lvl="0" indent="0" algn="l" rtl="0">
               <a:spcBef>
                 <a:spcPts val="1600"/>
               </a:spcBef>
@@ -6956,13 +7116,10 @@
               </a:spcAft>
               <a:buNone/>
             </a:pPr>
-            <a:r>
-              <a:t/>
-            </a:r>
             <a:endParaRPr/>
           </a:p>
           <a:p>
-            <a:pPr indent="0" lvl="0" marL="0" rtl="0" algn="l">
+            <a:pPr marL="0" lvl="0" indent="0" algn="l" rtl="0">
               <a:spcBef>
                 <a:spcPts val="1600"/>
               </a:spcBef>
@@ -6978,7 +7135,7 @@
             <a:endParaRPr sz="1700"/>
           </a:p>
           <a:p>
-            <a:pPr indent="0" lvl="0" marL="0" rtl="0" algn="l">
+            <a:pPr marL="0" lvl="0" indent="0" algn="l" rtl="0">
               <a:spcBef>
                 <a:spcPts val="1600"/>
               </a:spcBef>
@@ -6994,7 +7151,7 @@
             <a:endParaRPr sz="1700"/>
           </a:p>
           <a:p>
-            <a:pPr indent="0" lvl="0" marL="0" rtl="0" algn="l">
+            <a:pPr marL="0" lvl="0" indent="0" algn="l" rtl="0">
               <a:spcBef>
                 <a:spcPts val="1600"/>
               </a:spcBef>
@@ -7010,7 +7167,7 @@
             <a:endParaRPr sz="1700"/>
           </a:p>
           <a:p>
-            <a:pPr indent="0" lvl="0" marL="0" rtl="0" algn="l">
+            <a:pPr marL="0" lvl="0" indent="0" algn="l" rtl="0">
               <a:spcBef>
                 <a:spcPts val="1600"/>
               </a:spcBef>
@@ -7034,7 +7191,7 @@
           <p:nvPr/>
         </p:nvPicPr>
         <p:blipFill>
-          <a:blip r:embed="rId5">
+          <a:blip r:embed="rId4">
             <a:alphaModFix/>
           </a:blip>
           <a:stretch>
@@ -7058,7 +7215,9 @@
       <p:sp>
         <p:nvSpPr>
           <p:cNvPr id="153" name="Google Shape;153;p22"/>
-          <p:cNvSpPr txBox="1"/>
+          <p:cNvSpPr txBox="1">
+            <a:spLocks noGrp="1"/>
+          </p:cNvSpPr>
           <p:nvPr>
             <p:ph type="title"/>
           </p:nvPr>
@@ -7073,12 +7232,12 @@
           </a:prstGeom>
         </p:spPr>
         <p:txBody>
-          <a:bodyPr anchorCtr="0" anchor="t" bIns="91425" lIns="91425" spcFirstLastPara="1" rIns="91425" wrap="square" tIns="91425">
+          <a:bodyPr spcFirstLastPara="1" wrap="square" lIns="91425" tIns="91425" rIns="91425" bIns="91425" anchor="t" anchorCtr="0">
             <a:noAutofit/>
           </a:bodyPr>
           <a:lstStyle/>
           <a:p>
-            <a:pPr indent="0" lvl="0" marL="0" rtl="0" algn="l">
+            <a:pPr marL="0" lvl="0" indent="0" algn="l" rtl="0">
               <a:spcBef>
                 <a:spcPts val="0"/>
               </a:spcBef>
@@ -7088,7 +7247,7 @@
               <a:buNone/>
             </a:pPr>
             <a:r>
-              <a:rPr b="1" lang="es" sz="3600">
+              <a:rPr lang="es" sz="3600" b="1">
                 <a:latin typeface="Lora"/>
                 <a:ea typeface="Lora"/>
                 <a:cs typeface="Lora"/>
@@ -7096,7 +7255,7 @@
               </a:rPr>
               <a:t>COMUNICACIÓN</a:t>
             </a:r>
-            <a:endParaRPr b="1" sz="3600">
+            <a:endParaRPr sz="3600" b="1">
               <a:latin typeface="Lora"/>
               <a:ea typeface="Lora"/>
               <a:cs typeface="Lora"/>
@@ -7114,11 +7273,11 @@
 </file>
 
 <file path=ppt/slides/slide11.xml><?xml version="1.0" encoding="utf-8"?>
-<p:sld xmlns:a="http://schemas.openxmlformats.org/drawingml/2006/main" xmlns:r="http://schemas.openxmlformats.org/officeDocument/2006/relationships" xmlns:mc="http://schemas.openxmlformats.org/markup-compatibility/2006" xmlns:mv="urn:schemas-microsoft-com:mac:vml" xmlns:p="http://schemas.openxmlformats.org/presentationml/2006/main" xmlns:c="http://schemas.openxmlformats.org/drawingml/2006/chart" xmlns:dgm="http://schemas.openxmlformats.org/drawingml/2006/diagram" xmlns:o="urn:schemas-microsoft-com:office:office" xmlns:v="urn:schemas-microsoft-com:vml" xmlns:pvml="urn:schemas-microsoft-com:office:powerpoint" xmlns:com="http://schemas.openxmlformats.org/drawingml/2006/compatibility" xmlns:p14="http://schemas.microsoft.com/office/powerpoint/2010/main" xmlns:p15="http://schemas.microsoft.com/office/powerpoint/2012/main">
+<p:sld xmlns:a="http://schemas.openxmlformats.org/drawingml/2006/main" xmlns:r="http://schemas.openxmlformats.org/officeDocument/2006/relationships" xmlns:p="http://schemas.openxmlformats.org/presentationml/2006/main">
   <p:cSld>
     <p:spTree>
       <p:nvGrpSpPr>
-        <p:cNvPr id="157" name="Shape 157"/>
+        <p:cNvPr id="1" name="Shape 157"/>
         <p:cNvGrpSpPr/>
         <p:nvPr/>
       </p:nvGrpSpPr>
@@ -7133,7 +7292,9 @@
       <p:sp>
         <p:nvSpPr>
           <p:cNvPr id="158" name="Google Shape;158;p23"/>
-          <p:cNvSpPr txBox="1"/>
+          <p:cNvSpPr txBox="1">
+            <a:spLocks noGrp="1"/>
+          </p:cNvSpPr>
           <p:nvPr>
             <p:ph type="title"/>
           </p:nvPr>
@@ -7148,12 +7309,12 @@
           </a:prstGeom>
         </p:spPr>
         <p:txBody>
-          <a:bodyPr anchorCtr="0" anchor="t" bIns="91425" lIns="91425" spcFirstLastPara="1" rIns="91425" wrap="square" tIns="91425">
+          <a:bodyPr spcFirstLastPara="1" wrap="square" lIns="91425" tIns="91425" rIns="91425" bIns="91425" anchor="t" anchorCtr="0">
             <a:noAutofit/>
           </a:bodyPr>
           <a:lstStyle/>
           <a:p>
-            <a:pPr indent="0" lvl="0" marL="0" rtl="0" algn="l">
+            <a:pPr marL="0" lvl="0" indent="0" algn="l" rtl="0">
               <a:spcBef>
                 <a:spcPts val="0"/>
               </a:spcBef>
@@ -7163,7 +7324,7 @@
               <a:buNone/>
             </a:pPr>
             <a:r>
-              <a:rPr b="1" lang="es" sz="3600">
+              <a:rPr lang="es" sz="3600" b="1">
                 <a:latin typeface="Lora"/>
                 <a:ea typeface="Lora"/>
                 <a:cs typeface="Lora"/>
@@ -7171,7 +7332,7 @@
               </a:rPr>
               <a:t>COMUNICACIÓN</a:t>
             </a:r>
-            <a:endParaRPr b="1" sz="3600">
+            <a:endParaRPr sz="3600" b="1">
               <a:latin typeface="Lora"/>
               <a:ea typeface="Lora"/>
               <a:cs typeface="Lora"/>
@@ -7183,9 +7344,11 @@
       <p:sp>
         <p:nvSpPr>
           <p:cNvPr id="159" name="Google Shape;159;p23"/>
-          <p:cNvSpPr txBox="1"/>
+          <p:cNvSpPr txBox="1">
+            <a:spLocks noGrp="1"/>
+          </p:cNvSpPr>
           <p:nvPr>
-            <p:ph idx="1" type="body"/>
+            <p:ph type="body" idx="1"/>
           </p:nvPr>
         </p:nvSpPr>
         <p:spPr>
@@ -7198,12 +7361,12 @@
           </a:prstGeom>
         </p:spPr>
         <p:txBody>
-          <a:bodyPr anchorCtr="0" anchor="t" bIns="91425" lIns="91425" spcFirstLastPara="1" rIns="91425" wrap="square" tIns="91425">
+          <a:bodyPr spcFirstLastPara="1" wrap="square" lIns="91425" tIns="91425" rIns="91425" bIns="91425" anchor="t" anchorCtr="0">
             <a:noAutofit/>
           </a:bodyPr>
           <a:lstStyle/>
           <a:p>
-            <a:pPr indent="0" lvl="0" marL="0" rtl="0" algn="l">
+            <a:pPr marL="0" lvl="0" indent="0" algn="l" rtl="0">
               <a:spcBef>
                 <a:spcPts val="0"/>
               </a:spcBef>
@@ -7219,7 +7382,7 @@
             <a:endParaRPr/>
           </a:p>
           <a:p>
-            <a:pPr indent="0" lvl="0" marL="0" rtl="0" algn="l">
+            <a:pPr marL="0" lvl="0" indent="0" algn="l" rtl="0">
               <a:spcBef>
                 <a:spcPts val="1600"/>
               </a:spcBef>
@@ -7235,7 +7398,7 @@
             <a:endParaRPr/>
           </a:p>
           <a:p>
-            <a:pPr indent="0" lvl="0" marL="0" rtl="0" algn="l">
+            <a:pPr marL="0" lvl="0" indent="0" algn="l" rtl="0">
               <a:spcBef>
                 <a:spcPts val="1600"/>
               </a:spcBef>
@@ -7251,7 +7414,7 @@
             <a:endParaRPr/>
           </a:p>
           <a:p>
-            <a:pPr indent="0" lvl="0" marL="0" rtl="0" algn="l">
+            <a:pPr marL="0" lvl="0" indent="0" algn="l" rtl="0">
               <a:spcBef>
                 <a:spcPts val="1600"/>
               </a:spcBef>
@@ -7267,7 +7430,7 @@
             <a:endParaRPr/>
           </a:p>
           <a:p>
-            <a:pPr indent="0" lvl="0" marL="0" rtl="0" algn="l">
+            <a:pPr marL="0" lvl="0" indent="0" algn="l" rtl="0">
               <a:spcBef>
                 <a:spcPts val="1600"/>
               </a:spcBef>
@@ -7276,13 +7439,10 @@
               </a:spcAft>
               <a:buNone/>
             </a:pPr>
-            <a:r>
-              <a:t/>
-            </a:r>
             <a:endParaRPr/>
           </a:p>
           <a:p>
-            <a:pPr indent="0" lvl="0" marL="0" rtl="0" algn="l">
+            <a:pPr marL="0" lvl="0" indent="0" algn="l" rtl="0">
               <a:spcBef>
                 <a:spcPts val="1600"/>
               </a:spcBef>
@@ -7291,13 +7451,10 @@
               </a:spcAft>
               <a:buNone/>
             </a:pPr>
-            <a:r>
-              <a:t/>
-            </a:r>
             <a:endParaRPr/>
           </a:p>
           <a:p>
-            <a:pPr indent="0" lvl="0" marL="0" rtl="0" algn="l">
+            <a:pPr marL="0" lvl="0" indent="0" algn="l" rtl="0">
               <a:spcBef>
                 <a:spcPts val="1600"/>
               </a:spcBef>
@@ -7313,7 +7470,7 @@
             <a:endParaRPr/>
           </a:p>
           <a:p>
-            <a:pPr indent="0" lvl="0" marL="0" rtl="0" algn="l">
+            <a:pPr marL="0" lvl="0" indent="0" algn="l" rtl="0">
               <a:spcBef>
                 <a:spcPts val="1600"/>
               </a:spcBef>
@@ -7322,13 +7479,10 @@
               </a:spcAft>
               <a:buNone/>
             </a:pPr>
-            <a:r>
-              <a:t/>
-            </a:r>
             <a:endParaRPr/>
           </a:p>
           <a:p>
-            <a:pPr indent="0" lvl="0" marL="0" rtl="0" algn="l">
+            <a:pPr marL="0" lvl="0" indent="0" algn="l" rtl="0">
               <a:spcBef>
                 <a:spcPts val="1600"/>
               </a:spcBef>
@@ -7337,9 +7491,6 @@
               </a:spcAft>
               <a:buNone/>
             </a:pPr>
-            <a:r>
-              <a:t/>
-            </a:r>
             <a:endParaRPr/>
           </a:p>
         </p:txBody>
@@ -7381,11 +7532,11 @@
 </file>
 
 <file path=ppt/slides/slide2.xml><?xml version="1.0" encoding="utf-8"?>
-<p:sld xmlns:a="http://schemas.openxmlformats.org/drawingml/2006/main" xmlns:r="http://schemas.openxmlformats.org/officeDocument/2006/relationships" xmlns:mc="http://schemas.openxmlformats.org/markup-compatibility/2006" xmlns:mv="urn:schemas-microsoft-com:mac:vml" xmlns:p="http://schemas.openxmlformats.org/presentationml/2006/main" xmlns:c="http://schemas.openxmlformats.org/drawingml/2006/chart" xmlns:dgm="http://schemas.openxmlformats.org/drawingml/2006/diagram" xmlns:o="urn:schemas-microsoft-com:office:office" xmlns:v="urn:schemas-microsoft-com:vml" xmlns:pvml="urn:schemas-microsoft-com:office:powerpoint" xmlns:com="http://schemas.openxmlformats.org/drawingml/2006/compatibility" xmlns:p14="http://schemas.microsoft.com/office/powerpoint/2010/main" xmlns:p15="http://schemas.microsoft.com/office/powerpoint/2012/main">
+<p:sld xmlns:a="http://schemas.openxmlformats.org/drawingml/2006/main" xmlns:r="http://schemas.openxmlformats.org/officeDocument/2006/relationships" xmlns:p="http://schemas.openxmlformats.org/presentationml/2006/main">
   <p:cSld>
     <p:spTree>
       <p:nvGrpSpPr>
-        <p:cNvPr id="62" name="Shape 62"/>
+        <p:cNvPr id="1" name="Shape 62"/>
         <p:cNvGrpSpPr/>
         <p:nvPr/>
       </p:nvGrpSpPr>
@@ -7400,7 +7551,9 @@
       <p:sp>
         <p:nvSpPr>
           <p:cNvPr id="63" name="Google Shape;63;p14"/>
-          <p:cNvSpPr txBox="1"/>
+          <p:cNvSpPr txBox="1">
+            <a:spLocks noGrp="1"/>
+          </p:cNvSpPr>
           <p:nvPr>
             <p:ph type="title"/>
           </p:nvPr>
@@ -7415,12 +7568,12 @@
           </a:prstGeom>
         </p:spPr>
         <p:txBody>
-          <a:bodyPr anchorCtr="0" anchor="t" bIns="91425" lIns="91425" spcFirstLastPara="1" rIns="91425" wrap="square" tIns="91425">
+          <a:bodyPr spcFirstLastPara="1" wrap="square" lIns="91425" tIns="91425" rIns="91425" bIns="91425" anchor="t" anchorCtr="0">
             <a:noAutofit/>
           </a:bodyPr>
           <a:lstStyle/>
           <a:p>
-            <a:pPr indent="0" lvl="0" marL="0" rtl="0" algn="ctr">
+            <a:pPr marL="0" lvl="0" indent="0" algn="ctr" rtl="0">
               <a:spcBef>
                 <a:spcPts val="0"/>
               </a:spcBef>
@@ -7511,32 +7664,32 @@
   <p:timing>
     <p:tnLst>
       <p:par>
-        <p:cTn dur="indefinite" nodeType="tmRoot" restart="never">
+        <p:cTn id="1" dur="indefinite" restart="never" nodeType="tmRoot">
           <p:childTnLst>
             <p:seq concurrent="1" nextAc="seek">
-              <p:cTn dur="indefinite" id="2" nodeType="mainSeq">
+              <p:cTn id="2" dur="indefinite" nodeType="mainSeq">
                 <p:childTnLst>
                   <p:par>
-                    <p:cTn fill="hold">
+                    <p:cTn id="3" fill="hold">
                       <p:stCondLst>
                         <p:cond delay="indefinite"/>
                       </p:stCondLst>
                       <p:childTnLst>
                         <p:par>
-                          <p:cTn fill="hold">
+                          <p:cTn id="4" fill="hold">
                             <p:stCondLst>
                               <p:cond delay="0"/>
                             </p:stCondLst>
                             <p:childTnLst>
                               <p:par>
-                                <p:cTn fill="hold" nodeType="clickEffect" presetClass="entr" presetID="23" presetSubtype="16">
+                                <p:cTn id="5" presetID="23" presetClass="entr" presetSubtype="16" fill="hold" nodeType="clickEffect">
                                   <p:stCondLst>
                                     <p:cond delay="0"/>
                                   </p:stCondLst>
                                   <p:childTnLst>
                                     <p:set>
                                       <p:cBhvr>
-                                        <p:cTn dur="1" fill="hold">
+                                        <p:cTn id="6" dur="1" fill="hold">
                                           <p:stCondLst>
                                             <p:cond delay="0"/>
                                           </p:stCondLst>
@@ -7554,7 +7707,7 @@
                                     </p:set>
                                     <p:anim calcmode="lin" valueType="num">
                                       <p:cBhvr additive="base">
-                                        <p:cTn dur="1000"/>
+                                        <p:cTn id="7" dur="1000"/>
                                         <p:tgtEl>
                                           <p:spTgt spid="64"/>
                                         </p:tgtEl>
@@ -7563,12 +7716,12 @@
                                         </p:attrNameLst>
                                       </p:cBhvr>
                                       <p:tavLst>
-                                        <p:tav fmla="" tm="0">
+                                        <p:tav tm="0">
                                           <p:val>
                                             <p:strVal val="0"/>
                                           </p:val>
                                         </p:tav>
-                                        <p:tav fmla="" tm="100000">
+                                        <p:tav tm="100000">
                                           <p:val>
                                             <p:strVal val="#ppt_w"/>
                                           </p:val>
@@ -7577,7 +7730,7 @@
                                     </p:anim>
                                     <p:anim calcmode="lin" valueType="num">
                                       <p:cBhvr additive="base">
-                                        <p:cTn dur="1000"/>
+                                        <p:cTn id="8" dur="1000"/>
                                         <p:tgtEl>
                                           <p:spTgt spid="64"/>
                                         </p:tgtEl>
@@ -7586,12 +7739,12 @@
                                         </p:attrNameLst>
                                       </p:cBhvr>
                                       <p:tavLst>
-                                        <p:tav fmla="" tm="0">
+                                        <p:tav tm="0">
                                           <p:val>
                                             <p:strVal val="0"/>
                                           </p:val>
                                         </p:tav>
-                                        <p:tav fmla="" tm="100000">
+                                        <p:tav tm="100000">
                                           <p:val>
                                             <p:strVal val="#ppt_h"/>
                                           </p:val>
@@ -7608,26 +7761,26 @@
                     </p:cTn>
                   </p:par>
                   <p:par>
-                    <p:cTn fill="hold">
+                    <p:cTn id="9" fill="hold">
                       <p:stCondLst>
                         <p:cond delay="indefinite"/>
                       </p:stCondLst>
                       <p:childTnLst>
                         <p:par>
-                          <p:cTn fill="hold">
+                          <p:cTn id="10" fill="hold">
                             <p:stCondLst>
                               <p:cond delay="0"/>
                             </p:stCondLst>
                             <p:childTnLst>
                               <p:par>
-                                <p:cTn fill="hold" nodeType="clickEffect" presetClass="entr" presetID="23" presetSubtype="16">
+                                <p:cTn id="11" presetID="23" presetClass="entr" presetSubtype="16" fill="hold" nodeType="clickEffect">
                                   <p:stCondLst>
                                     <p:cond delay="0"/>
                                   </p:stCondLst>
                                   <p:childTnLst>
                                     <p:set>
                                       <p:cBhvr>
-                                        <p:cTn dur="1" fill="hold">
+                                        <p:cTn id="12" dur="1" fill="hold">
                                           <p:stCondLst>
                                             <p:cond delay="0"/>
                                           </p:stCondLst>
@@ -7645,7 +7798,7 @@
                                     </p:set>
                                     <p:anim calcmode="lin" valueType="num">
                                       <p:cBhvr additive="base">
-                                        <p:cTn dur="1000"/>
+                                        <p:cTn id="13" dur="1000"/>
                                         <p:tgtEl>
                                           <p:spTgt spid="65"/>
                                         </p:tgtEl>
@@ -7654,12 +7807,12 @@
                                         </p:attrNameLst>
                                       </p:cBhvr>
                                       <p:tavLst>
-                                        <p:tav fmla="" tm="0">
+                                        <p:tav tm="0">
                                           <p:val>
                                             <p:strVal val="0"/>
                                           </p:val>
                                         </p:tav>
-                                        <p:tav fmla="" tm="100000">
+                                        <p:tav tm="100000">
                                           <p:val>
                                             <p:strVal val="#ppt_w"/>
                                           </p:val>
@@ -7668,7 +7821,7 @@
                                     </p:anim>
                                     <p:anim calcmode="lin" valueType="num">
                                       <p:cBhvr additive="base">
-                                        <p:cTn dur="1000"/>
+                                        <p:cTn id="14" dur="1000"/>
                                         <p:tgtEl>
                                           <p:spTgt spid="65"/>
                                         </p:tgtEl>
@@ -7677,12 +7830,12 @@
                                         </p:attrNameLst>
                                       </p:cBhvr>
                                       <p:tavLst>
-                                        <p:tav fmla="" tm="0">
+                                        <p:tav tm="0">
                                           <p:val>
                                             <p:strVal val="0"/>
                                           </p:val>
                                         </p:tav>
-                                        <p:tav fmla="" tm="100000">
+                                        <p:tav tm="100000">
                                           <p:val>
                                             <p:strVal val="#ppt_h"/>
                                           </p:val>
@@ -7701,14 +7854,14 @@
                 </p:childTnLst>
               </p:cTn>
               <p:prevCondLst>
-                <p:cond evt="onPrev">
+                <p:cond evt="onPrev" delay="0">
                   <p:tgtEl>
                     <p:sldTgt/>
                   </p:tgtEl>
                 </p:cond>
               </p:prevCondLst>
               <p:nextCondLst>
-                <p:cond evt="onNext">
+                <p:cond evt="onNext" delay="0">
                   <p:tgtEl>
                     <p:sldTgt/>
                   </p:tgtEl>
@@ -7724,11 +7877,11 @@
 </file>
 
 <file path=ppt/slides/slide3.xml><?xml version="1.0" encoding="utf-8"?>
-<p:sld xmlns:a="http://schemas.openxmlformats.org/drawingml/2006/main" xmlns:r="http://schemas.openxmlformats.org/officeDocument/2006/relationships" xmlns:mc="http://schemas.openxmlformats.org/markup-compatibility/2006" xmlns:mv="urn:schemas-microsoft-com:mac:vml" xmlns:p="http://schemas.openxmlformats.org/presentationml/2006/main" xmlns:c="http://schemas.openxmlformats.org/drawingml/2006/chart" xmlns:dgm="http://schemas.openxmlformats.org/drawingml/2006/diagram" xmlns:o="urn:schemas-microsoft-com:office:office" xmlns:v="urn:schemas-microsoft-com:vml" xmlns:pvml="urn:schemas-microsoft-com:office:powerpoint" xmlns:com="http://schemas.openxmlformats.org/drawingml/2006/compatibility" xmlns:p14="http://schemas.microsoft.com/office/powerpoint/2010/main" xmlns:p15="http://schemas.microsoft.com/office/powerpoint/2012/main">
+<p:sld xmlns:a="http://schemas.openxmlformats.org/drawingml/2006/main" xmlns:r="http://schemas.openxmlformats.org/officeDocument/2006/relationships" xmlns:p="http://schemas.openxmlformats.org/presentationml/2006/main">
   <p:cSld>
     <p:spTree>
       <p:nvGrpSpPr>
-        <p:cNvPr id="69" name="Shape 69"/>
+        <p:cNvPr id="1" name="Shape 69"/>
         <p:cNvGrpSpPr/>
         <p:nvPr/>
       </p:nvGrpSpPr>
@@ -7743,7 +7896,9 @@
       <p:sp>
         <p:nvSpPr>
           <p:cNvPr id="70" name="Google Shape;70;p15"/>
-          <p:cNvSpPr txBox="1"/>
+          <p:cNvSpPr txBox="1">
+            <a:spLocks noGrp="1"/>
+          </p:cNvSpPr>
           <p:nvPr>
             <p:ph type="title"/>
           </p:nvPr>
@@ -7758,12 +7913,12 @@
           </a:prstGeom>
         </p:spPr>
         <p:txBody>
-          <a:bodyPr anchorCtr="0" anchor="t" bIns="91425" lIns="91425" spcFirstLastPara="1" rIns="91425" wrap="square" tIns="91425">
+          <a:bodyPr spcFirstLastPara="1" wrap="square" lIns="91425" tIns="91425" rIns="91425" bIns="91425" anchor="t" anchorCtr="0">
             <a:noAutofit/>
           </a:bodyPr>
           <a:lstStyle/>
           <a:p>
-            <a:pPr indent="0" lvl="0" marL="0" rtl="0" algn="ctr">
+            <a:pPr marL="0" lvl="0" indent="0" algn="ctr" rtl="0">
               <a:spcBef>
                 <a:spcPts val="0"/>
               </a:spcBef>
@@ -7940,7 +8095,7 @@
           <a:blip r:embed="rId8">
             <a:alphaModFix/>
           </a:blip>
-          <a:srcRect b="46297" l="0" r="0" t="0"/>
+          <a:srcRect b="46297"/>
           <a:stretch/>
         </p:blipFill>
         <p:spPr>
@@ -7994,11 +8149,11 @@
 </file>
 
 <file path=ppt/slides/slide4.xml><?xml version="1.0" encoding="utf-8"?>
-<p:sld xmlns:a="http://schemas.openxmlformats.org/drawingml/2006/main" xmlns:r="http://schemas.openxmlformats.org/officeDocument/2006/relationships" xmlns:mc="http://schemas.openxmlformats.org/markup-compatibility/2006" xmlns:mv="urn:schemas-microsoft-com:mac:vml" xmlns:p="http://schemas.openxmlformats.org/presentationml/2006/main" xmlns:c="http://schemas.openxmlformats.org/drawingml/2006/chart" xmlns:dgm="http://schemas.openxmlformats.org/drawingml/2006/diagram" xmlns:o="urn:schemas-microsoft-com:office:office" xmlns:v="urn:schemas-microsoft-com:vml" xmlns:pvml="urn:schemas-microsoft-com:office:powerpoint" xmlns:com="http://schemas.openxmlformats.org/drawingml/2006/compatibility" xmlns:p14="http://schemas.microsoft.com/office/powerpoint/2010/main" xmlns:p15="http://schemas.microsoft.com/office/powerpoint/2012/main">
+<p:sld xmlns:a="http://schemas.openxmlformats.org/drawingml/2006/main" xmlns:r="http://schemas.openxmlformats.org/officeDocument/2006/relationships" xmlns:p="http://schemas.openxmlformats.org/presentationml/2006/main">
   <p:cSld>
     <p:spTree>
       <p:nvGrpSpPr>
-        <p:cNvPr id="81" name="Shape 81"/>
+        <p:cNvPr id="1" name="Shape 81"/>
         <p:cNvGrpSpPr/>
         <p:nvPr/>
       </p:nvGrpSpPr>
@@ -8013,7 +8168,9 @@
       <p:sp>
         <p:nvSpPr>
           <p:cNvPr id="82" name="Google Shape;82;p16"/>
-          <p:cNvSpPr txBox="1"/>
+          <p:cNvSpPr txBox="1">
+            <a:spLocks noGrp="1"/>
+          </p:cNvSpPr>
           <p:nvPr>
             <p:ph type="title"/>
           </p:nvPr>
@@ -8028,12 +8185,12 @@
           </a:prstGeom>
         </p:spPr>
         <p:txBody>
-          <a:bodyPr anchorCtr="0" anchor="t" bIns="91425" lIns="91425" spcFirstLastPara="1" rIns="91425" wrap="square" tIns="91425">
+          <a:bodyPr spcFirstLastPara="1" wrap="square" lIns="91425" tIns="91425" rIns="91425" bIns="91425" anchor="t" anchorCtr="0">
             <a:noAutofit/>
           </a:bodyPr>
           <a:lstStyle/>
           <a:p>
-            <a:pPr indent="0" lvl="0" marL="0" rtl="0" algn="ctr">
+            <a:pPr marL="0" lvl="0" indent="0" algn="ctr" rtl="0">
               <a:spcBef>
                 <a:spcPts val="0"/>
               </a:spcBef>
@@ -8043,7 +8200,7 @@
               <a:buNone/>
             </a:pPr>
             <a:r>
-              <a:rPr b="1" lang="es" sz="4800">
+              <a:rPr lang="es" sz="4800" b="1">
                 <a:latin typeface="Impact"/>
                 <a:ea typeface="Impact"/>
                 <a:cs typeface="Impact"/>
@@ -8051,7 +8208,7 @@
               </a:rPr>
               <a:t>IMPLEMENTACIÓN</a:t>
             </a:r>
-            <a:endParaRPr b="1" sz="4800">
+            <a:endParaRPr sz="4800" b="1">
               <a:latin typeface="Impact"/>
               <a:ea typeface="Impact"/>
               <a:cs typeface="Impact"/>
@@ -8124,32 +8281,32 @@
   <p:timing>
     <p:tnLst>
       <p:par>
-        <p:cTn dur="indefinite" nodeType="tmRoot" restart="never">
+        <p:cTn id="1" dur="indefinite" restart="never" nodeType="tmRoot">
           <p:childTnLst>
             <p:seq concurrent="1" nextAc="seek">
-              <p:cTn dur="indefinite" id="2" nodeType="mainSeq">
+              <p:cTn id="2" dur="indefinite" nodeType="mainSeq">
                 <p:childTnLst>
                   <p:par>
-                    <p:cTn fill="hold">
+                    <p:cTn id="3" fill="hold">
                       <p:stCondLst>
                         <p:cond delay="indefinite"/>
                       </p:stCondLst>
                       <p:childTnLst>
                         <p:par>
-                          <p:cTn fill="hold">
+                          <p:cTn id="4" fill="hold">
                             <p:stCondLst>
                               <p:cond delay="0"/>
                             </p:stCondLst>
                             <p:childTnLst>
                               <p:par>
-                                <p:cTn fill="hold" nodeType="clickEffect" presetClass="entr" presetID="10" presetSubtype="0">
+                                <p:cTn id="5" presetID="10" presetClass="entr" presetSubtype="0" fill="hold" nodeType="clickEffect">
                                   <p:stCondLst>
                                     <p:cond delay="0"/>
                                   </p:stCondLst>
                                   <p:childTnLst>
                                     <p:set>
                                       <p:cBhvr>
-                                        <p:cTn dur="1" fill="hold">
+                                        <p:cTn id="6" dur="1" fill="hold">
                                           <p:stCondLst>
                                             <p:cond delay="0"/>
                                           </p:stCondLst>
@@ -8165,9 +8322,9 @@
                                         <p:strVal val="visible"/>
                                       </p:to>
                                     </p:set>
-                                    <p:animEffect filter="fade" transition="in">
+                                    <p:animEffect transition="in" filter="fade">
                                       <p:cBhvr>
-                                        <p:cTn dur="1000"/>
+                                        <p:cTn id="7" dur="1000"/>
                                         <p:tgtEl>
                                           <p:spTgt spid="84"/>
                                         </p:tgtEl>
@@ -8185,14 +8342,14 @@
                 </p:childTnLst>
               </p:cTn>
               <p:prevCondLst>
-                <p:cond evt="onPrev">
+                <p:cond evt="onPrev" delay="0">
                   <p:tgtEl>
                     <p:sldTgt/>
                   </p:tgtEl>
                 </p:cond>
               </p:prevCondLst>
               <p:nextCondLst>
-                <p:cond evt="onNext">
+                <p:cond evt="onNext" delay="0">
                   <p:tgtEl>
                     <p:sldTgt/>
                   </p:tgtEl>
@@ -8208,11 +8365,11 @@
 </file>
 
 <file path=ppt/slides/slide5.xml><?xml version="1.0" encoding="utf-8"?>
-<p:sld xmlns:a="http://schemas.openxmlformats.org/drawingml/2006/main" xmlns:r="http://schemas.openxmlformats.org/officeDocument/2006/relationships" xmlns:mc="http://schemas.openxmlformats.org/markup-compatibility/2006" xmlns:mv="urn:schemas-microsoft-com:mac:vml" xmlns:p="http://schemas.openxmlformats.org/presentationml/2006/main" xmlns:c="http://schemas.openxmlformats.org/drawingml/2006/chart" xmlns:dgm="http://schemas.openxmlformats.org/drawingml/2006/diagram" xmlns:o="urn:schemas-microsoft-com:office:office" xmlns:v="urn:schemas-microsoft-com:vml" xmlns:pvml="urn:schemas-microsoft-com:office:powerpoint" xmlns:com="http://schemas.openxmlformats.org/drawingml/2006/compatibility" xmlns:p14="http://schemas.microsoft.com/office/powerpoint/2010/main" xmlns:p15="http://schemas.microsoft.com/office/powerpoint/2012/main">
+<p:sld xmlns:a="http://schemas.openxmlformats.org/drawingml/2006/main" xmlns:r="http://schemas.openxmlformats.org/officeDocument/2006/relationships" xmlns:p="http://schemas.openxmlformats.org/presentationml/2006/main">
   <p:cSld>
     <p:spTree>
       <p:nvGrpSpPr>
-        <p:cNvPr id="88" name="Shape 88"/>
+        <p:cNvPr id="1" name="Shape 88"/>
         <p:cNvGrpSpPr/>
         <p:nvPr/>
       </p:nvGrpSpPr>
@@ -8255,7 +8412,9 @@
       <p:sp>
         <p:nvSpPr>
           <p:cNvPr id="90" name="Google Shape;90;p17"/>
-          <p:cNvSpPr txBox="1"/>
+          <p:cNvSpPr txBox="1">
+            <a:spLocks noGrp="1"/>
+          </p:cNvSpPr>
           <p:nvPr>
             <p:ph type="title"/>
           </p:nvPr>
@@ -8270,12 +8429,12 @@
           </a:prstGeom>
         </p:spPr>
         <p:txBody>
-          <a:bodyPr anchorCtr="0" anchor="t" bIns="91425" lIns="91425" spcFirstLastPara="1" rIns="91425" wrap="square" tIns="91425">
+          <a:bodyPr spcFirstLastPara="1" wrap="square" lIns="91425" tIns="91425" rIns="91425" bIns="91425" anchor="t" anchorCtr="0">
             <a:noAutofit/>
           </a:bodyPr>
           <a:lstStyle/>
           <a:p>
-            <a:pPr indent="0" lvl="0" marL="0" rtl="0" algn="ctr">
+            <a:pPr marL="0" lvl="0" indent="0" algn="ctr" rtl="0">
               <a:spcBef>
                 <a:spcPts val="0"/>
               </a:spcBef>
@@ -8285,7 +8444,7 @@
               <a:buNone/>
             </a:pPr>
             <a:r>
-              <a:rPr b="1" lang="es" sz="4800">
+              <a:rPr lang="es" sz="4800" b="1">
                 <a:latin typeface="Impact"/>
                 <a:ea typeface="Impact"/>
                 <a:cs typeface="Impact"/>
@@ -8293,7 +8452,7 @@
               </a:rPr>
               <a:t>IMPLEMENTACIÓN</a:t>
             </a:r>
-            <a:endParaRPr b="1" sz="4800">
+            <a:endParaRPr sz="4800" b="1">
               <a:latin typeface="Impact"/>
               <a:ea typeface="Impact"/>
               <a:cs typeface="Impact"/>
@@ -8338,32 +8497,32 @@
   <p:timing>
     <p:tnLst>
       <p:par>
-        <p:cTn dur="indefinite" nodeType="tmRoot" restart="never">
+        <p:cTn id="1" dur="indefinite" restart="never" nodeType="tmRoot">
           <p:childTnLst>
             <p:seq concurrent="1" nextAc="seek">
-              <p:cTn dur="indefinite" id="2" nodeType="mainSeq">
+              <p:cTn id="2" dur="indefinite" nodeType="mainSeq">
                 <p:childTnLst>
                   <p:par>
-                    <p:cTn fill="hold">
+                    <p:cTn id="3" fill="hold">
                       <p:stCondLst>
                         <p:cond delay="indefinite"/>
                       </p:stCondLst>
                       <p:childTnLst>
                         <p:par>
-                          <p:cTn fill="hold">
+                          <p:cTn id="4" fill="hold">
                             <p:stCondLst>
                               <p:cond delay="0"/>
                             </p:stCondLst>
                             <p:childTnLst>
                               <p:par>
-                                <p:cTn fill="hold" nodeType="clickEffect" presetClass="entr" presetID="2" presetSubtype="1">
+                                <p:cTn id="5" presetID="2" presetClass="entr" presetSubtype="1" fill="hold" nodeType="clickEffect">
                                   <p:stCondLst>
                                     <p:cond delay="0"/>
                                   </p:stCondLst>
                                   <p:childTnLst>
                                     <p:set>
                                       <p:cBhvr>
-                                        <p:cTn dur="1" fill="hold">
+                                        <p:cTn id="6" dur="1" fill="hold">
                                           <p:stCondLst>
                                             <p:cond delay="0"/>
                                           </p:stCondLst>
@@ -8381,7 +8540,7 @@
                                     </p:set>
                                     <p:anim calcmode="lin" valueType="num">
                                       <p:cBhvr additive="base">
-                                        <p:cTn dur="1000"/>
+                                        <p:cTn id="7" dur="1000"/>
                                         <p:tgtEl>
                                           <p:spTgt spid="91"/>
                                         </p:tgtEl>
@@ -8390,12 +8549,12 @@
                                         </p:attrNameLst>
                                       </p:cBhvr>
                                       <p:tavLst>
-                                        <p:tav fmla="" tm="0">
+                                        <p:tav tm="0">
                                           <p:val>
                                             <p:strVal val="#ppt_y-1"/>
                                           </p:val>
                                         </p:tav>
-                                        <p:tav fmla="" tm="100000">
+                                        <p:tav tm="100000">
                                           <p:val>
                                             <p:strVal val="#ppt_y"/>
                                           </p:val>
@@ -8406,14 +8565,14 @@
                                 </p:cTn>
                               </p:par>
                               <p:par>
-                                <p:cTn fill="hold" nodeType="withEffect" presetClass="exit" presetID="2" presetSubtype="4">
+                                <p:cTn id="8" presetID="2" presetClass="exit" presetSubtype="4" fill="hold" nodeType="withEffect">
                                   <p:stCondLst>
                                     <p:cond delay="0"/>
                                   </p:stCondLst>
                                   <p:childTnLst>
                                     <p:anim calcmode="lin" valueType="num">
                                       <p:cBhvr additive="base">
-                                        <p:cTn dur="1000"/>
+                                        <p:cTn id="9" dur="1000"/>
                                         <p:tgtEl>
                                           <p:spTgt spid="89"/>
                                         </p:tgtEl>
@@ -8422,12 +8581,12 @@
                                         </p:attrNameLst>
                                       </p:cBhvr>
                                       <p:tavLst>
-                                        <p:tav fmla="" tm="0">
+                                        <p:tav tm="0">
                                           <p:val>
                                             <p:strVal val="#ppt_y"/>
                                           </p:val>
                                         </p:tav>
-                                        <p:tav fmla="" tm="100000">
+                                        <p:tav tm="100000">
                                           <p:val>
                                             <p:strVal val="#ppt_y+1"/>
                                           </p:val>
@@ -8436,7 +8595,7 @@
                                     </p:anim>
                                     <p:set>
                                       <p:cBhvr>
-                                        <p:cTn dur="1" fill="hold">
+                                        <p:cTn id="10" dur="1" fill="hold">
                                           <p:stCondLst>
                                             <p:cond delay="1000"/>
                                           </p:stCondLst>
@@ -8464,14 +8623,14 @@
                 </p:childTnLst>
               </p:cTn>
               <p:prevCondLst>
-                <p:cond evt="onPrev">
+                <p:cond evt="onPrev" delay="0">
                   <p:tgtEl>
                     <p:sldTgt/>
                   </p:tgtEl>
                 </p:cond>
               </p:prevCondLst>
               <p:nextCondLst>
-                <p:cond evt="onNext">
+                <p:cond evt="onNext" delay="0">
                   <p:tgtEl>
                     <p:sldTgt/>
                   </p:tgtEl>
@@ -8487,11 +8646,11 @@
 </file>
 
 <file path=ppt/slides/slide6.xml><?xml version="1.0" encoding="utf-8"?>
-<p:sld xmlns:a="http://schemas.openxmlformats.org/drawingml/2006/main" xmlns:r="http://schemas.openxmlformats.org/officeDocument/2006/relationships" xmlns:mc="http://schemas.openxmlformats.org/markup-compatibility/2006" xmlns:mv="urn:schemas-microsoft-com:mac:vml" xmlns:p="http://schemas.openxmlformats.org/presentationml/2006/main" xmlns:c="http://schemas.openxmlformats.org/drawingml/2006/chart" xmlns:dgm="http://schemas.openxmlformats.org/drawingml/2006/diagram" xmlns:o="urn:schemas-microsoft-com:office:office" xmlns:v="urn:schemas-microsoft-com:vml" xmlns:pvml="urn:schemas-microsoft-com:office:powerpoint" xmlns:com="http://schemas.openxmlformats.org/drawingml/2006/compatibility" xmlns:p14="http://schemas.microsoft.com/office/powerpoint/2010/main" xmlns:p15="http://schemas.microsoft.com/office/powerpoint/2012/main">
+<p:sld xmlns:a="http://schemas.openxmlformats.org/drawingml/2006/main" xmlns:r="http://schemas.openxmlformats.org/officeDocument/2006/relationships" xmlns:p="http://schemas.openxmlformats.org/presentationml/2006/main">
   <p:cSld>
     <p:spTree>
       <p:nvGrpSpPr>
-        <p:cNvPr id="95" name="Shape 95"/>
+        <p:cNvPr id="1" name="Shape 95"/>
         <p:cNvGrpSpPr/>
         <p:nvPr/>
       </p:nvGrpSpPr>
@@ -8506,7 +8665,9 @@
       <p:sp>
         <p:nvSpPr>
           <p:cNvPr id="96" name="Google Shape;96;p18"/>
-          <p:cNvSpPr txBox="1"/>
+          <p:cNvSpPr txBox="1">
+            <a:spLocks noGrp="1"/>
+          </p:cNvSpPr>
           <p:nvPr>
             <p:ph type="title"/>
           </p:nvPr>
@@ -8521,12 +8682,12 @@
           </a:prstGeom>
         </p:spPr>
         <p:txBody>
-          <a:bodyPr anchorCtr="0" anchor="t" bIns="91425" lIns="91425" spcFirstLastPara="1" rIns="91425" wrap="square" tIns="91425">
+          <a:bodyPr spcFirstLastPara="1" wrap="square" lIns="91425" tIns="91425" rIns="91425" bIns="91425" anchor="t" anchorCtr="0">
             <a:noAutofit/>
           </a:bodyPr>
           <a:lstStyle/>
           <a:p>
-            <a:pPr indent="0" lvl="0" marL="0" rtl="0" algn="ctr">
+            <a:pPr marL="0" lvl="0" indent="0" algn="ctr" rtl="0">
               <a:spcBef>
                 <a:spcPts val="0"/>
               </a:spcBef>
@@ -8536,7 +8697,7 @@
               <a:buNone/>
             </a:pPr>
             <a:r>
-              <a:rPr b="1" lang="es" sz="4800">
+              <a:rPr lang="es" sz="4800" b="1">
                 <a:latin typeface="Lora"/>
                 <a:ea typeface="Lora"/>
                 <a:cs typeface="Lora"/>
@@ -8544,7 +8705,7 @@
               </a:rPr>
               <a:t>IMPLEMENTACIÓN</a:t>
             </a:r>
-            <a:endParaRPr b="1" sz="4800">
+            <a:endParaRPr sz="4800" b="1">
               <a:latin typeface="Lora"/>
               <a:ea typeface="Lora"/>
               <a:cs typeface="Lora"/>
@@ -8700,7 +8861,7 @@
           <p:nvPr/>
         </p:nvPicPr>
         <p:blipFill>
-          <a:blip r:embed="rId8">
+          <a:blip r:embed="rId6">
             <a:alphaModFix/>
           </a:blip>
           <a:stretch>
@@ -8730,11 +8891,11 @@
 </file>
 
 <file path=ppt/slides/slide7.xml><?xml version="1.0" encoding="utf-8"?>
-<p:sld xmlns:a="http://schemas.openxmlformats.org/drawingml/2006/main" xmlns:r="http://schemas.openxmlformats.org/officeDocument/2006/relationships" xmlns:mc="http://schemas.openxmlformats.org/markup-compatibility/2006" xmlns:mv="urn:schemas-microsoft-com:mac:vml" xmlns:p="http://schemas.openxmlformats.org/presentationml/2006/main" xmlns:c="http://schemas.openxmlformats.org/drawingml/2006/chart" xmlns:dgm="http://schemas.openxmlformats.org/drawingml/2006/diagram" xmlns:o="urn:schemas-microsoft-com:office:office" xmlns:v="urn:schemas-microsoft-com:vml" xmlns:pvml="urn:schemas-microsoft-com:office:powerpoint" xmlns:com="http://schemas.openxmlformats.org/drawingml/2006/compatibility" xmlns:p14="http://schemas.microsoft.com/office/powerpoint/2010/main" xmlns:p15="http://schemas.microsoft.com/office/powerpoint/2012/main">
+<p:sld xmlns:a="http://schemas.openxmlformats.org/drawingml/2006/main" xmlns:r="http://schemas.openxmlformats.org/officeDocument/2006/relationships" xmlns:p="http://schemas.openxmlformats.org/presentationml/2006/main">
   <p:cSld>
     <p:spTree>
       <p:nvGrpSpPr>
-        <p:cNvPr id="106" name="Shape 106"/>
+        <p:cNvPr id="1" name="Shape 106"/>
         <p:cNvGrpSpPr/>
         <p:nvPr/>
       </p:nvGrpSpPr>
@@ -8749,7 +8910,9 @@
       <p:sp>
         <p:nvSpPr>
           <p:cNvPr id="107" name="Google Shape;107;p19"/>
-          <p:cNvSpPr txBox="1"/>
+          <p:cNvSpPr txBox="1">
+            <a:spLocks noGrp="1"/>
+          </p:cNvSpPr>
           <p:nvPr>
             <p:ph type="title"/>
           </p:nvPr>
@@ -8764,12 +8927,12 @@
           </a:prstGeom>
         </p:spPr>
         <p:txBody>
-          <a:bodyPr anchorCtr="0" anchor="t" bIns="91425" lIns="91425" spcFirstLastPara="1" rIns="91425" wrap="square" tIns="91425">
+          <a:bodyPr spcFirstLastPara="1" wrap="square" lIns="91425" tIns="91425" rIns="91425" bIns="91425" anchor="t" anchorCtr="0">
             <a:noAutofit/>
           </a:bodyPr>
           <a:lstStyle/>
           <a:p>
-            <a:pPr indent="0" lvl="0" marL="0" rtl="0" algn="ctr">
+            <a:pPr marL="0" lvl="0" indent="0" algn="ctr" rtl="0">
               <a:spcBef>
                 <a:spcPts val="0"/>
               </a:spcBef>
@@ -9040,12 +9203,12 @@
           </a:ln>
         </p:spPr>
         <p:txBody>
-          <a:bodyPr anchorCtr="0" anchor="t" bIns="91425" lIns="91425" spcFirstLastPara="1" rIns="91425" wrap="square" tIns="91425">
+          <a:bodyPr spcFirstLastPara="1" wrap="square" lIns="91425" tIns="91425" rIns="91425" bIns="91425" anchor="t" anchorCtr="0">
             <a:noAutofit/>
           </a:bodyPr>
           <a:lstStyle/>
           <a:p>
-            <a:pPr indent="0" lvl="0" marL="0" rtl="0" algn="l">
+            <a:pPr marL="0" lvl="0" indent="0" algn="l" rtl="0">
               <a:spcBef>
                 <a:spcPts val="0"/>
               </a:spcBef>
@@ -9187,32 +9350,32 @@
   <p:timing>
     <p:tnLst>
       <p:par>
-        <p:cTn dur="indefinite" nodeType="tmRoot" restart="never">
+        <p:cTn id="1" dur="indefinite" restart="never" nodeType="tmRoot">
           <p:childTnLst>
             <p:seq concurrent="1" nextAc="seek">
-              <p:cTn dur="indefinite" id="2" nodeType="mainSeq">
+              <p:cTn id="2" dur="indefinite" nodeType="mainSeq">
                 <p:childTnLst>
                   <p:par>
-                    <p:cTn fill="hold">
+                    <p:cTn id="3" fill="hold">
                       <p:stCondLst>
                         <p:cond delay="indefinite"/>
                       </p:stCondLst>
                       <p:childTnLst>
                         <p:par>
-                          <p:cTn fill="hold">
+                          <p:cTn id="4" fill="hold">
                             <p:stCondLst>
                               <p:cond delay="0"/>
                             </p:stCondLst>
                             <p:childTnLst>
                               <p:par>
-                                <p:cTn fill="hold" nodeType="clickEffect" presetClass="entr" presetID="10" presetSubtype="0">
+                                <p:cTn id="5" presetID="10" presetClass="entr" presetSubtype="0" fill="hold" nodeType="clickEffect">
                                   <p:stCondLst>
                                     <p:cond delay="0"/>
                                   </p:stCondLst>
                                   <p:childTnLst>
                                     <p:set>
                                       <p:cBhvr>
-                                        <p:cTn dur="1" fill="hold">
+                                        <p:cTn id="6" dur="1" fill="hold">
                                           <p:stCondLst>
                                             <p:cond delay="0"/>
                                           </p:stCondLst>
@@ -9228,9 +9391,9 @@
                                         <p:strVal val="visible"/>
                                       </p:to>
                                     </p:set>
-                                    <p:animEffect filter="fade" transition="in">
+                                    <p:animEffect transition="in" filter="fade">
                                       <p:cBhvr>
-                                        <p:cTn dur="1000"/>
+                                        <p:cTn id="7" dur="1000"/>
                                         <p:tgtEl>
                                           <p:spTgt spid="108"/>
                                         </p:tgtEl>
@@ -9240,14 +9403,14 @@
                                 </p:cTn>
                               </p:par>
                               <p:par>
-                                <p:cTn fill="hold" nodeType="withEffect" presetClass="entr" presetID="10" presetSubtype="0">
+                                <p:cTn id="8" presetID="10" presetClass="entr" presetSubtype="0" fill="hold" nodeType="withEffect">
                                   <p:stCondLst>
                                     <p:cond delay="0"/>
                                   </p:stCondLst>
                                   <p:childTnLst>
                                     <p:set>
                                       <p:cBhvr>
-                                        <p:cTn dur="1" fill="hold">
+                                        <p:cTn id="9" dur="1" fill="hold">
                                           <p:stCondLst>
                                             <p:cond delay="0"/>
                                           </p:stCondLst>
@@ -9263,9 +9426,9 @@
                                         <p:strVal val="visible"/>
                                       </p:to>
                                     </p:set>
-                                    <p:animEffect filter="fade" transition="in">
+                                    <p:animEffect transition="in" filter="fade">
                                       <p:cBhvr>
-                                        <p:cTn dur="1000"/>
+                                        <p:cTn id="10" dur="1000"/>
                                         <p:tgtEl>
                                           <p:spTgt spid="109"/>
                                         </p:tgtEl>
@@ -9275,14 +9438,14 @@
                                 </p:cTn>
                               </p:par>
                               <p:par>
-                                <p:cTn fill="hold" nodeType="withEffect" presetClass="entr" presetID="10" presetSubtype="0">
+                                <p:cTn id="11" presetID="10" presetClass="entr" presetSubtype="0" fill="hold" nodeType="withEffect">
                                   <p:stCondLst>
                                     <p:cond delay="0"/>
                                   </p:stCondLst>
                                   <p:childTnLst>
                                     <p:set>
                                       <p:cBhvr>
-                                        <p:cTn dur="1" fill="hold">
+                                        <p:cTn id="12" dur="1" fill="hold">
                                           <p:stCondLst>
                                             <p:cond delay="0"/>
                                           </p:stCondLst>
@@ -9298,9 +9461,9 @@
                                         <p:strVal val="visible"/>
                                       </p:to>
                                     </p:set>
-                                    <p:animEffect filter="fade" transition="in">
+                                    <p:animEffect transition="in" filter="fade">
                                       <p:cBhvr>
-                                        <p:cTn dur="1000"/>
+                                        <p:cTn id="13" dur="1000"/>
                                         <p:tgtEl>
                                           <p:spTgt spid="110"/>
                                         </p:tgtEl>
@@ -9310,14 +9473,14 @@
                                 </p:cTn>
                               </p:par>
                               <p:par>
-                                <p:cTn fill="hold" nodeType="withEffect" presetClass="entr" presetID="10" presetSubtype="0">
+                                <p:cTn id="14" presetID="10" presetClass="entr" presetSubtype="0" fill="hold" nodeType="withEffect">
                                   <p:stCondLst>
                                     <p:cond delay="0"/>
                                   </p:stCondLst>
                                   <p:childTnLst>
                                     <p:set>
                                       <p:cBhvr>
-                                        <p:cTn dur="1" fill="hold">
+                                        <p:cTn id="15" dur="1" fill="hold">
                                           <p:stCondLst>
                                             <p:cond delay="0"/>
                                           </p:stCondLst>
@@ -9333,9 +9496,9 @@
                                         <p:strVal val="visible"/>
                                       </p:to>
                                     </p:set>
-                                    <p:animEffect filter="fade" transition="in">
+                                    <p:animEffect transition="in" filter="fade">
                                       <p:cBhvr>
-                                        <p:cTn dur="1000"/>
+                                        <p:cTn id="16" dur="1000"/>
                                         <p:tgtEl>
                                           <p:spTgt spid="111"/>
                                         </p:tgtEl>
@@ -9345,14 +9508,14 @@
                                 </p:cTn>
                               </p:par>
                               <p:par>
-                                <p:cTn fill="hold" nodeType="withEffect" presetClass="entr" presetID="2" presetSubtype="2">
+                                <p:cTn id="17" presetID="2" presetClass="entr" presetSubtype="2" fill="hold" nodeType="withEffect">
                                   <p:stCondLst>
                                     <p:cond delay="0"/>
                                   </p:stCondLst>
                                   <p:childTnLst>
                                     <p:set>
                                       <p:cBhvr>
-                                        <p:cTn dur="1" fill="hold">
+                                        <p:cTn id="18" dur="1" fill="hold">
                                           <p:stCondLst>
                                             <p:cond delay="0"/>
                                           </p:stCondLst>
@@ -9370,7 +9533,7 @@
                                     </p:set>
                                     <p:anim calcmode="lin" valueType="num">
                                       <p:cBhvr additive="base">
-                                        <p:cTn dur="1000"/>
+                                        <p:cTn id="19" dur="1000"/>
                                         <p:tgtEl>
                                           <p:spTgt spid="113"/>
                                         </p:tgtEl>
@@ -9379,12 +9542,12 @@
                                         </p:attrNameLst>
                                       </p:cBhvr>
                                       <p:tavLst>
-                                        <p:tav fmla="" tm="0">
+                                        <p:tav tm="0">
                                           <p:val>
                                             <p:strVal val="#ppt_x+1"/>
                                           </p:val>
                                         </p:tav>
-                                        <p:tav fmla="" tm="100000">
+                                        <p:tav tm="100000">
                                           <p:val>
                                             <p:strVal val="#ppt_x"/>
                                           </p:val>
@@ -9395,14 +9558,14 @@
                                 </p:cTn>
                               </p:par>
                               <p:par>
-                                <p:cTn fill="hold" nodeType="withEffect" presetClass="entr" presetID="2" presetSubtype="2">
+                                <p:cTn id="20" presetID="2" presetClass="entr" presetSubtype="2" fill="hold" nodeType="withEffect">
                                   <p:stCondLst>
                                     <p:cond delay="0"/>
                                   </p:stCondLst>
                                   <p:childTnLst>
                                     <p:set>
                                       <p:cBhvr>
-                                        <p:cTn dur="1" fill="hold">
+                                        <p:cTn id="21" dur="1" fill="hold">
                                           <p:stCondLst>
                                             <p:cond delay="0"/>
                                           </p:stCondLst>
@@ -9420,7 +9583,7 @@
                                     </p:set>
                                     <p:anim calcmode="lin" valueType="num">
                                       <p:cBhvr additive="base">
-                                        <p:cTn dur="1000"/>
+                                        <p:cTn id="22" dur="1000"/>
                                         <p:tgtEl>
                                           <p:spTgt spid="114"/>
                                         </p:tgtEl>
@@ -9429,12 +9592,12 @@
                                         </p:attrNameLst>
                                       </p:cBhvr>
                                       <p:tavLst>
-                                        <p:tav fmla="" tm="0">
+                                        <p:tav tm="0">
                                           <p:val>
                                             <p:strVal val="#ppt_x+1"/>
                                           </p:val>
                                         </p:tav>
-                                        <p:tav fmla="" tm="100000">
+                                        <p:tav tm="100000">
                                           <p:val>
                                             <p:strVal val="#ppt_x"/>
                                           </p:val>
@@ -9445,14 +9608,14 @@
                                 </p:cTn>
                               </p:par>
                               <p:par>
-                                <p:cTn fill="hold" nodeType="withEffect" presetClass="entr" presetID="2" presetSubtype="2">
+                                <p:cTn id="23" presetID="2" presetClass="entr" presetSubtype="2" fill="hold" nodeType="withEffect">
                                   <p:stCondLst>
                                     <p:cond delay="0"/>
                                   </p:stCondLst>
                                   <p:childTnLst>
                                     <p:set>
                                       <p:cBhvr>
-                                        <p:cTn dur="1" fill="hold">
+                                        <p:cTn id="24" dur="1" fill="hold">
                                           <p:stCondLst>
                                             <p:cond delay="0"/>
                                           </p:stCondLst>
@@ -9470,7 +9633,7 @@
                                     </p:set>
                                     <p:anim calcmode="lin" valueType="num">
                                       <p:cBhvr additive="base">
-                                        <p:cTn dur="1000"/>
+                                        <p:cTn id="25" dur="1000"/>
                                         <p:tgtEl>
                                           <p:spTgt spid="115"/>
                                         </p:tgtEl>
@@ -9479,12 +9642,12 @@
                                         </p:attrNameLst>
                                       </p:cBhvr>
                                       <p:tavLst>
-                                        <p:tav fmla="" tm="0">
+                                        <p:tav tm="0">
                                           <p:val>
                                             <p:strVal val="#ppt_x+1"/>
                                           </p:val>
                                         </p:tav>
-                                        <p:tav fmla="" tm="100000">
+                                        <p:tav tm="100000">
                                           <p:val>
                                             <p:strVal val="#ppt_x"/>
                                           </p:val>
@@ -9495,14 +9658,14 @@
                                 </p:cTn>
                               </p:par>
                               <p:par>
-                                <p:cTn fill="hold" nodeType="withEffect" presetClass="entr" presetID="2" presetSubtype="2">
+                                <p:cTn id="26" presetID="2" presetClass="entr" presetSubtype="2" fill="hold" nodeType="withEffect">
                                   <p:stCondLst>
                                     <p:cond delay="0"/>
                                   </p:stCondLst>
                                   <p:childTnLst>
                                     <p:set>
                                       <p:cBhvr>
-                                        <p:cTn dur="1" fill="hold">
+                                        <p:cTn id="27" dur="1" fill="hold">
                                           <p:stCondLst>
                                             <p:cond delay="0"/>
                                           </p:stCondLst>
@@ -9520,7 +9683,7 @@
                                     </p:set>
                                     <p:anim calcmode="lin" valueType="num">
                                       <p:cBhvr additive="base">
-                                        <p:cTn dur="1000"/>
+                                        <p:cTn id="28" dur="1000"/>
                                         <p:tgtEl>
                                           <p:spTgt spid="117"/>
                                         </p:tgtEl>
@@ -9529,12 +9692,12 @@
                                         </p:attrNameLst>
                                       </p:cBhvr>
                                       <p:tavLst>
-                                        <p:tav fmla="" tm="0">
+                                        <p:tav tm="0">
                                           <p:val>
                                             <p:strVal val="#ppt_x+1"/>
                                           </p:val>
                                         </p:tav>
-                                        <p:tav fmla="" tm="100000">
+                                        <p:tav tm="100000">
                                           <p:val>
                                             <p:strVal val="#ppt_x"/>
                                           </p:val>
@@ -9553,14 +9716,14 @@
                 </p:childTnLst>
               </p:cTn>
               <p:prevCondLst>
-                <p:cond evt="onPrev">
+                <p:cond evt="onPrev" delay="0">
                   <p:tgtEl>
                     <p:sldTgt/>
                   </p:tgtEl>
                 </p:cond>
               </p:prevCondLst>
               <p:nextCondLst>
-                <p:cond evt="onNext">
+                <p:cond evt="onNext" delay="0">
                   <p:tgtEl>
                     <p:sldTgt/>
                   </p:tgtEl>
@@ -9576,11 +9739,11 @@
 </file>
 
 <file path=ppt/slides/slide8.xml><?xml version="1.0" encoding="utf-8"?>
-<p:sld xmlns:a="http://schemas.openxmlformats.org/drawingml/2006/main" xmlns:r="http://schemas.openxmlformats.org/officeDocument/2006/relationships" xmlns:mc="http://schemas.openxmlformats.org/markup-compatibility/2006" xmlns:mv="urn:schemas-microsoft-com:mac:vml" xmlns:p="http://schemas.openxmlformats.org/presentationml/2006/main" xmlns:c="http://schemas.openxmlformats.org/drawingml/2006/chart" xmlns:dgm="http://schemas.openxmlformats.org/drawingml/2006/diagram" xmlns:o="urn:schemas-microsoft-com:office:office" xmlns:v="urn:schemas-microsoft-com:vml" xmlns:pvml="urn:schemas-microsoft-com:office:powerpoint" xmlns:com="http://schemas.openxmlformats.org/drawingml/2006/compatibility" xmlns:p14="http://schemas.microsoft.com/office/powerpoint/2010/main" xmlns:p15="http://schemas.microsoft.com/office/powerpoint/2012/main">
+<p:sld xmlns:a="http://schemas.openxmlformats.org/drawingml/2006/main" xmlns:r="http://schemas.openxmlformats.org/officeDocument/2006/relationships" xmlns:p="http://schemas.openxmlformats.org/presentationml/2006/main">
   <p:cSld>
     <p:spTree>
       <p:nvGrpSpPr>
-        <p:cNvPr id="124" name="Shape 124"/>
+        <p:cNvPr id="1" name="Shape 124"/>
         <p:cNvGrpSpPr/>
         <p:nvPr/>
       </p:nvGrpSpPr>
@@ -9595,7 +9758,9 @@
       <p:sp>
         <p:nvSpPr>
           <p:cNvPr id="125" name="Google Shape;125;p20"/>
-          <p:cNvSpPr txBox="1"/>
+          <p:cNvSpPr txBox="1">
+            <a:spLocks noGrp="1"/>
+          </p:cNvSpPr>
           <p:nvPr>
             <p:ph type="title"/>
           </p:nvPr>
@@ -9610,12 +9775,12 @@
           </a:prstGeom>
         </p:spPr>
         <p:txBody>
-          <a:bodyPr anchorCtr="0" anchor="t" bIns="91425" lIns="91425" spcFirstLastPara="1" rIns="91425" wrap="square" tIns="91425">
+          <a:bodyPr spcFirstLastPara="1" wrap="square" lIns="91425" tIns="91425" rIns="91425" bIns="91425" anchor="t" anchorCtr="0">
             <a:noAutofit/>
           </a:bodyPr>
           <a:lstStyle/>
           <a:p>
-            <a:pPr indent="0" lvl="0" marL="0" rtl="0" algn="ctr">
+            <a:pPr marL="0" lvl="0" indent="0" algn="ctr" rtl="0">
               <a:spcBef>
                 <a:spcPts val="0"/>
               </a:spcBef>
@@ -9701,9 +9866,11 @@
       <p:sp>
         <p:nvSpPr>
           <p:cNvPr id="128" name="Google Shape;128;p20"/>
-          <p:cNvSpPr txBox="1"/>
+          <p:cNvSpPr txBox="1">
+            <a:spLocks noGrp="1"/>
+          </p:cNvSpPr>
           <p:nvPr>
-            <p:ph idx="1" type="body"/>
+            <p:ph type="body" idx="1"/>
           </p:nvPr>
         </p:nvSpPr>
         <p:spPr>
@@ -9716,12 +9883,12 @@
           </a:prstGeom>
         </p:spPr>
         <p:txBody>
-          <a:bodyPr anchorCtr="0" anchor="t" bIns="91425" lIns="91425" spcFirstLastPara="1" rIns="91425" wrap="square" tIns="91425">
+          <a:bodyPr spcFirstLastPara="1" wrap="square" lIns="91425" tIns="91425" rIns="91425" bIns="91425" anchor="t" anchorCtr="0">
             <a:noAutofit/>
           </a:bodyPr>
           <a:lstStyle/>
           <a:p>
-            <a:pPr indent="0" lvl="0" marL="0" rtl="0" algn="l">
+            <a:pPr marL="0" lvl="0" indent="0" algn="l" rtl="0">
               <a:spcBef>
                 <a:spcPts val="0"/>
               </a:spcBef>
@@ -9737,7 +9904,7 @@
             <a:endParaRPr sz="2000"/>
           </a:p>
           <a:p>
-            <a:pPr indent="0" lvl="0" marL="0" rtl="0" algn="ctr">
+            <a:pPr marL="0" lvl="0" indent="0" algn="ctr" rtl="0">
               <a:spcBef>
                 <a:spcPts val="1600"/>
               </a:spcBef>
@@ -9753,7 +9920,7 @@
             <a:endParaRPr sz="1700"/>
           </a:p>
           <a:p>
-            <a:pPr indent="0" lvl="0" marL="0" rtl="0" algn="ctr">
+            <a:pPr marL="0" lvl="0" indent="0" algn="ctr" rtl="0">
               <a:spcBef>
                 <a:spcPts val="1600"/>
               </a:spcBef>
@@ -9762,13 +9929,10 @@
               </a:spcAft>
               <a:buNone/>
             </a:pPr>
-            <a:r>
-              <a:t/>
-            </a:r>
             <a:endParaRPr sz="1700"/>
           </a:p>
           <a:p>
-            <a:pPr indent="0" lvl="0" marL="0" rtl="0" algn="ctr">
+            <a:pPr marL="0" lvl="0" indent="0" algn="ctr" rtl="0">
               <a:spcBef>
                 <a:spcPts val="1600"/>
               </a:spcBef>
@@ -9777,13 +9941,10 @@
               </a:spcAft>
               <a:buNone/>
             </a:pPr>
-            <a:r>
-              <a:t/>
-            </a:r>
             <a:endParaRPr sz="1700"/>
           </a:p>
           <a:p>
-            <a:pPr indent="0" lvl="0" marL="0" rtl="0" algn="ctr">
+            <a:pPr marL="0" lvl="0" indent="0" algn="ctr" rtl="0">
               <a:spcBef>
                 <a:spcPts val="1600"/>
               </a:spcBef>
@@ -9792,13 +9953,10 @@
               </a:spcAft>
               <a:buNone/>
             </a:pPr>
-            <a:r>
-              <a:t/>
-            </a:r>
             <a:endParaRPr sz="1700"/>
           </a:p>
           <a:p>
-            <a:pPr indent="0" lvl="0" marL="0" rtl="0" algn="ctr">
+            <a:pPr marL="0" lvl="0" indent="0" algn="ctr" rtl="0">
               <a:spcBef>
                 <a:spcPts val="1600"/>
               </a:spcBef>
@@ -9814,7 +9972,7 @@
             <a:endParaRPr sz="1700"/>
           </a:p>
           <a:p>
-            <a:pPr indent="0" lvl="0" marL="0" rtl="0" algn="ctr">
+            <a:pPr marL="0" lvl="0" indent="0" algn="ctr" rtl="0">
               <a:spcBef>
                 <a:spcPts val="1600"/>
               </a:spcBef>
@@ -9823,13 +9981,10 @@
               </a:spcAft>
               <a:buNone/>
             </a:pPr>
-            <a:r>
-              <a:t/>
-            </a:r>
             <a:endParaRPr sz="1700"/>
           </a:p>
           <a:p>
-            <a:pPr indent="0" lvl="0" marL="0" rtl="0" algn="ctr">
+            <a:pPr marL="0" lvl="0" indent="0" algn="ctr" rtl="0">
               <a:spcBef>
                 <a:spcPts val="1600"/>
               </a:spcBef>
@@ -9838,13 +9993,10 @@
               </a:spcAft>
               <a:buNone/>
             </a:pPr>
-            <a:r>
-              <a:t/>
-            </a:r>
             <a:endParaRPr sz="1700"/>
           </a:p>
           <a:p>
-            <a:pPr indent="0" lvl="0" marL="0" rtl="0" algn="ctr">
+            <a:pPr marL="0" lvl="0" indent="0" algn="ctr" rtl="0">
               <a:spcBef>
                 <a:spcPts val="1600"/>
               </a:spcBef>
@@ -10149,32 +10301,32 @@
   <p:timing>
     <p:tnLst>
       <p:par>
-        <p:cTn dur="indefinite" nodeType="tmRoot" restart="never">
+        <p:cTn id="1" dur="indefinite" restart="never" nodeType="tmRoot">
           <p:childTnLst>
             <p:seq concurrent="1" nextAc="seek">
-              <p:cTn dur="indefinite" id="2" nodeType="mainSeq">
+              <p:cTn id="2" dur="indefinite" nodeType="mainSeq">
                 <p:childTnLst>
                   <p:par>
-                    <p:cTn fill="hold">
+                    <p:cTn id="3" fill="hold">
                       <p:stCondLst>
                         <p:cond delay="indefinite"/>
                       </p:stCondLst>
                       <p:childTnLst>
                         <p:par>
-                          <p:cTn fill="hold">
+                          <p:cTn id="4" fill="hold">
                             <p:stCondLst>
                               <p:cond delay="0"/>
                             </p:stCondLst>
                             <p:childTnLst>
                               <p:par>
-                                <p:cTn fill="hold" nodeType="clickEffect" presetClass="entr" presetID="10" presetSubtype="0">
+                                <p:cTn id="5" presetID="10" presetClass="entr" presetSubtype="0" fill="hold" nodeType="clickEffect">
                                   <p:stCondLst>
                                     <p:cond delay="0"/>
                                   </p:stCondLst>
                                   <p:childTnLst>
                                     <p:set>
                                       <p:cBhvr>
-                                        <p:cTn dur="1" fill="hold">
+                                        <p:cTn id="6" dur="1" fill="hold">
                                           <p:stCondLst>
                                             <p:cond delay="0"/>
                                           </p:stCondLst>
@@ -10190,9 +10342,9 @@
                                         <p:strVal val="visible"/>
                                       </p:to>
                                     </p:set>
-                                    <p:animEffect filter="fade" transition="in">
+                                    <p:animEffect transition="in" filter="fade">
                                       <p:cBhvr>
-                                        <p:cTn dur="1000"/>
+                                        <p:cTn id="7" dur="1000"/>
                                         <p:tgtEl>
                                           <p:spTgt spid="127"/>
                                         </p:tgtEl>
@@ -10208,26 +10360,26 @@
                     </p:cTn>
                   </p:par>
                   <p:par>
-                    <p:cTn fill="hold">
+                    <p:cTn id="8" fill="hold">
                       <p:stCondLst>
                         <p:cond delay="indefinite"/>
                       </p:stCondLst>
                       <p:childTnLst>
                         <p:par>
-                          <p:cTn fill="hold">
+                          <p:cTn id="9" fill="hold">
                             <p:stCondLst>
                               <p:cond delay="0"/>
                             </p:stCondLst>
                             <p:childTnLst>
                               <p:par>
-                                <p:cTn fill="hold" nodeType="clickEffect" presetClass="entr" presetID="2" presetSubtype="8">
+                                <p:cTn id="10" presetID="2" presetClass="entr" presetSubtype="8" fill="hold" nodeType="clickEffect">
                                   <p:stCondLst>
                                     <p:cond delay="0"/>
                                   </p:stCondLst>
                                   <p:childTnLst>
                                     <p:set>
                                       <p:cBhvr>
-                                        <p:cTn dur="1" fill="hold">
+                                        <p:cTn id="11" dur="1" fill="hold">
                                           <p:stCondLst>
                                             <p:cond delay="0"/>
                                           </p:stCondLst>
@@ -10245,7 +10397,7 @@
                                     </p:set>
                                     <p:anim calcmode="lin" valueType="num">
                                       <p:cBhvr additive="base">
-                                        <p:cTn dur="1000"/>
+                                        <p:cTn id="12" dur="1000"/>
                                         <p:tgtEl>
                                           <p:spTgt spid="129"/>
                                         </p:tgtEl>
@@ -10254,12 +10406,12 @@
                                         </p:attrNameLst>
                                       </p:cBhvr>
                                       <p:tavLst>
-                                        <p:tav fmla="" tm="0">
+                                        <p:tav tm="0">
                                           <p:val>
                                             <p:strVal val="#ppt_x-1"/>
                                           </p:val>
                                         </p:tav>
-                                        <p:tav fmla="" tm="100000">
+                                        <p:tav tm="100000">
                                           <p:val>
                                             <p:strVal val="#ppt_x"/>
                                           </p:val>
@@ -10270,14 +10422,14 @@
                                 </p:cTn>
                               </p:par>
                               <p:par>
-                                <p:cTn fill="hold" nodeType="withEffect" presetClass="entr" presetID="2" presetSubtype="2">
+                                <p:cTn id="13" presetID="2" presetClass="entr" presetSubtype="2" fill="hold" nodeType="withEffect">
                                   <p:stCondLst>
                                     <p:cond delay="0"/>
                                   </p:stCondLst>
                                   <p:childTnLst>
                                     <p:set>
                                       <p:cBhvr>
-                                        <p:cTn dur="1" fill="hold">
+                                        <p:cTn id="14" dur="1" fill="hold">
                                           <p:stCondLst>
                                             <p:cond delay="0"/>
                                           </p:stCondLst>
@@ -10295,7 +10447,7 @@
                                     </p:set>
                                     <p:anim calcmode="lin" valueType="num">
                                       <p:cBhvr additive="base">
-                                        <p:cTn dur="1000"/>
+                                        <p:cTn id="15" dur="1000"/>
                                         <p:tgtEl>
                                           <p:spTgt spid="130"/>
                                         </p:tgtEl>
@@ -10304,12 +10456,12 @@
                                         </p:attrNameLst>
                                       </p:cBhvr>
                                       <p:tavLst>
-                                        <p:tav fmla="" tm="0">
+                                        <p:tav tm="0">
                                           <p:val>
                                             <p:strVal val="#ppt_x+1"/>
                                           </p:val>
                                         </p:tav>
-                                        <p:tav fmla="" tm="100000">
+                                        <p:tav tm="100000">
                                           <p:val>
                                             <p:strVal val="#ppt_x"/>
                                           </p:val>
@@ -10320,14 +10472,14 @@
                                 </p:cTn>
                               </p:par>
                               <p:par>
-                                <p:cTn fill="hold" nodeType="withEffect" presetClass="entr" presetID="23" presetSubtype="16">
+                                <p:cTn id="16" presetID="23" presetClass="entr" presetSubtype="16" fill="hold" nodeType="withEffect">
                                   <p:stCondLst>
                                     <p:cond delay="0"/>
                                   </p:stCondLst>
                                   <p:childTnLst>
                                     <p:set>
                                       <p:cBhvr>
-                                        <p:cTn dur="1" fill="hold">
+                                        <p:cTn id="17" dur="1" fill="hold">
                                           <p:stCondLst>
                                             <p:cond delay="0"/>
                                           </p:stCondLst>
@@ -10345,7 +10497,7 @@
                                     </p:set>
                                     <p:anim calcmode="lin" valueType="num">
                                       <p:cBhvr additive="base">
-                                        <p:cTn dur="1000"/>
+                                        <p:cTn id="18" dur="1000"/>
                                         <p:tgtEl>
                                           <p:spTgt spid="131"/>
                                         </p:tgtEl>
@@ -10354,12 +10506,12 @@
                                         </p:attrNameLst>
                                       </p:cBhvr>
                                       <p:tavLst>
-                                        <p:tav fmla="" tm="0">
+                                        <p:tav tm="0">
                                           <p:val>
                                             <p:strVal val="0"/>
                                           </p:val>
                                         </p:tav>
-                                        <p:tav fmla="" tm="100000">
+                                        <p:tav tm="100000">
                                           <p:val>
                                             <p:strVal val="#ppt_w"/>
                                           </p:val>
@@ -10368,7 +10520,7 @@
                                     </p:anim>
                                     <p:anim calcmode="lin" valueType="num">
                                       <p:cBhvr additive="base">
-                                        <p:cTn dur="1000"/>
+                                        <p:cTn id="19" dur="1000"/>
                                         <p:tgtEl>
                                           <p:spTgt spid="131"/>
                                         </p:tgtEl>
@@ -10377,12 +10529,12 @@
                                         </p:attrNameLst>
                                       </p:cBhvr>
                                       <p:tavLst>
-                                        <p:tav fmla="" tm="0">
+                                        <p:tav tm="0">
                                           <p:val>
                                             <p:strVal val="0"/>
                                           </p:val>
                                         </p:tav>
-                                        <p:tav fmla="" tm="100000">
+                                        <p:tav tm="100000">
                                           <p:val>
                                             <p:strVal val="#ppt_h"/>
                                           </p:val>
@@ -10393,14 +10545,14 @@
                                 </p:cTn>
                               </p:par>
                               <p:par>
-                                <p:cTn fill="hold" nodeType="withEffect" presetClass="entr" presetID="23" presetSubtype="16">
+                                <p:cTn id="20" presetID="23" presetClass="entr" presetSubtype="16" fill="hold" nodeType="withEffect">
                                   <p:stCondLst>
                                     <p:cond delay="0"/>
                                   </p:stCondLst>
                                   <p:childTnLst>
                                     <p:set>
                                       <p:cBhvr>
-                                        <p:cTn dur="1" fill="hold">
+                                        <p:cTn id="21" dur="1" fill="hold">
                                           <p:stCondLst>
                                             <p:cond delay="0"/>
                                           </p:stCondLst>
@@ -10418,7 +10570,7 @@
                                     </p:set>
                                     <p:anim calcmode="lin" valueType="num">
                                       <p:cBhvr additive="base">
-                                        <p:cTn dur="1000"/>
+                                        <p:cTn id="22" dur="1000"/>
                                         <p:tgtEl>
                                           <p:spTgt spid="132"/>
                                         </p:tgtEl>
@@ -10427,12 +10579,12 @@
                                         </p:attrNameLst>
                                       </p:cBhvr>
                                       <p:tavLst>
-                                        <p:tav fmla="" tm="0">
+                                        <p:tav tm="0">
                                           <p:val>
                                             <p:strVal val="0"/>
                                           </p:val>
                                         </p:tav>
-                                        <p:tav fmla="" tm="100000">
+                                        <p:tav tm="100000">
                                           <p:val>
                                             <p:strVal val="#ppt_w"/>
                                           </p:val>
@@ -10441,7 +10593,7 @@
                                     </p:anim>
                                     <p:anim calcmode="lin" valueType="num">
                                       <p:cBhvr additive="base">
-                                        <p:cTn dur="1000"/>
+                                        <p:cTn id="23" dur="1000"/>
                                         <p:tgtEl>
                                           <p:spTgt spid="132"/>
                                         </p:tgtEl>
@@ -10450,12 +10602,12 @@
                                         </p:attrNameLst>
                                       </p:cBhvr>
                                       <p:tavLst>
-                                        <p:tav fmla="" tm="0">
+                                        <p:tav tm="0">
                                           <p:val>
                                             <p:strVal val="0"/>
                                           </p:val>
                                         </p:tav>
-                                        <p:tav fmla="" tm="100000">
+                                        <p:tav tm="100000">
                                           <p:val>
                                             <p:strVal val="#ppt_h"/>
                                           </p:val>
@@ -10466,14 +10618,14 @@
                                 </p:cTn>
                               </p:par>
                               <p:par>
-                                <p:cTn fill="hold" nodeType="withEffect" presetClass="entr" presetID="10" presetSubtype="0">
+                                <p:cTn id="24" presetID="10" presetClass="entr" presetSubtype="0" fill="hold" nodeType="withEffect">
                                   <p:stCondLst>
                                     <p:cond delay="0"/>
                                   </p:stCondLst>
                                   <p:childTnLst>
                                     <p:set>
                                       <p:cBhvr>
-                                        <p:cTn dur="1" fill="hold">
+                                        <p:cTn id="25" dur="1" fill="hold">
                                           <p:stCondLst>
                                             <p:cond delay="0"/>
                                           </p:stCondLst>
@@ -10489,9 +10641,9 @@
                                         <p:strVal val="visible"/>
                                       </p:to>
                                     </p:set>
-                                    <p:animEffect filter="fade" transition="in">
+                                    <p:animEffect transition="in" filter="fade">
                                       <p:cBhvr>
-                                        <p:cTn dur="1000"/>
+                                        <p:cTn id="26" dur="1000"/>
                                         <p:tgtEl>
                                           <p:spTgt spid="133"/>
                                         </p:tgtEl>
@@ -10501,14 +10653,14 @@
                                 </p:cTn>
                               </p:par>
                               <p:par>
-                                <p:cTn fill="hold" nodeType="withEffect" presetClass="entr" presetID="10" presetSubtype="0">
+                                <p:cTn id="27" presetID="10" presetClass="entr" presetSubtype="0" fill="hold" nodeType="withEffect">
                                   <p:stCondLst>
                                     <p:cond delay="0"/>
                                   </p:stCondLst>
                                   <p:childTnLst>
                                     <p:set>
                                       <p:cBhvr>
-                                        <p:cTn dur="1" fill="hold">
+                                        <p:cTn id="28" dur="1" fill="hold">
                                           <p:stCondLst>
                                             <p:cond delay="0"/>
                                           </p:stCondLst>
@@ -10524,9 +10676,9 @@
                                         <p:strVal val="visible"/>
                                       </p:to>
                                     </p:set>
-                                    <p:animEffect filter="fade" transition="in">
+                                    <p:animEffect transition="in" filter="fade">
                                       <p:cBhvr>
-                                        <p:cTn dur="1000"/>
+                                        <p:cTn id="29" dur="1000"/>
                                         <p:tgtEl>
                                           <p:spTgt spid="137"/>
                                         </p:tgtEl>
@@ -10536,14 +10688,14 @@
                                 </p:cTn>
                               </p:par>
                               <p:par>
-                                <p:cTn fill="hold" nodeType="withEffect" presetClass="entr" presetID="10" presetSubtype="0">
+                                <p:cTn id="30" presetID="10" presetClass="entr" presetSubtype="0" fill="hold" nodeType="withEffect">
                                   <p:stCondLst>
                                     <p:cond delay="0"/>
                                   </p:stCondLst>
                                   <p:childTnLst>
                                     <p:set>
                                       <p:cBhvr>
-                                        <p:cTn dur="1" fill="hold">
+                                        <p:cTn id="31" dur="1" fill="hold">
                                           <p:stCondLst>
                                             <p:cond delay="0"/>
                                           </p:stCondLst>
@@ -10559,9 +10711,9 @@
                                         <p:strVal val="visible"/>
                                       </p:to>
                                     </p:set>
-                                    <p:animEffect filter="fade" transition="in">
+                                    <p:animEffect transition="in" filter="fade">
                                       <p:cBhvr>
-                                        <p:cTn dur="1000"/>
+                                        <p:cTn id="32" dur="1000"/>
                                         <p:tgtEl>
                                           <p:spTgt spid="135"/>
                                         </p:tgtEl>
@@ -10571,14 +10723,14 @@
                                 </p:cTn>
                               </p:par>
                               <p:par>
-                                <p:cTn fill="hold" nodeType="withEffect" presetClass="entr" presetID="10" presetSubtype="0">
+                                <p:cTn id="33" presetID="10" presetClass="entr" presetSubtype="0" fill="hold" nodeType="withEffect">
                                   <p:stCondLst>
                                     <p:cond delay="0"/>
                                   </p:stCondLst>
                                   <p:childTnLst>
                                     <p:set>
                                       <p:cBhvr>
-                                        <p:cTn dur="1" fill="hold">
+                                        <p:cTn id="34" dur="1" fill="hold">
                                           <p:stCondLst>
                                             <p:cond delay="0"/>
                                           </p:stCondLst>
@@ -10594,9 +10746,9 @@
                                         <p:strVal val="visible"/>
                                       </p:to>
                                     </p:set>
-                                    <p:animEffect filter="fade" transition="in">
+                                    <p:animEffect transition="in" filter="fade">
                                       <p:cBhvr>
-                                        <p:cTn dur="1000"/>
+                                        <p:cTn id="35" dur="1000"/>
                                         <p:tgtEl>
                                           <p:spTgt spid="134"/>
                                         </p:tgtEl>
@@ -10606,14 +10758,14 @@
                                 </p:cTn>
                               </p:par>
                               <p:par>
-                                <p:cTn fill="hold" nodeType="withEffect" presetClass="entr" presetID="10" presetSubtype="0">
+                                <p:cTn id="36" presetID="10" presetClass="entr" presetSubtype="0" fill="hold" nodeType="withEffect">
                                   <p:stCondLst>
                                     <p:cond delay="0"/>
                                   </p:stCondLst>
                                   <p:childTnLst>
                                     <p:set>
                                       <p:cBhvr>
-                                        <p:cTn dur="1" fill="hold">
+                                        <p:cTn id="37" dur="1" fill="hold">
                                           <p:stCondLst>
                                             <p:cond delay="0"/>
                                           </p:stCondLst>
@@ -10629,9 +10781,9 @@
                                         <p:strVal val="visible"/>
                                       </p:to>
                                     </p:set>
-                                    <p:animEffect filter="fade" transition="in">
+                                    <p:animEffect transition="in" filter="fade">
                                       <p:cBhvr>
-                                        <p:cTn dur="1000"/>
+                                        <p:cTn id="38" dur="1000"/>
                                         <p:tgtEl>
                                           <p:spTgt spid="136"/>
                                         </p:tgtEl>
@@ -10647,26 +10799,26 @@
                     </p:cTn>
                   </p:par>
                   <p:par>
-                    <p:cTn fill="hold">
+                    <p:cTn id="39" fill="hold">
                       <p:stCondLst>
                         <p:cond delay="indefinite"/>
                       </p:stCondLst>
                       <p:childTnLst>
                         <p:par>
-                          <p:cTn fill="hold">
+                          <p:cTn id="40" fill="hold">
                             <p:stCondLst>
                               <p:cond delay="0"/>
                             </p:stCondLst>
                             <p:childTnLst>
                               <p:par>
-                                <p:cTn fill="hold" nodeType="clickEffect" presetClass="entr" presetID="23" presetSubtype="16">
+                                <p:cTn id="41" presetID="23" presetClass="entr" presetSubtype="16" fill="hold" nodeType="clickEffect">
                                   <p:stCondLst>
                                     <p:cond delay="0"/>
                                   </p:stCondLst>
                                   <p:childTnLst>
                                     <p:set>
                                       <p:cBhvr>
-                                        <p:cTn dur="1" fill="hold">
+                                        <p:cTn id="42" dur="1" fill="hold">
                                           <p:stCondLst>
                                             <p:cond delay="0"/>
                                           </p:stCondLst>
@@ -10684,7 +10836,7 @@
                                     </p:set>
                                     <p:anim calcmode="lin" valueType="num">
                                       <p:cBhvr additive="base">
-                                        <p:cTn dur="1000"/>
+                                        <p:cTn id="43" dur="1000"/>
                                         <p:tgtEl>
                                           <p:spTgt spid="138"/>
                                         </p:tgtEl>
@@ -10693,12 +10845,12 @@
                                         </p:attrNameLst>
                                       </p:cBhvr>
                                       <p:tavLst>
-                                        <p:tav fmla="" tm="0">
+                                        <p:tav tm="0">
                                           <p:val>
                                             <p:strVal val="0"/>
                                           </p:val>
                                         </p:tav>
-                                        <p:tav fmla="" tm="100000">
+                                        <p:tav tm="100000">
                                           <p:val>
                                             <p:strVal val="#ppt_w"/>
                                           </p:val>
@@ -10707,7 +10859,7 @@
                                     </p:anim>
                                     <p:anim calcmode="lin" valueType="num">
                                       <p:cBhvr additive="base">
-                                        <p:cTn dur="1000"/>
+                                        <p:cTn id="44" dur="1000"/>
                                         <p:tgtEl>
                                           <p:spTgt spid="138"/>
                                         </p:tgtEl>
@@ -10716,12 +10868,12 @@
                                         </p:attrNameLst>
                                       </p:cBhvr>
                                       <p:tavLst>
-                                        <p:tav fmla="" tm="0">
+                                        <p:tav tm="0">
                                           <p:val>
                                             <p:strVal val="0"/>
                                           </p:val>
                                         </p:tav>
-                                        <p:tav fmla="" tm="100000">
+                                        <p:tav tm="100000">
                                           <p:val>
                                             <p:strVal val="#ppt_h"/>
                                           </p:val>
@@ -10740,14 +10892,14 @@
                 </p:childTnLst>
               </p:cTn>
               <p:prevCondLst>
-                <p:cond evt="onPrev">
+                <p:cond evt="onPrev" delay="0">
                   <p:tgtEl>
                     <p:sldTgt/>
                   </p:tgtEl>
                 </p:cond>
               </p:prevCondLst>
               <p:nextCondLst>
-                <p:cond evt="onNext">
+                <p:cond evt="onNext" delay="0">
                   <p:tgtEl>
                     <p:sldTgt/>
                   </p:tgtEl>
@@ -10763,11 +10915,11 @@
 </file>
 
 <file path=ppt/slides/slide9.xml><?xml version="1.0" encoding="utf-8"?>
-<p:sld xmlns:a="http://schemas.openxmlformats.org/drawingml/2006/main" xmlns:r="http://schemas.openxmlformats.org/officeDocument/2006/relationships" xmlns:mc="http://schemas.openxmlformats.org/markup-compatibility/2006" xmlns:mv="urn:schemas-microsoft-com:mac:vml" xmlns:p="http://schemas.openxmlformats.org/presentationml/2006/main" xmlns:c="http://schemas.openxmlformats.org/drawingml/2006/chart" xmlns:dgm="http://schemas.openxmlformats.org/drawingml/2006/diagram" xmlns:o="urn:schemas-microsoft-com:office:office" xmlns:v="urn:schemas-microsoft-com:vml" xmlns:pvml="urn:schemas-microsoft-com:office:powerpoint" xmlns:com="http://schemas.openxmlformats.org/drawingml/2006/compatibility" xmlns:p14="http://schemas.microsoft.com/office/powerpoint/2010/main" xmlns:p15="http://schemas.microsoft.com/office/powerpoint/2012/main">
+<p:sld xmlns:a="http://schemas.openxmlformats.org/drawingml/2006/main" xmlns:r="http://schemas.openxmlformats.org/officeDocument/2006/relationships" xmlns:p="http://schemas.openxmlformats.org/presentationml/2006/main">
   <p:cSld>
     <p:spTree>
       <p:nvGrpSpPr>
-        <p:cNvPr id="142" name="Shape 142"/>
+        <p:cNvPr id="1" name="Shape 142"/>
         <p:cNvGrpSpPr/>
         <p:nvPr/>
       </p:nvGrpSpPr>
@@ -10782,7 +10934,9 @@
       <p:sp>
         <p:nvSpPr>
           <p:cNvPr id="143" name="Google Shape;143;p21"/>
-          <p:cNvSpPr txBox="1"/>
+          <p:cNvSpPr txBox="1">
+            <a:spLocks noGrp="1"/>
+          </p:cNvSpPr>
           <p:nvPr>
             <p:ph type="title"/>
           </p:nvPr>
@@ -10797,12 +10951,12 @@
           </a:prstGeom>
         </p:spPr>
         <p:txBody>
-          <a:bodyPr anchorCtr="0" anchor="t" bIns="91425" lIns="91425" spcFirstLastPara="1" rIns="91425" wrap="square" tIns="91425">
+          <a:bodyPr spcFirstLastPara="1" wrap="square" lIns="91425" tIns="91425" rIns="91425" bIns="91425" anchor="t" anchorCtr="0">
             <a:noAutofit/>
           </a:bodyPr>
           <a:lstStyle/>
           <a:p>
-            <a:pPr indent="0" lvl="0" marL="0" rtl="0" algn="ctr">
+            <a:pPr marL="0" lvl="0" indent="0" algn="ctr" rtl="0">
               <a:spcBef>
                 <a:spcPts val="0"/>
               </a:spcBef>
@@ -10860,9 +11014,11 @@
       <p:sp>
         <p:nvSpPr>
           <p:cNvPr id="145" name="Google Shape;145;p21"/>
-          <p:cNvSpPr txBox="1"/>
+          <p:cNvSpPr txBox="1">
+            <a:spLocks noGrp="1"/>
+          </p:cNvSpPr>
           <p:nvPr>
-            <p:ph idx="1" type="body"/>
+            <p:ph type="body" idx="1"/>
           </p:nvPr>
         </p:nvSpPr>
         <p:spPr>
@@ -10875,12 +11031,12 @@
           </a:prstGeom>
         </p:spPr>
         <p:txBody>
-          <a:bodyPr anchorCtr="0" anchor="t" bIns="91425" lIns="91425" spcFirstLastPara="1" rIns="91425" wrap="square" tIns="91425">
+          <a:bodyPr spcFirstLastPara="1" wrap="square" lIns="91425" tIns="91425" rIns="91425" bIns="91425" anchor="t" anchorCtr="0">
             <a:noAutofit/>
           </a:bodyPr>
           <a:lstStyle/>
           <a:p>
-            <a:pPr indent="0" lvl="0" marL="0" rtl="0" algn="l">
+            <a:pPr marL="0" lvl="0" indent="0" algn="l" rtl="0">
               <a:spcBef>
                 <a:spcPts val="0"/>
               </a:spcBef>
@@ -10889,13 +11045,10 @@
               </a:spcAft>
               <a:buNone/>
             </a:pPr>
-            <a:r>
-              <a:t/>
-            </a:r>
             <a:endParaRPr sz="2000"/>
           </a:p>
           <a:p>
-            <a:pPr indent="0" lvl="0" marL="0" rtl="0" algn="ctr">
+            <a:pPr marL="0" lvl="0" indent="0" algn="ctr" rtl="0">
               <a:spcBef>
                 <a:spcPts val="1600"/>
               </a:spcBef>
@@ -10904,13 +11057,10 @@
               </a:spcAft>
               <a:buNone/>
             </a:pPr>
-            <a:r>
-              <a:t/>
-            </a:r>
             <a:endParaRPr sz="1700"/>
           </a:p>
           <a:p>
-            <a:pPr indent="0" lvl="0" marL="0" rtl="0" algn="ctr">
+            <a:pPr marL="0" lvl="0" indent="0" algn="ctr" rtl="0">
               <a:spcBef>
                 <a:spcPts val="1600"/>
               </a:spcBef>
@@ -10919,13 +11069,10 @@
               </a:spcAft>
               <a:buNone/>
             </a:pPr>
-            <a:r>
-              <a:t/>
-            </a:r>
             <a:endParaRPr sz="1700"/>
           </a:p>
           <a:p>
-            <a:pPr indent="0" lvl="0" marL="0" rtl="0" algn="ctr">
+            <a:pPr marL="0" lvl="0" indent="0" algn="ctr" rtl="0">
               <a:spcBef>
                 <a:spcPts val="1600"/>
               </a:spcBef>
@@ -10934,13 +11081,10 @@
               </a:spcAft>
               <a:buNone/>
             </a:pPr>
-            <a:r>
-              <a:t/>
-            </a:r>
             <a:endParaRPr sz="1700"/>
           </a:p>
           <a:p>
-            <a:pPr indent="0" lvl="0" marL="0" rtl="0" algn="ctr">
+            <a:pPr marL="0" lvl="0" indent="0" algn="ctr" rtl="0">
               <a:spcBef>
                 <a:spcPts val="1600"/>
               </a:spcBef>
@@ -10949,13 +11093,10 @@
               </a:spcAft>
               <a:buNone/>
             </a:pPr>
-            <a:r>
-              <a:t/>
-            </a:r>
             <a:endParaRPr sz="1700"/>
           </a:p>
           <a:p>
-            <a:pPr indent="0" lvl="0" marL="0" rtl="0" algn="ctr">
+            <a:pPr marL="0" lvl="0" indent="0" algn="ctr" rtl="0">
               <a:spcBef>
                 <a:spcPts val="1600"/>
               </a:spcBef>
@@ -10964,13 +11105,10 @@
               </a:spcAft>
               <a:buNone/>
             </a:pPr>
-            <a:r>
-              <a:t/>
-            </a:r>
             <a:endParaRPr sz="1700"/>
           </a:p>
           <a:p>
-            <a:pPr indent="0" lvl="0" marL="0" rtl="0" algn="ctr">
+            <a:pPr marL="0" lvl="0" indent="0" algn="ctr" rtl="0">
               <a:spcBef>
                 <a:spcPts val="1600"/>
               </a:spcBef>
@@ -10979,9 +11117,6 @@
               </a:spcAft>
               <a:buNone/>
             </a:pPr>
-            <a:r>
-              <a:t/>
-            </a:r>
             <a:endParaRPr sz="1700"/>
           </a:p>
         </p:txBody>
@@ -11023,7 +11158,288 @@
 </file>
 
 <file path=ppt/theme/theme1.xml><?xml version="1.0" encoding="utf-8"?>
-<a:theme xmlns:a="http://schemas.openxmlformats.org/drawingml/2006/main" xmlns:r="http://schemas.openxmlformats.org/officeDocument/2006/relationships">
+<a:theme xmlns:a="http://schemas.openxmlformats.org/drawingml/2006/main" name="Simple Dark">
+  <a:themeElements>
+    <a:clrScheme name="Simple Dark">
+      <a:dk1>
+        <a:srgbClr val="FFFFFF"/>
+      </a:dk1>
+      <a:lt1>
+        <a:srgbClr val="212121"/>
+      </a:lt1>
+      <a:dk2>
+        <a:srgbClr val="303030"/>
+      </a:dk2>
+      <a:lt2>
+        <a:srgbClr val="ADADAD"/>
+      </a:lt2>
+      <a:accent1>
+        <a:srgbClr val="009688"/>
+      </a:accent1>
+      <a:accent2>
+        <a:srgbClr val="EEEEEE"/>
+      </a:accent2>
+      <a:accent3>
+        <a:srgbClr val="78909C"/>
+      </a:accent3>
+      <a:accent4>
+        <a:srgbClr val="FFAB40"/>
+      </a:accent4>
+      <a:accent5>
+        <a:srgbClr val="4DD0E1"/>
+      </a:accent5>
+      <a:accent6>
+        <a:srgbClr val="EEFF41"/>
+      </a:accent6>
+      <a:hlink>
+        <a:srgbClr val="4DD0E1"/>
+      </a:hlink>
+      <a:folHlink>
+        <a:srgbClr val="4DD0E1"/>
+      </a:folHlink>
+    </a:clrScheme>
+    <a:fontScheme name="Office">
+      <a:majorFont>
+        <a:latin typeface="Arial"/>
+        <a:ea typeface=""/>
+        <a:cs typeface=""/>
+        <a:font script="Jpan" typeface="ＭＳ Ｐゴシック"/>
+        <a:font script="Hang" typeface="맑은 고딕"/>
+        <a:font script="Hans" typeface="宋体"/>
+        <a:font script="Hant" typeface="新細明體"/>
+        <a:font script="Arab" typeface="Times New Roman"/>
+        <a:font script="Hebr" typeface="Times New Roman"/>
+        <a:font script="Thai" typeface="Angsana New"/>
+        <a:font script="Ethi" typeface="Nyala"/>
+        <a:font script="Beng" typeface="Vrinda"/>
+        <a:font script="Gujr" typeface="Shruti"/>
+        <a:font script="Khmr" typeface="MoolBoran"/>
+        <a:font script="Knda" typeface="Tunga"/>
+        <a:font script="Guru" typeface="Raavi"/>
+        <a:font script="Cans" typeface="Euphemia"/>
+        <a:font script="Cher" typeface="Plantagenet Cherokee"/>
+        <a:font script="Yiii" typeface="Microsoft Yi Baiti"/>
+        <a:font script="Tibt" typeface="Microsoft Himalaya"/>
+        <a:font script="Thaa" typeface="MV Boli"/>
+        <a:font script="Deva" typeface="Mangal"/>
+        <a:font script="Telu" typeface="Gautami"/>
+        <a:font script="Taml" typeface="Latha"/>
+        <a:font script="Syrc" typeface="Estrangelo Edessa"/>
+        <a:font script="Orya" typeface="Kalinga"/>
+        <a:font script="Mlym" typeface="Kartika"/>
+        <a:font script="Laoo" typeface="DokChampa"/>
+        <a:font script="Sinh" typeface="Iskoola Pota"/>
+        <a:font script="Mong" typeface="Mongolian Baiti"/>
+        <a:font script="Viet" typeface="Times New Roman"/>
+        <a:font script="Uigh" typeface="Microsoft Uighur"/>
+        <a:font script="Geor" typeface="Sylfaen"/>
+      </a:majorFont>
+      <a:minorFont>
+        <a:latin typeface="Arial"/>
+        <a:ea typeface=""/>
+        <a:cs typeface=""/>
+        <a:font script="Jpan" typeface="ＭＳ Ｐゴシック"/>
+        <a:font script="Hang" typeface="맑은 고딕"/>
+        <a:font script="Hans" typeface="宋体"/>
+        <a:font script="Hant" typeface="新細明體"/>
+        <a:font script="Arab" typeface="Arial"/>
+        <a:font script="Hebr" typeface="Arial"/>
+        <a:font script="Thai" typeface="Cordia New"/>
+        <a:font script="Ethi" typeface="Nyala"/>
+        <a:font script="Beng" typeface="Vrinda"/>
+        <a:font script="Gujr" typeface="Shruti"/>
+        <a:font script="Khmr" typeface="DaunPenh"/>
+        <a:font script="Knda" typeface="Tunga"/>
+        <a:font script="Guru" typeface="Raavi"/>
+        <a:font script="Cans" typeface="Euphemia"/>
+        <a:font script="Cher" typeface="Plantagenet Cherokee"/>
+        <a:font script="Yiii" typeface="Microsoft Yi Baiti"/>
+        <a:font script="Tibt" typeface="Microsoft Himalaya"/>
+        <a:font script="Thaa" typeface="MV Boli"/>
+        <a:font script="Deva" typeface="Mangal"/>
+        <a:font script="Telu" typeface="Gautami"/>
+        <a:font script="Taml" typeface="Latha"/>
+        <a:font script="Syrc" typeface="Estrangelo Edessa"/>
+        <a:font script="Orya" typeface="Kalinga"/>
+        <a:font script="Mlym" typeface="Kartika"/>
+        <a:font script="Laoo" typeface="DokChampa"/>
+        <a:font script="Sinh" typeface="Iskoola Pota"/>
+        <a:font script="Mong" typeface="Mongolian Baiti"/>
+        <a:font script="Viet" typeface="Arial"/>
+        <a:font script="Uigh" typeface="Microsoft Uighur"/>
+        <a:font script="Geor" typeface="Sylfaen"/>
+      </a:minorFont>
+    </a:fontScheme>
+    <a:fmtScheme name="Office">
+      <a:fillStyleLst>
+        <a:solidFill>
+          <a:schemeClr val="phClr"/>
+        </a:solidFill>
+        <a:gradFill rotWithShape="1">
+          <a:gsLst>
+            <a:gs pos="0">
+              <a:schemeClr val="phClr">
+                <a:tint val="50000"/>
+                <a:satMod val="300000"/>
+              </a:schemeClr>
+            </a:gs>
+            <a:gs pos="35000">
+              <a:schemeClr val="phClr">
+                <a:tint val="37000"/>
+                <a:satMod val="300000"/>
+              </a:schemeClr>
+            </a:gs>
+            <a:gs pos="100000">
+              <a:schemeClr val="phClr">
+                <a:tint val="15000"/>
+                <a:satMod val="350000"/>
+              </a:schemeClr>
+            </a:gs>
+          </a:gsLst>
+          <a:lin ang="16200000" scaled="1"/>
+        </a:gradFill>
+        <a:gradFill rotWithShape="1">
+          <a:gsLst>
+            <a:gs pos="0">
+              <a:schemeClr val="phClr">
+                <a:tint val="100000"/>
+                <a:shade val="100000"/>
+                <a:satMod val="130000"/>
+              </a:schemeClr>
+            </a:gs>
+            <a:gs pos="100000">
+              <a:schemeClr val="phClr">
+                <a:tint val="50000"/>
+                <a:shade val="100000"/>
+                <a:satMod val="350000"/>
+              </a:schemeClr>
+            </a:gs>
+          </a:gsLst>
+          <a:lin ang="16200000" scaled="0"/>
+        </a:gradFill>
+      </a:fillStyleLst>
+      <a:lnStyleLst>
+        <a:ln w="9525" cap="flat" cmpd="sng" algn="ctr">
+          <a:solidFill>
+            <a:schemeClr val="phClr">
+              <a:shade val="95000"/>
+              <a:satMod val="105000"/>
+            </a:schemeClr>
+          </a:solidFill>
+          <a:prstDash val="solid"/>
+        </a:ln>
+        <a:ln w="25400" cap="flat" cmpd="sng" algn="ctr">
+          <a:solidFill>
+            <a:schemeClr val="phClr"/>
+          </a:solidFill>
+          <a:prstDash val="solid"/>
+        </a:ln>
+        <a:ln w="38100" cap="flat" cmpd="sng" algn="ctr">
+          <a:solidFill>
+            <a:schemeClr val="phClr"/>
+          </a:solidFill>
+          <a:prstDash val="solid"/>
+        </a:ln>
+      </a:lnStyleLst>
+      <a:effectStyleLst>
+        <a:effectStyle>
+          <a:effectLst>
+            <a:outerShdw blurRad="40000" dist="20000" dir="5400000" rotWithShape="0">
+              <a:srgbClr val="000000">
+                <a:alpha val="38000"/>
+              </a:srgbClr>
+            </a:outerShdw>
+          </a:effectLst>
+        </a:effectStyle>
+        <a:effectStyle>
+          <a:effectLst>
+            <a:outerShdw blurRad="40000" dist="23000" dir="5400000" rotWithShape="0">
+              <a:srgbClr val="000000">
+                <a:alpha val="35000"/>
+              </a:srgbClr>
+            </a:outerShdw>
+          </a:effectLst>
+        </a:effectStyle>
+        <a:effectStyle>
+          <a:effectLst>
+            <a:outerShdw blurRad="40000" dist="23000" dir="5400000" rotWithShape="0">
+              <a:srgbClr val="000000">
+                <a:alpha val="35000"/>
+              </a:srgbClr>
+            </a:outerShdw>
+          </a:effectLst>
+          <a:scene3d>
+            <a:camera prst="orthographicFront">
+              <a:rot lat="0" lon="0" rev="0"/>
+            </a:camera>
+            <a:lightRig rig="threePt" dir="t">
+              <a:rot lat="0" lon="0" rev="1200000"/>
+            </a:lightRig>
+          </a:scene3d>
+          <a:sp3d>
+            <a:bevelT w="63500" h="25400"/>
+          </a:sp3d>
+        </a:effectStyle>
+      </a:effectStyleLst>
+      <a:bgFillStyleLst>
+        <a:solidFill>
+          <a:schemeClr val="phClr"/>
+        </a:solidFill>
+        <a:gradFill rotWithShape="1">
+          <a:gsLst>
+            <a:gs pos="0">
+              <a:schemeClr val="phClr">
+                <a:tint val="40000"/>
+                <a:satMod val="350000"/>
+              </a:schemeClr>
+            </a:gs>
+            <a:gs pos="40000">
+              <a:schemeClr val="phClr">
+                <a:tint val="45000"/>
+                <a:shade val="99000"/>
+                <a:satMod val="350000"/>
+              </a:schemeClr>
+            </a:gs>
+            <a:gs pos="100000">
+              <a:schemeClr val="phClr">
+                <a:shade val="20000"/>
+                <a:satMod val="255000"/>
+              </a:schemeClr>
+            </a:gs>
+          </a:gsLst>
+          <a:path path="circle">
+            <a:fillToRect l="50000" t="-80000" r="50000" b="180000"/>
+          </a:path>
+        </a:gradFill>
+        <a:gradFill rotWithShape="1">
+          <a:gsLst>
+            <a:gs pos="0">
+              <a:schemeClr val="phClr">
+                <a:tint val="80000"/>
+                <a:satMod val="300000"/>
+              </a:schemeClr>
+            </a:gs>
+            <a:gs pos="100000">
+              <a:schemeClr val="phClr">
+                <a:shade val="30000"/>
+                <a:satMod val="200000"/>
+              </a:schemeClr>
+            </a:gs>
+          </a:gsLst>
+          <a:path path="circle">
+            <a:fillToRect l="50000" t="50000" r="50000" b="50000"/>
+          </a:path>
+        </a:gradFill>
+      </a:bgFillStyleLst>
+    </a:fmtScheme>
+  </a:themeElements>
+  <a:objectDefaults/>
+  <a:extraClrSchemeLst/>
+</a:theme>
+</file>
+
+<file path=ppt/theme/theme2.xml><?xml version="1.0" encoding="utf-8"?>
+<a:theme xmlns:a="http://schemas.openxmlformats.org/drawingml/2006/main">
   <a:themeElements>
     <a:clrScheme name="Default">
       <a:dk1>
@@ -11298,284 +11714,7 @@
       </a:bgFillStyleLst>
     </a:fmtScheme>
   </a:themeElements>
-</a:theme>
-</file>
-
-<file path=ppt/theme/theme2.xml><?xml version="1.0" encoding="utf-8"?>
-<a:theme xmlns:a="http://schemas.openxmlformats.org/drawingml/2006/main" xmlns:r="http://schemas.openxmlformats.org/officeDocument/2006/relationships" name="Simple Dark">
-  <a:themeElements>
-    <a:clrScheme name="Simple Dark">
-      <a:dk1>
-        <a:srgbClr val="FFFFFF"/>
-      </a:dk1>
-      <a:lt1>
-        <a:srgbClr val="212121"/>
-      </a:lt1>
-      <a:dk2>
-        <a:srgbClr val="303030"/>
-      </a:dk2>
-      <a:lt2>
-        <a:srgbClr val="ADADAD"/>
-      </a:lt2>
-      <a:accent1>
-        <a:srgbClr val="009688"/>
-      </a:accent1>
-      <a:accent2>
-        <a:srgbClr val="EEEEEE"/>
-      </a:accent2>
-      <a:accent3>
-        <a:srgbClr val="78909C"/>
-      </a:accent3>
-      <a:accent4>
-        <a:srgbClr val="FFAB40"/>
-      </a:accent4>
-      <a:accent5>
-        <a:srgbClr val="4DD0E1"/>
-      </a:accent5>
-      <a:accent6>
-        <a:srgbClr val="EEFF41"/>
-      </a:accent6>
-      <a:hlink>
-        <a:srgbClr val="4DD0E1"/>
-      </a:hlink>
-      <a:folHlink>
-        <a:srgbClr val="4DD0E1"/>
-      </a:folHlink>
-    </a:clrScheme>
-    <a:fontScheme name="Office">
-      <a:majorFont>
-        <a:latin typeface="Arial"/>
-        <a:ea typeface=""/>
-        <a:cs typeface=""/>
-        <a:font script="Jpan" typeface="ＭＳ Ｐゴシック"/>
-        <a:font script="Hang" typeface="맑은 고딕"/>
-        <a:font script="Hans" typeface="宋体"/>
-        <a:font script="Hant" typeface="新細明體"/>
-        <a:font script="Arab" typeface="Times New Roman"/>
-        <a:font script="Hebr" typeface="Times New Roman"/>
-        <a:font script="Thai" typeface="Angsana New"/>
-        <a:font script="Ethi" typeface="Nyala"/>
-        <a:font script="Beng" typeface="Vrinda"/>
-        <a:font script="Gujr" typeface="Shruti"/>
-        <a:font script="Khmr" typeface="MoolBoran"/>
-        <a:font script="Knda" typeface="Tunga"/>
-        <a:font script="Guru" typeface="Raavi"/>
-        <a:font script="Cans" typeface="Euphemia"/>
-        <a:font script="Cher" typeface="Plantagenet Cherokee"/>
-        <a:font script="Yiii" typeface="Microsoft Yi Baiti"/>
-        <a:font script="Tibt" typeface="Microsoft Himalaya"/>
-        <a:font script="Thaa" typeface="MV Boli"/>
-        <a:font script="Deva" typeface="Mangal"/>
-        <a:font script="Telu" typeface="Gautami"/>
-        <a:font script="Taml" typeface="Latha"/>
-        <a:font script="Syrc" typeface="Estrangelo Edessa"/>
-        <a:font script="Orya" typeface="Kalinga"/>
-        <a:font script="Mlym" typeface="Kartika"/>
-        <a:font script="Laoo" typeface="DokChampa"/>
-        <a:font script="Sinh" typeface="Iskoola Pota"/>
-        <a:font script="Mong" typeface="Mongolian Baiti"/>
-        <a:font script="Viet" typeface="Times New Roman"/>
-        <a:font script="Uigh" typeface="Microsoft Uighur"/>
-        <a:font script="Geor" typeface="Sylfaen"/>
-      </a:majorFont>
-      <a:minorFont>
-        <a:latin typeface="Arial"/>
-        <a:ea typeface=""/>
-        <a:cs typeface=""/>
-        <a:font script="Jpan" typeface="ＭＳ Ｐゴシック"/>
-        <a:font script="Hang" typeface="맑은 고딕"/>
-        <a:font script="Hans" typeface="宋体"/>
-        <a:font script="Hant" typeface="新細明體"/>
-        <a:font script="Arab" typeface="Arial"/>
-        <a:font script="Hebr" typeface="Arial"/>
-        <a:font script="Thai" typeface="Cordia New"/>
-        <a:font script="Ethi" typeface="Nyala"/>
-        <a:font script="Beng" typeface="Vrinda"/>
-        <a:font script="Gujr" typeface="Shruti"/>
-        <a:font script="Khmr" typeface="DaunPenh"/>
-        <a:font script="Knda" typeface="Tunga"/>
-        <a:font script="Guru" typeface="Raavi"/>
-        <a:font script="Cans" typeface="Euphemia"/>
-        <a:font script="Cher" typeface="Plantagenet Cherokee"/>
-        <a:font script="Yiii" typeface="Microsoft Yi Baiti"/>
-        <a:font script="Tibt" typeface="Microsoft Himalaya"/>
-        <a:font script="Thaa" typeface="MV Boli"/>
-        <a:font script="Deva" typeface="Mangal"/>
-        <a:font script="Telu" typeface="Gautami"/>
-        <a:font script="Taml" typeface="Latha"/>
-        <a:font script="Syrc" typeface="Estrangelo Edessa"/>
-        <a:font script="Orya" typeface="Kalinga"/>
-        <a:font script="Mlym" typeface="Kartika"/>
-        <a:font script="Laoo" typeface="DokChampa"/>
-        <a:font script="Sinh" typeface="Iskoola Pota"/>
-        <a:font script="Mong" typeface="Mongolian Baiti"/>
-        <a:font script="Viet" typeface="Arial"/>
-        <a:font script="Uigh" typeface="Microsoft Uighur"/>
-        <a:font script="Geor" typeface="Sylfaen"/>
-      </a:minorFont>
-    </a:fontScheme>
-    <a:fmtScheme name="Office">
-      <a:fillStyleLst>
-        <a:solidFill>
-          <a:schemeClr val="phClr"/>
-        </a:solidFill>
-        <a:gradFill rotWithShape="1">
-          <a:gsLst>
-            <a:gs pos="0">
-              <a:schemeClr val="phClr">
-                <a:tint val="50000"/>
-                <a:satMod val="300000"/>
-              </a:schemeClr>
-            </a:gs>
-            <a:gs pos="35000">
-              <a:schemeClr val="phClr">
-                <a:tint val="37000"/>
-                <a:satMod val="300000"/>
-              </a:schemeClr>
-            </a:gs>
-            <a:gs pos="100000">
-              <a:schemeClr val="phClr">
-                <a:tint val="15000"/>
-                <a:satMod val="350000"/>
-              </a:schemeClr>
-            </a:gs>
-          </a:gsLst>
-          <a:lin ang="16200000" scaled="1"/>
-        </a:gradFill>
-        <a:gradFill rotWithShape="1">
-          <a:gsLst>
-            <a:gs pos="0">
-              <a:schemeClr val="phClr">
-                <a:tint val="100000"/>
-                <a:shade val="100000"/>
-                <a:satMod val="130000"/>
-              </a:schemeClr>
-            </a:gs>
-            <a:gs pos="100000">
-              <a:schemeClr val="phClr">
-                <a:tint val="50000"/>
-                <a:shade val="100000"/>
-                <a:satMod val="350000"/>
-              </a:schemeClr>
-            </a:gs>
-          </a:gsLst>
-          <a:lin ang="16200000" scaled="0"/>
-        </a:gradFill>
-      </a:fillStyleLst>
-      <a:lnStyleLst>
-        <a:ln w="9525" cap="flat" cmpd="sng" algn="ctr">
-          <a:solidFill>
-            <a:schemeClr val="phClr">
-              <a:shade val="95000"/>
-              <a:satMod val="105000"/>
-            </a:schemeClr>
-          </a:solidFill>
-          <a:prstDash val="solid"/>
-        </a:ln>
-        <a:ln w="25400" cap="flat" cmpd="sng" algn="ctr">
-          <a:solidFill>
-            <a:schemeClr val="phClr"/>
-          </a:solidFill>
-          <a:prstDash val="solid"/>
-        </a:ln>
-        <a:ln w="38100" cap="flat" cmpd="sng" algn="ctr">
-          <a:solidFill>
-            <a:schemeClr val="phClr"/>
-          </a:solidFill>
-          <a:prstDash val="solid"/>
-        </a:ln>
-      </a:lnStyleLst>
-      <a:effectStyleLst>
-        <a:effectStyle>
-          <a:effectLst>
-            <a:outerShdw blurRad="40000" dist="20000" dir="5400000" rotWithShape="0">
-              <a:srgbClr val="000000">
-                <a:alpha val="38000"/>
-              </a:srgbClr>
-            </a:outerShdw>
-          </a:effectLst>
-        </a:effectStyle>
-        <a:effectStyle>
-          <a:effectLst>
-            <a:outerShdw blurRad="40000" dist="23000" dir="5400000" rotWithShape="0">
-              <a:srgbClr val="000000">
-                <a:alpha val="35000"/>
-              </a:srgbClr>
-            </a:outerShdw>
-          </a:effectLst>
-        </a:effectStyle>
-        <a:effectStyle>
-          <a:effectLst>
-            <a:outerShdw blurRad="40000" dist="23000" dir="5400000" rotWithShape="0">
-              <a:srgbClr val="000000">
-                <a:alpha val="35000"/>
-              </a:srgbClr>
-            </a:outerShdw>
-          </a:effectLst>
-          <a:scene3d>
-            <a:camera prst="orthographicFront">
-              <a:rot lat="0" lon="0" rev="0"/>
-            </a:camera>
-            <a:lightRig rig="threePt" dir="t">
-              <a:rot lat="0" lon="0" rev="1200000"/>
-            </a:lightRig>
-          </a:scene3d>
-          <a:sp3d>
-            <a:bevelT w="63500" h="25400"/>
-          </a:sp3d>
-        </a:effectStyle>
-      </a:effectStyleLst>
-      <a:bgFillStyleLst>
-        <a:solidFill>
-          <a:schemeClr val="phClr"/>
-        </a:solidFill>
-        <a:gradFill rotWithShape="1">
-          <a:gsLst>
-            <a:gs pos="0">
-              <a:schemeClr val="phClr">
-                <a:tint val="40000"/>
-                <a:satMod val="350000"/>
-              </a:schemeClr>
-            </a:gs>
-            <a:gs pos="40000">
-              <a:schemeClr val="phClr">
-                <a:tint val="45000"/>
-                <a:shade val="99000"/>
-                <a:satMod val="350000"/>
-              </a:schemeClr>
-            </a:gs>
-            <a:gs pos="100000">
-              <a:schemeClr val="phClr">
-                <a:shade val="20000"/>
-                <a:satMod val="255000"/>
-              </a:schemeClr>
-            </a:gs>
-          </a:gsLst>
-          <a:path path="circle">
-            <a:fillToRect l="50000" t="-80000" r="50000" b="180000"/>
-          </a:path>
-        </a:gradFill>
-        <a:gradFill rotWithShape="1">
-          <a:gsLst>
-            <a:gs pos="0">
-              <a:schemeClr val="phClr">
-                <a:tint val="80000"/>
-                <a:satMod val="300000"/>
-              </a:schemeClr>
-            </a:gs>
-            <a:gs pos="100000">
-              <a:schemeClr val="phClr">
-                <a:shade val="30000"/>
-                <a:satMod val="200000"/>
-              </a:schemeClr>
-            </a:gs>
-          </a:gsLst>
-          <a:path path="circle">
-            <a:fillToRect l="50000" t="50000" r="50000" b="50000"/>
-          </a:path>
-        </a:gradFill>
-      </a:bgFillStyleLst>
-    </a:fmtScheme>
-  </a:themeElements>
+  <a:objectDefaults/>
+  <a:extraClrSchemeLst/>
 </a:theme>
 </file>
--- a/assets/Assets_Presentaciones/TercerHito/Hito 3.pptx
+++ b/assets/Assets_Presentaciones/TercerHito/Hito 3.pptx
@@ -266,7 +266,7 @@
   </p:defaultTextStyle>
   <p:extLst>
     <p:ext uri="{EFAFB233-063F-42B5-8137-9DF3F51BA10A}">
-      <p15:sldGuideLst xmlns:p15="http://schemas.microsoft.com/office/powerpoint/2012/main" xmlns:p14="http://schemas.microsoft.com/office/powerpoint/2010/main" xmlns:com="http://schemas.openxmlformats.org/drawingml/2006/compatibility" xmlns:pvml="urn:schemas-microsoft-com:office:powerpoint" xmlns:v="urn:schemas-microsoft-com:vml" xmlns:o="urn:schemas-microsoft-com:office:office" xmlns:dgm="http://schemas.openxmlformats.org/drawingml/2006/diagram" xmlns:c="http://schemas.openxmlformats.org/drawingml/2006/chart" xmlns:mv="urn:schemas-microsoft-com:mac:vml" xmlns:mc="http://schemas.openxmlformats.org/markup-compatibility/2006" xmlns="">
+      <p15:sldGuideLst xmlns="" xmlns:mc="http://schemas.openxmlformats.org/markup-compatibility/2006" xmlns:mv="urn:schemas-microsoft-com:mac:vml" xmlns:c="http://schemas.openxmlformats.org/drawingml/2006/chart" xmlns:dgm="http://schemas.openxmlformats.org/drawingml/2006/diagram" xmlns:o="urn:schemas-microsoft-com:office:office" xmlns:v="urn:schemas-microsoft-com:vml" xmlns:pvml="urn:schemas-microsoft-com:office:powerpoint" xmlns:com="http://schemas.openxmlformats.org/drawingml/2006/compatibility" xmlns:p14="http://schemas.microsoft.com/office/powerpoint/2010/main" xmlns:p15="http://schemas.microsoft.com/office/powerpoint/2012/main">
         <p15:guide id="1" orient="horz" pos="1620">
           <p15:clr>
             <a:srgbClr val="A4A3A4"/>
@@ -6963,51 +6963,20 @@
       </p:sp>
       <p:sp>
         <p:nvSpPr>
-          <p:cNvPr id="58" name="Google Shape;58;p13"/>
-          <p:cNvSpPr txBox="1">
+          <p:cNvPr id="6" name="5 Subtítulo"/>
+          <p:cNvSpPr>
             <a:spLocks noGrp="1"/>
           </p:cNvSpPr>
           <p:nvPr>
             <p:ph type="subTitle" idx="1"/>
           </p:nvPr>
         </p:nvSpPr>
-        <p:spPr>
-          <a:xfrm>
-            <a:off x="8454600" y="4827300"/>
-            <a:ext cx="689400" cy="316200"/>
-          </a:xfrm>
-          <a:prstGeom prst="rect">
-            <a:avLst/>
-          </a:prstGeom>
-        </p:spPr>
+        <p:spPr/>
         <p:txBody>
-          <a:bodyPr spcFirstLastPara="1" wrap="square" lIns="91425" tIns="91425" rIns="91425" bIns="91425" anchor="t" anchorCtr="0">
-            <a:noAutofit/>
-          </a:bodyPr>
+          <a:bodyPr/>
           <a:lstStyle/>
           <a:p>
-            <a:pPr marL="0" lvl="0" indent="0" algn="r" rtl="0">
-              <a:spcBef>
-                <a:spcPts val="0"/>
-              </a:spcBef>
-              <a:spcAft>
-                <a:spcPts val="0"/>
-              </a:spcAft>
-              <a:buNone/>
-            </a:pPr>
-            <a:r>
-              <a:rPr lang="es" sz="600">
-                <a:solidFill>
-                  <a:srgbClr val="000000"/>
-                </a:solidFill>
-              </a:rPr>
-              <a:t>Pablo Cubells un poquito</a:t>
-            </a:r>
-            <a:endParaRPr sz="600">
-              <a:solidFill>
-                <a:srgbClr val="000000"/>
-              </a:solidFill>
-            </a:endParaRPr>
+            <a:endParaRPr lang="es-ES"/>
           </a:p>
         </p:txBody>
       </p:sp>
@@ -7093,16 +7062,7 @@
                 </a:solidFill>
                 <a:hlinkClick r:id="rId3"/>
               </a:rPr>
-              <a:t>https://moruyankiifighter.github.io/FighterTraig</a:t>
-            </a:r>
-            <a:r>
-              <a:rPr lang="es" sz="1300" u="sng">
-                <a:solidFill>
-                  <a:schemeClr val="hlink"/>
-                </a:solidFill>
-                <a:hlinkClick r:id="rId3"/>
-              </a:rPr>
-              <a:t>hter/</a:t>
+              <a:t>https://moruyankiifighter.github.io/FighterTraighter/</a:t>
             </a:r>
             <a:endParaRPr sz="1900"/>
           </a:p>

--- a/assets/Assets_Presentaciones/TercerHito/Hito 3.pptx
+++ b/assets/Assets_Presentaciones/TercerHito/Hito 3.pptx
@@ -15,8 +15,8 @@
     <p:sldId id="260" r:id="rId6"/>
     <p:sldId id="261" r:id="rId7"/>
     <p:sldId id="262" r:id="rId8"/>
-    <p:sldId id="263" r:id="rId9"/>
-    <p:sldId id="264" r:id="rId10"/>
+    <p:sldId id="264" r:id="rId9"/>
+    <p:sldId id="263" r:id="rId10"/>
     <p:sldId id="265" r:id="rId11"/>
     <p:sldId id="266" r:id="rId12"/>
   </p:sldIdLst>
@@ -266,7 +266,7 @@
   </p:defaultTextStyle>
   <p:extLst>
     <p:ext uri="{EFAFB233-063F-42B5-8137-9DF3F51BA10A}">
-      <p15:sldGuideLst xmlns="" xmlns:mc="http://schemas.openxmlformats.org/markup-compatibility/2006" xmlns:mv="urn:schemas-microsoft-com:mac:vml" xmlns:c="http://schemas.openxmlformats.org/drawingml/2006/chart" xmlns:dgm="http://schemas.openxmlformats.org/drawingml/2006/diagram" xmlns:o="urn:schemas-microsoft-com:office:office" xmlns:v="urn:schemas-microsoft-com:vml" xmlns:pvml="urn:schemas-microsoft-com:office:powerpoint" xmlns:com="http://schemas.openxmlformats.org/drawingml/2006/compatibility" xmlns:p14="http://schemas.microsoft.com/office/powerpoint/2010/main" xmlns:p15="http://schemas.microsoft.com/office/powerpoint/2012/main">
+      <p15:sldGuideLst xmlns:p15="http://schemas.microsoft.com/office/powerpoint/2012/main" xmlns:p14="http://schemas.microsoft.com/office/powerpoint/2010/main" xmlns:com="http://schemas.openxmlformats.org/drawingml/2006/compatibility" xmlns:pvml="urn:schemas-microsoft-com:office:powerpoint" xmlns:v="urn:schemas-microsoft-com:vml" xmlns:o="urn:schemas-microsoft-com:office:office" xmlns:dgm="http://schemas.openxmlformats.org/drawingml/2006/diagram" xmlns:c="http://schemas.openxmlformats.org/drawingml/2006/chart" xmlns:mv="urn:schemas-microsoft-com:mac:vml" xmlns:mc="http://schemas.openxmlformats.org/markup-compatibility/2006" xmlns="">
         <p15:guide id="1" orient="horz" pos="1620">
           <p15:clr>
             <a:srgbClr val="A4A3A4"/>
@@ -490,6 +490,11 @@
         </p:txBody>
       </p:sp>
     </p:spTree>
+    <p:extLst>
+      <p:ext uri="{BB962C8B-B14F-4D97-AF65-F5344CB8AC3E}">
+        <p14:creationId xmlns:p14="http://schemas.microsoft.com/office/powerpoint/2010/main" val="1349029378"/>
+      </p:ext>
+    </p:extLst>
   </p:cSld>
   <p:clrMap bg1="lt1" tx1="dk1" bg2="dk2" tx2="lt2" accent1="accent1" accent2="accent2" accent3="accent3" accent4="accent4" accent5="accent5" accent6="accent6" hlink="hlink" folHlink="folHlink"/>
   <p:notesStyle>
@@ -861,7 +866,7 @@
         </p:nvSpPr>
         <p:spPr>
           <a:xfrm>
-            <a:off x="381300" y="685800"/>
+            <a:off x="381000" y="685800"/>
             <a:ext cx="6096000" cy="3429000"/>
           </a:xfrm>
           <a:custGeom>
@@ -1696,6 +1701,117 @@
   <p:cSld>
     <p:spTree>
       <p:nvGrpSpPr>
+        <p:cNvPr id="1" name="Shape 139"/>
+        <p:cNvGrpSpPr/>
+        <p:nvPr/>
+      </p:nvGrpSpPr>
+      <p:grpSpPr>
+        <a:xfrm>
+          <a:off x="0" y="0"/>
+          <a:ext cx="0" cy="0"/>
+          <a:chOff x="0" y="0"/>
+          <a:chExt cx="0" cy="0"/>
+        </a:xfrm>
+      </p:grpSpPr>
+      <p:sp>
+        <p:nvSpPr>
+          <p:cNvPr id="140" name="Google Shape;140;g874eb89406_9_57:notes"/>
+          <p:cNvSpPr>
+            <a:spLocks noGrp="1" noRot="1" noChangeAspect="1"/>
+          </p:cNvSpPr>
+          <p:nvPr>
+            <p:ph type="sldImg" idx="2"/>
+          </p:nvPr>
+        </p:nvSpPr>
+        <p:spPr>
+          <a:xfrm>
+            <a:off x="381300" y="685800"/>
+            <a:ext cx="6096000" cy="3429000"/>
+          </a:xfrm>
+          <a:custGeom>
+            <a:avLst/>
+            <a:gdLst/>
+            <a:ahLst/>
+            <a:cxnLst/>
+            <a:rect l="l" t="t" r="r" b="b"/>
+            <a:pathLst>
+              <a:path w="120000" h="120000" extrusionOk="0">
+                <a:moveTo>
+                  <a:pt x="0" y="0"/>
+                </a:moveTo>
+                <a:lnTo>
+                  <a:pt x="120000" y="0"/>
+                </a:lnTo>
+                <a:lnTo>
+                  <a:pt x="120000" y="120000"/>
+                </a:lnTo>
+                <a:lnTo>
+                  <a:pt x="0" y="120000"/>
+                </a:lnTo>
+                <a:close/>
+              </a:path>
+            </a:pathLst>
+          </a:custGeom>
+        </p:spPr>
+      </p:sp>
+      <p:sp>
+        <p:nvSpPr>
+          <p:cNvPr id="141" name="Google Shape;141;g874eb89406_9_57:notes"/>
+          <p:cNvSpPr txBox="1">
+            <a:spLocks noGrp="1"/>
+          </p:cNvSpPr>
+          <p:nvPr>
+            <p:ph type="body" idx="1"/>
+          </p:nvPr>
+        </p:nvSpPr>
+        <p:spPr>
+          <a:xfrm>
+            <a:off x="685800" y="4343400"/>
+            <a:ext cx="5486400" cy="4114800"/>
+          </a:xfrm>
+          <a:prstGeom prst="rect">
+            <a:avLst/>
+          </a:prstGeom>
+        </p:spPr>
+        <p:txBody>
+          <a:bodyPr spcFirstLastPara="1" wrap="square" lIns="91425" tIns="91425" rIns="91425" bIns="91425" anchor="t" anchorCtr="0">
+            <a:noAutofit/>
+          </a:bodyPr>
+          <a:lstStyle/>
+          <a:p>
+            <a:pPr marL="0" lvl="0" indent="0" algn="l" rtl="0">
+              <a:lnSpc>
+                <a:spcPct val="115000"/>
+              </a:lnSpc>
+              <a:spcBef>
+                <a:spcPts val="0"/>
+              </a:spcBef>
+              <a:spcAft>
+                <a:spcPts val="1600"/>
+              </a:spcAft>
+              <a:buNone/>
+            </a:pPr>
+            <a:r>
+              <a:rPr lang="es" sz="1200"/>
+              <a:t>Un diseño suave y agradable a la vista.</a:t>
+            </a:r>
+            <a:endParaRPr sz="1200"/>
+          </a:p>
+        </p:txBody>
+      </p:sp>
+    </p:spTree>
+  </p:cSld>
+  <p:clrMapOvr>
+    <a:masterClrMapping/>
+  </p:clrMapOvr>
+</p:notes>
+</file>
+
+<file path=ppt/notesSlides/notesSlide9.xml><?xml version="1.0" encoding="utf-8"?>
+<p:notes xmlns:a="http://schemas.openxmlformats.org/drawingml/2006/main" xmlns:r="http://schemas.openxmlformats.org/officeDocument/2006/relationships" xmlns:p="http://schemas.openxmlformats.org/presentationml/2006/main" showMasterSp="0" showMasterPhAnim="0">
+  <p:cSld>
+    <p:spTree>
+      <p:nvGrpSpPr>
         <p:cNvPr id="1" name="Shape 121"/>
         <p:cNvGrpSpPr/>
         <p:nvPr/>
@@ -1784,117 +1900,6 @@
               <a:buNone/>
             </a:pPr>
             <a:endParaRPr/>
-          </a:p>
-        </p:txBody>
-      </p:sp>
-    </p:spTree>
-  </p:cSld>
-  <p:clrMapOvr>
-    <a:masterClrMapping/>
-  </p:clrMapOvr>
-</p:notes>
-</file>
-
-<file path=ppt/notesSlides/notesSlide9.xml><?xml version="1.0" encoding="utf-8"?>
-<p:notes xmlns:a="http://schemas.openxmlformats.org/drawingml/2006/main" xmlns:r="http://schemas.openxmlformats.org/officeDocument/2006/relationships" xmlns:p="http://schemas.openxmlformats.org/presentationml/2006/main" showMasterSp="0" showMasterPhAnim="0">
-  <p:cSld>
-    <p:spTree>
-      <p:nvGrpSpPr>
-        <p:cNvPr id="1" name="Shape 139"/>
-        <p:cNvGrpSpPr/>
-        <p:nvPr/>
-      </p:nvGrpSpPr>
-      <p:grpSpPr>
-        <a:xfrm>
-          <a:off x="0" y="0"/>
-          <a:ext cx="0" cy="0"/>
-          <a:chOff x="0" y="0"/>
-          <a:chExt cx="0" cy="0"/>
-        </a:xfrm>
-      </p:grpSpPr>
-      <p:sp>
-        <p:nvSpPr>
-          <p:cNvPr id="140" name="Google Shape;140;g874eb89406_9_57:notes"/>
-          <p:cNvSpPr>
-            <a:spLocks noGrp="1" noRot="1" noChangeAspect="1"/>
-          </p:cNvSpPr>
-          <p:nvPr>
-            <p:ph type="sldImg" idx="2"/>
-          </p:nvPr>
-        </p:nvSpPr>
-        <p:spPr>
-          <a:xfrm>
-            <a:off x="381300" y="685800"/>
-            <a:ext cx="6096000" cy="3429000"/>
-          </a:xfrm>
-          <a:custGeom>
-            <a:avLst/>
-            <a:gdLst/>
-            <a:ahLst/>
-            <a:cxnLst/>
-            <a:rect l="l" t="t" r="r" b="b"/>
-            <a:pathLst>
-              <a:path w="120000" h="120000" extrusionOk="0">
-                <a:moveTo>
-                  <a:pt x="0" y="0"/>
-                </a:moveTo>
-                <a:lnTo>
-                  <a:pt x="120000" y="0"/>
-                </a:lnTo>
-                <a:lnTo>
-                  <a:pt x="120000" y="120000"/>
-                </a:lnTo>
-                <a:lnTo>
-                  <a:pt x="0" y="120000"/>
-                </a:lnTo>
-                <a:close/>
-              </a:path>
-            </a:pathLst>
-          </a:custGeom>
-        </p:spPr>
-      </p:sp>
-      <p:sp>
-        <p:nvSpPr>
-          <p:cNvPr id="141" name="Google Shape;141;g874eb89406_9_57:notes"/>
-          <p:cNvSpPr txBox="1">
-            <a:spLocks noGrp="1"/>
-          </p:cNvSpPr>
-          <p:nvPr>
-            <p:ph type="body" idx="1"/>
-          </p:nvPr>
-        </p:nvSpPr>
-        <p:spPr>
-          <a:xfrm>
-            <a:off x="685800" y="4343400"/>
-            <a:ext cx="5486400" cy="4114800"/>
-          </a:xfrm>
-          <a:prstGeom prst="rect">
-            <a:avLst/>
-          </a:prstGeom>
-        </p:spPr>
-        <p:txBody>
-          <a:bodyPr spcFirstLastPara="1" wrap="square" lIns="91425" tIns="91425" rIns="91425" bIns="91425" anchor="t" anchorCtr="0">
-            <a:noAutofit/>
-          </a:bodyPr>
-          <a:lstStyle/>
-          <a:p>
-            <a:pPr marL="0" lvl="0" indent="0" algn="l" rtl="0">
-              <a:lnSpc>
-                <a:spcPct val="115000"/>
-              </a:lnSpc>
-              <a:spcBef>
-                <a:spcPts val="0"/>
-              </a:spcBef>
-              <a:spcAft>
-                <a:spcPts val="1600"/>
-              </a:spcAft>
-              <a:buNone/>
-            </a:pPr>
-            <a:r>
-              <a:rPr lang="es" sz="1200"/>
-              <a:t>Un diseño suave y agradable a la vista.</a:t>
-            </a:r>
-            <a:endParaRPr sz="1200"/>
           </a:p>
         </p:txBody>
       </p:sp>
@@ -6985,6 +6990,13 @@
   <p:clrMapOvr>
     <a:masterClrMapping/>
   </p:clrMapOvr>
+  <p:timing>
+    <p:tnLst>
+      <p:par>
+        <p:cTn id="1" dur="indefinite" restart="never" nodeType="tmRoot"/>
+      </p:par>
+    </p:tnLst>
+  </p:timing>
 </p:sld>
 </file>
 
@@ -7017,7 +7029,7 @@
         </p:nvSpPr>
         <p:spPr>
           <a:xfrm>
-            <a:off x="311700" y="1152475"/>
+            <a:off x="149575" y="1152475"/>
             <a:ext cx="8520600" cy="3416400"/>
           </a:xfrm>
           <a:prstGeom prst="rect">
@@ -7040,10 +7052,10 @@
               <a:buNone/>
             </a:pPr>
             <a:r>
-              <a:rPr lang="es"/>
+              <a:rPr lang="es" dirty="0"/>
               <a:t>Nuestra página web:</a:t>
             </a:r>
-            <a:endParaRPr/>
+            <a:endParaRPr dirty="0"/>
           </a:p>
           <a:p>
             <a:pPr marL="0" lvl="0" indent="0" algn="l" rtl="0">
@@ -7056,7 +7068,7 @@
               <a:buNone/>
             </a:pPr>
             <a:r>
-              <a:rPr lang="es" sz="1300" u="sng">
+              <a:rPr lang="es" sz="1300" u="sng" dirty="0">
                 <a:solidFill>
                   <a:schemeClr val="hlink"/>
                 </a:solidFill>
@@ -7064,7 +7076,7 @@
               </a:rPr>
               <a:t>https://moruyankiifighter.github.io/FighterTraighter/</a:t>
             </a:r>
-            <a:endParaRPr sz="1900"/>
+            <a:endParaRPr sz="1900" dirty="0"/>
           </a:p>
           <a:p>
             <a:pPr marL="0" lvl="0" indent="0" algn="l" rtl="0">
@@ -7076,7 +7088,7 @@
               </a:spcAft>
               <a:buNone/>
             </a:pPr>
-            <a:endParaRPr/>
+            <a:endParaRPr dirty="0"/>
           </a:p>
           <a:p>
             <a:pPr marL="0" lvl="0" indent="0" algn="l" rtl="0">
@@ -7089,10 +7101,10 @@
               <a:buNone/>
             </a:pPr>
             <a:r>
-              <a:rPr lang="es" sz="1700"/>
+              <a:rPr lang="es" sz="1700" dirty="0"/>
               <a:t>Te contamos de lo que va</a:t>
             </a:r>
-            <a:endParaRPr sz="1700"/>
+            <a:endParaRPr sz="1700" dirty="0"/>
           </a:p>
           <a:p>
             <a:pPr marL="0" lvl="0" indent="0" algn="l" rtl="0">
@@ -7105,10 +7117,10 @@
               <a:buNone/>
             </a:pPr>
             <a:r>
-              <a:rPr lang="es" sz="1700"/>
+              <a:rPr lang="es" sz="1700" dirty="0"/>
               <a:t>nuestro juego.</a:t>
             </a:r>
-            <a:endParaRPr sz="1700"/>
+            <a:endParaRPr sz="1700" dirty="0"/>
           </a:p>
           <a:p>
             <a:pPr marL="0" lvl="0" indent="0" algn="l" rtl="0">
@@ -7121,10 +7133,10 @@
               <a:buNone/>
             </a:pPr>
             <a:r>
-              <a:rPr lang="es" sz="1700"/>
+              <a:rPr lang="es" sz="1700" dirty="0"/>
               <a:t>¡Con instalador y todo! ¡Haz clic en descargar!</a:t>
             </a:r>
-            <a:endParaRPr sz="1700"/>
+            <a:endParaRPr sz="1700" dirty="0"/>
           </a:p>
           <a:p>
             <a:pPr marL="0" lvl="0" indent="0" algn="l" rtl="0">
@@ -7137,10 +7149,10 @@
               <a:buNone/>
             </a:pPr>
             <a:r>
-              <a:rPr lang="es" sz="1700"/>
+              <a:rPr lang="es" sz="1700" dirty="0"/>
               <a:t>Puedes vernos la cara en la sección “Quienes somos”.</a:t>
             </a:r>
-            <a:endParaRPr sz="1700"/>
+            <a:endParaRPr sz="1700" dirty="0"/>
           </a:p>
         </p:txBody>
       </p:sp>
@@ -7229,6 +7241,13 @@
   <p:clrMapOvr>
     <a:masterClrMapping/>
   </p:clrMapOvr>
+  <p:timing>
+    <p:tnLst>
+      <p:par>
+        <p:cTn id="1" dur="indefinite" restart="never" nodeType="tmRoot"/>
+      </p:par>
+    </p:tnLst>
+  </p:timing>
 </p:sld>
 </file>
 
@@ -7488,6 +7507,13 @@
   <p:clrMapOvr>
     <a:masterClrMapping/>
   </p:clrMapOvr>
+  <p:timing>
+    <p:tnLst>
+      <p:par>
+        <p:cTn id="1" dur="indefinite" restart="never" nodeType="tmRoot"/>
+      </p:par>
+    </p:tnLst>
+  </p:timing>
 </p:sld>
 </file>
 
@@ -8105,6 +8131,13 @@
   <p:clrMapOvr>
     <a:masterClrMapping/>
   </p:clrMapOvr>
+  <p:timing>
+    <p:tnLst>
+      <p:par>
+        <p:cTn id="1" dur="indefinite" restart="never" nodeType="tmRoot"/>
+      </p:par>
+    </p:tnLst>
+  </p:timing>
 </p:sld>
 </file>
 
@@ -8847,6 +8880,13 @@
   <p:clrMapOvr>
     <a:masterClrMapping/>
   </p:clrMapOvr>
+  <p:timing>
+    <p:tnLst>
+      <p:par>
+        <p:cTn id="1" dur="indefinite" restart="never" nodeType="tmRoot"/>
+      </p:par>
+    </p:tnLst>
+  </p:timing>
 </p:sld>
 </file>
 
@@ -9699,6 +9739,256 @@
 </file>
 
 <file path=ppt/slides/slide8.xml><?xml version="1.0" encoding="utf-8"?>
+<p:sld xmlns:a="http://schemas.openxmlformats.org/drawingml/2006/main" xmlns:r="http://schemas.openxmlformats.org/officeDocument/2006/relationships" xmlns:p="http://schemas.openxmlformats.org/presentationml/2006/main">
+  <p:cSld>
+    <p:spTree>
+      <p:nvGrpSpPr>
+        <p:cNvPr id="1" name="Shape 142"/>
+        <p:cNvGrpSpPr/>
+        <p:nvPr/>
+      </p:nvGrpSpPr>
+      <p:grpSpPr>
+        <a:xfrm>
+          <a:off x="0" y="0"/>
+          <a:ext cx="0" cy="0"/>
+          <a:chOff x="0" y="0"/>
+          <a:chExt cx="0" cy="0"/>
+        </a:xfrm>
+      </p:grpSpPr>
+      <p:sp>
+        <p:nvSpPr>
+          <p:cNvPr id="143" name="Google Shape;143;p21"/>
+          <p:cNvSpPr txBox="1">
+            <a:spLocks noGrp="1"/>
+          </p:cNvSpPr>
+          <p:nvPr>
+            <p:ph type="title"/>
+          </p:nvPr>
+        </p:nvSpPr>
+        <p:spPr>
+          <a:xfrm>
+            <a:off x="311700" y="0"/>
+            <a:ext cx="8520600" cy="572700"/>
+          </a:xfrm>
+          <a:prstGeom prst="rect">
+            <a:avLst/>
+          </a:prstGeom>
+        </p:spPr>
+        <p:txBody>
+          <a:bodyPr spcFirstLastPara="1" wrap="square" lIns="91425" tIns="91425" rIns="91425" bIns="91425" anchor="t" anchorCtr="0">
+            <a:noAutofit/>
+          </a:bodyPr>
+          <a:lstStyle/>
+          <a:p>
+            <a:pPr marL="0" lvl="0" indent="0" algn="ctr" rtl="0">
+              <a:spcBef>
+                <a:spcPts val="0"/>
+              </a:spcBef>
+              <a:spcAft>
+                <a:spcPts val="0"/>
+              </a:spcAft>
+              <a:buNone/>
+            </a:pPr>
+            <a:r>
+              <a:rPr lang="es" sz="3600">
+                <a:latin typeface="Lora"/>
+                <a:ea typeface="Lora"/>
+                <a:cs typeface="Lora"/>
+                <a:sym typeface="Lora"/>
+              </a:rPr>
+              <a:t>ARTE</a:t>
+            </a:r>
+            <a:endParaRPr sz="3600">
+              <a:latin typeface="Lora"/>
+              <a:ea typeface="Lora"/>
+              <a:cs typeface="Lora"/>
+              <a:sym typeface="Lora"/>
+            </a:endParaRPr>
+          </a:p>
+        </p:txBody>
+      </p:sp>
+      <p:pic>
+        <p:nvPicPr>
+          <p:cNvPr id="144" name="Google Shape;144;p21"/>
+          <p:cNvPicPr preferRelativeResize="0"/>
+          <p:nvPr/>
+        </p:nvPicPr>
+        <p:blipFill>
+          <a:blip r:embed="rId3">
+            <a:alphaModFix/>
+          </a:blip>
+          <a:stretch>
+            <a:fillRect/>
+          </a:stretch>
+        </p:blipFill>
+        <p:spPr>
+          <a:xfrm>
+            <a:off x="7898950" y="45925"/>
+            <a:ext cx="1209925" cy="1209925"/>
+          </a:xfrm>
+          <a:prstGeom prst="rect">
+            <a:avLst/>
+          </a:prstGeom>
+          <a:noFill/>
+          <a:ln>
+            <a:noFill/>
+          </a:ln>
+        </p:spPr>
+      </p:pic>
+      <p:sp>
+        <p:nvSpPr>
+          <p:cNvPr id="145" name="Google Shape;145;p21"/>
+          <p:cNvSpPr txBox="1">
+            <a:spLocks noGrp="1"/>
+          </p:cNvSpPr>
+          <p:nvPr>
+            <p:ph type="body" idx="1"/>
+          </p:nvPr>
+        </p:nvSpPr>
+        <p:spPr>
+          <a:xfrm>
+            <a:off x="125000" y="572700"/>
+            <a:ext cx="8520600" cy="3416400"/>
+          </a:xfrm>
+          <a:prstGeom prst="rect">
+            <a:avLst/>
+          </a:prstGeom>
+        </p:spPr>
+        <p:txBody>
+          <a:bodyPr spcFirstLastPara="1" wrap="square" lIns="91425" tIns="91425" rIns="91425" bIns="91425" anchor="t" anchorCtr="0">
+            <a:noAutofit/>
+          </a:bodyPr>
+          <a:lstStyle/>
+          <a:p>
+            <a:pPr marL="0" lvl="0" indent="0" algn="l" rtl="0">
+              <a:spcBef>
+                <a:spcPts val="0"/>
+              </a:spcBef>
+              <a:spcAft>
+                <a:spcPts val="0"/>
+              </a:spcAft>
+              <a:buNone/>
+            </a:pPr>
+            <a:endParaRPr sz="2000"/>
+          </a:p>
+          <a:p>
+            <a:pPr marL="0" lvl="0" indent="0" algn="ctr" rtl="0">
+              <a:spcBef>
+                <a:spcPts val="1600"/>
+              </a:spcBef>
+              <a:spcAft>
+                <a:spcPts val="0"/>
+              </a:spcAft>
+              <a:buNone/>
+            </a:pPr>
+            <a:endParaRPr sz="1700"/>
+          </a:p>
+          <a:p>
+            <a:pPr marL="0" lvl="0" indent="0" algn="ctr" rtl="0">
+              <a:spcBef>
+                <a:spcPts val="1600"/>
+              </a:spcBef>
+              <a:spcAft>
+                <a:spcPts val="0"/>
+              </a:spcAft>
+              <a:buNone/>
+            </a:pPr>
+            <a:endParaRPr sz="1700"/>
+          </a:p>
+          <a:p>
+            <a:pPr marL="0" lvl="0" indent="0" algn="ctr" rtl="0">
+              <a:spcBef>
+                <a:spcPts val="1600"/>
+              </a:spcBef>
+              <a:spcAft>
+                <a:spcPts val="0"/>
+              </a:spcAft>
+              <a:buNone/>
+            </a:pPr>
+            <a:endParaRPr sz="1700"/>
+          </a:p>
+          <a:p>
+            <a:pPr marL="0" lvl="0" indent="0" algn="ctr" rtl="0">
+              <a:spcBef>
+                <a:spcPts val="1600"/>
+              </a:spcBef>
+              <a:spcAft>
+                <a:spcPts val="0"/>
+              </a:spcAft>
+              <a:buNone/>
+            </a:pPr>
+            <a:endParaRPr sz="1700"/>
+          </a:p>
+          <a:p>
+            <a:pPr marL="0" lvl="0" indent="0" algn="ctr" rtl="0">
+              <a:spcBef>
+                <a:spcPts val="1600"/>
+              </a:spcBef>
+              <a:spcAft>
+                <a:spcPts val="0"/>
+              </a:spcAft>
+              <a:buNone/>
+            </a:pPr>
+            <a:endParaRPr sz="1700"/>
+          </a:p>
+          <a:p>
+            <a:pPr marL="0" lvl="0" indent="0" algn="ctr" rtl="0">
+              <a:spcBef>
+                <a:spcPts val="1600"/>
+              </a:spcBef>
+              <a:spcAft>
+                <a:spcPts val="1600"/>
+              </a:spcAft>
+              <a:buNone/>
+            </a:pPr>
+            <a:endParaRPr sz="1700"/>
+          </a:p>
+        </p:txBody>
+      </p:sp>
+      <p:pic>
+        <p:nvPicPr>
+          <p:cNvPr id="146" name="Google Shape;146;p21"/>
+          <p:cNvPicPr preferRelativeResize="0"/>
+          <p:nvPr/>
+        </p:nvPicPr>
+        <p:blipFill>
+          <a:blip r:embed="rId4">
+            <a:alphaModFix/>
+          </a:blip>
+          <a:stretch>
+            <a:fillRect/>
+          </a:stretch>
+        </p:blipFill>
+        <p:spPr>
+          <a:xfrm>
+            <a:off x="515850" y="801302"/>
+            <a:ext cx="7146976" cy="4004700"/>
+          </a:xfrm>
+          <a:prstGeom prst="rect">
+            <a:avLst/>
+          </a:prstGeom>
+          <a:noFill/>
+          <a:ln>
+            <a:noFill/>
+          </a:ln>
+        </p:spPr>
+      </p:pic>
+    </p:spTree>
+  </p:cSld>
+  <p:clrMapOvr>
+    <a:masterClrMapping/>
+  </p:clrMapOvr>
+  <p:timing>
+    <p:tnLst>
+      <p:par>
+        <p:cTn id="1" dur="indefinite" restart="never" nodeType="tmRoot"/>
+      </p:par>
+    </p:tnLst>
+  </p:timing>
+</p:sld>
+</file>
+
+<file path=ppt/slides/slide9.xml><?xml version="1.0" encoding="utf-8"?>
 <p:sld xmlns:a="http://schemas.openxmlformats.org/drawingml/2006/main" xmlns:r="http://schemas.openxmlformats.org/officeDocument/2006/relationships" xmlns:p="http://schemas.openxmlformats.org/presentationml/2006/main">
   <p:cSld>
     <p:spTree>
@@ -10874,249 +11164,6 @@
 </p:sld>
 </file>
 
-<file path=ppt/slides/slide9.xml><?xml version="1.0" encoding="utf-8"?>
-<p:sld xmlns:a="http://schemas.openxmlformats.org/drawingml/2006/main" xmlns:r="http://schemas.openxmlformats.org/officeDocument/2006/relationships" xmlns:p="http://schemas.openxmlformats.org/presentationml/2006/main">
-  <p:cSld>
-    <p:spTree>
-      <p:nvGrpSpPr>
-        <p:cNvPr id="1" name="Shape 142"/>
-        <p:cNvGrpSpPr/>
-        <p:nvPr/>
-      </p:nvGrpSpPr>
-      <p:grpSpPr>
-        <a:xfrm>
-          <a:off x="0" y="0"/>
-          <a:ext cx="0" cy="0"/>
-          <a:chOff x="0" y="0"/>
-          <a:chExt cx="0" cy="0"/>
-        </a:xfrm>
-      </p:grpSpPr>
-      <p:sp>
-        <p:nvSpPr>
-          <p:cNvPr id="143" name="Google Shape;143;p21"/>
-          <p:cNvSpPr txBox="1">
-            <a:spLocks noGrp="1"/>
-          </p:cNvSpPr>
-          <p:nvPr>
-            <p:ph type="title"/>
-          </p:nvPr>
-        </p:nvSpPr>
-        <p:spPr>
-          <a:xfrm>
-            <a:off x="311700" y="0"/>
-            <a:ext cx="8520600" cy="572700"/>
-          </a:xfrm>
-          <a:prstGeom prst="rect">
-            <a:avLst/>
-          </a:prstGeom>
-        </p:spPr>
-        <p:txBody>
-          <a:bodyPr spcFirstLastPara="1" wrap="square" lIns="91425" tIns="91425" rIns="91425" bIns="91425" anchor="t" anchorCtr="0">
-            <a:noAutofit/>
-          </a:bodyPr>
-          <a:lstStyle/>
-          <a:p>
-            <a:pPr marL="0" lvl="0" indent="0" algn="ctr" rtl="0">
-              <a:spcBef>
-                <a:spcPts val="0"/>
-              </a:spcBef>
-              <a:spcAft>
-                <a:spcPts val="0"/>
-              </a:spcAft>
-              <a:buNone/>
-            </a:pPr>
-            <a:r>
-              <a:rPr lang="es" sz="3600">
-                <a:latin typeface="Lora"/>
-                <a:ea typeface="Lora"/>
-                <a:cs typeface="Lora"/>
-                <a:sym typeface="Lora"/>
-              </a:rPr>
-              <a:t>ARTE</a:t>
-            </a:r>
-            <a:endParaRPr sz="3600">
-              <a:latin typeface="Lora"/>
-              <a:ea typeface="Lora"/>
-              <a:cs typeface="Lora"/>
-              <a:sym typeface="Lora"/>
-            </a:endParaRPr>
-          </a:p>
-        </p:txBody>
-      </p:sp>
-      <p:pic>
-        <p:nvPicPr>
-          <p:cNvPr id="144" name="Google Shape;144;p21"/>
-          <p:cNvPicPr preferRelativeResize="0"/>
-          <p:nvPr/>
-        </p:nvPicPr>
-        <p:blipFill>
-          <a:blip r:embed="rId3">
-            <a:alphaModFix/>
-          </a:blip>
-          <a:stretch>
-            <a:fillRect/>
-          </a:stretch>
-        </p:blipFill>
-        <p:spPr>
-          <a:xfrm>
-            <a:off x="7898950" y="45925"/>
-            <a:ext cx="1209925" cy="1209925"/>
-          </a:xfrm>
-          <a:prstGeom prst="rect">
-            <a:avLst/>
-          </a:prstGeom>
-          <a:noFill/>
-          <a:ln>
-            <a:noFill/>
-          </a:ln>
-        </p:spPr>
-      </p:pic>
-      <p:sp>
-        <p:nvSpPr>
-          <p:cNvPr id="145" name="Google Shape;145;p21"/>
-          <p:cNvSpPr txBox="1">
-            <a:spLocks noGrp="1"/>
-          </p:cNvSpPr>
-          <p:nvPr>
-            <p:ph type="body" idx="1"/>
-          </p:nvPr>
-        </p:nvSpPr>
-        <p:spPr>
-          <a:xfrm>
-            <a:off x="125000" y="572700"/>
-            <a:ext cx="8520600" cy="3416400"/>
-          </a:xfrm>
-          <a:prstGeom prst="rect">
-            <a:avLst/>
-          </a:prstGeom>
-        </p:spPr>
-        <p:txBody>
-          <a:bodyPr spcFirstLastPara="1" wrap="square" lIns="91425" tIns="91425" rIns="91425" bIns="91425" anchor="t" anchorCtr="0">
-            <a:noAutofit/>
-          </a:bodyPr>
-          <a:lstStyle/>
-          <a:p>
-            <a:pPr marL="0" lvl="0" indent="0" algn="l" rtl="0">
-              <a:spcBef>
-                <a:spcPts val="0"/>
-              </a:spcBef>
-              <a:spcAft>
-                <a:spcPts val="0"/>
-              </a:spcAft>
-              <a:buNone/>
-            </a:pPr>
-            <a:endParaRPr sz="2000"/>
-          </a:p>
-          <a:p>
-            <a:pPr marL="0" lvl="0" indent="0" algn="ctr" rtl="0">
-              <a:spcBef>
-                <a:spcPts val="1600"/>
-              </a:spcBef>
-              <a:spcAft>
-                <a:spcPts val="0"/>
-              </a:spcAft>
-              <a:buNone/>
-            </a:pPr>
-            <a:endParaRPr sz="1700"/>
-          </a:p>
-          <a:p>
-            <a:pPr marL="0" lvl="0" indent="0" algn="ctr" rtl="0">
-              <a:spcBef>
-                <a:spcPts val="1600"/>
-              </a:spcBef>
-              <a:spcAft>
-                <a:spcPts val="0"/>
-              </a:spcAft>
-              <a:buNone/>
-            </a:pPr>
-            <a:endParaRPr sz="1700"/>
-          </a:p>
-          <a:p>
-            <a:pPr marL="0" lvl="0" indent="0" algn="ctr" rtl="0">
-              <a:spcBef>
-                <a:spcPts val="1600"/>
-              </a:spcBef>
-              <a:spcAft>
-                <a:spcPts val="0"/>
-              </a:spcAft>
-              <a:buNone/>
-            </a:pPr>
-            <a:endParaRPr sz="1700"/>
-          </a:p>
-          <a:p>
-            <a:pPr marL="0" lvl="0" indent="0" algn="ctr" rtl="0">
-              <a:spcBef>
-                <a:spcPts val="1600"/>
-              </a:spcBef>
-              <a:spcAft>
-                <a:spcPts val="0"/>
-              </a:spcAft>
-              <a:buNone/>
-            </a:pPr>
-            <a:endParaRPr sz="1700"/>
-          </a:p>
-          <a:p>
-            <a:pPr marL="0" lvl="0" indent="0" algn="ctr" rtl="0">
-              <a:spcBef>
-                <a:spcPts val="1600"/>
-              </a:spcBef>
-              <a:spcAft>
-                <a:spcPts val="0"/>
-              </a:spcAft>
-              <a:buNone/>
-            </a:pPr>
-            <a:endParaRPr sz="1700"/>
-          </a:p>
-          <a:p>
-            <a:pPr marL="0" lvl="0" indent="0" algn="ctr" rtl="0">
-              <a:spcBef>
-                <a:spcPts val="1600"/>
-              </a:spcBef>
-              <a:spcAft>
-                <a:spcPts val="1600"/>
-              </a:spcAft>
-              <a:buNone/>
-            </a:pPr>
-            <a:endParaRPr sz="1700"/>
-          </a:p>
-        </p:txBody>
-      </p:sp>
-      <p:pic>
-        <p:nvPicPr>
-          <p:cNvPr id="146" name="Google Shape;146;p21"/>
-          <p:cNvPicPr preferRelativeResize="0"/>
-          <p:nvPr/>
-        </p:nvPicPr>
-        <p:blipFill>
-          <a:blip r:embed="rId4">
-            <a:alphaModFix/>
-          </a:blip>
-          <a:stretch>
-            <a:fillRect/>
-          </a:stretch>
-        </p:blipFill>
-        <p:spPr>
-          <a:xfrm>
-            <a:off x="515850" y="801302"/>
-            <a:ext cx="7146976" cy="4004700"/>
-          </a:xfrm>
-          <a:prstGeom prst="rect">
-            <a:avLst/>
-          </a:prstGeom>
-          <a:noFill/>
-          <a:ln>
-            <a:noFill/>
-          </a:ln>
-        </p:spPr>
-      </p:pic>
-    </p:spTree>
-  </p:cSld>
-  <p:clrMapOvr>
-    <a:masterClrMapping/>
-  </p:clrMapOvr>
-</p:sld>
-</file>
-
 <file path=ppt/theme/theme1.xml><?xml version="1.0" encoding="utf-8"?>
 <a:theme xmlns:a="http://schemas.openxmlformats.org/drawingml/2006/main" name="Simple Dark">
   <a:themeElements>
